--- a/slides/cds431_week6_2.pptx
+++ b/slides/cds431_week6_2.pptx
@@ -5,14 +5,22 @@
     <p:sldMasterId id="2147483648" r:id="rId1"/>
   </p:sldMasterIdLst>
   <p:notesMasterIdLst>
-    <p:notesMasterId r:id="rId7"/>
+    <p:notesMasterId r:id="rId15"/>
   </p:notesMasterIdLst>
   <p:sldIdLst>
-    <p:sldId id="428" r:id="rId2"/>
-    <p:sldId id="429" r:id="rId3"/>
-    <p:sldId id="430" r:id="rId4"/>
-    <p:sldId id="461" r:id="rId5"/>
-    <p:sldId id="369" r:id="rId6"/>
+    <p:sldId id="421" r:id="rId2"/>
+    <p:sldId id="422" r:id="rId3"/>
+    <p:sldId id="520" r:id="rId4"/>
+    <p:sldId id="571" r:id="rId5"/>
+    <p:sldId id="575" r:id="rId6"/>
+    <p:sldId id="574" r:id="rId7"/>
+    <p:sldId id="444" r:id="rId8"/>
+    <p:sldId id="365" r:id="rId9"/>
+    <p:sldId id="367" r:id="rId10"/>
+    <p:sldId id="366" r:id="rId11"/>
+    <p:sldId id="522" r:id="rId12"/>
+    <p:sldId id="523" r:id="rId13"/>
+    <p:sldId id="480" r:id="rId14"/>
   </p:sldIdLst>
   <p:sldSz cx="12192000" cy="6858000"/>
   <p:notesSz cx="6858000" cy="9144000"/>
@@ -119,6 +127,2665 @@
 </p:presentation>
 </file>
 
+<file path=ppt/diagrams/colors1.xml><?xml version="1.0" encoding="utf-8"?>
+<dgm:colorsDef xmlns:dgm="http://schemas.openxmlformats.org/drawingml/2006/diagram" xmlns:a="http://schemas.openxmlformats.org/drawingml/2006/main" uniqueId="urn:microsoft.com/office/officeart/2005/8/colors/colorful2">
+  <dgm:title val=""/>
+  <dgm:desc val=""/>
+  <dgm:catLst>
+    <dgm:cat type="colorful" pri="10200"/>
+  </dgm:catLst>
+  <dgm:styleLbl name="node0">
+    <dgm:fillClrLst meth="repeat">
+      <a:schemeClr val="accent1"/>
+    </dgm:fillClrLst>
+    <dgm:linClrLst meth="repeat">
+      <a:schemeClr val="lt1"/>
+    </dgm:linClrLst>
+    <dgm:effectClrLst/>
+    <dgm:txLinClrLst/>
+    <dgm:txFillClrLst/>
+    <dgm:txEffectClrLst/>
+  </dgm:styleLbl>
+  <dgm:styleLbl name="node1">
+    <dgm:fillClrLst>
+      <a:schemeClr val="accent2"/>
+      <a:schemeClr val="accent3"/>
+    </dgm:fillClrLst>
+    <dgm:linClrLst meth="repeat">
+      <a:schemeClr val="lt1"/>
+    </dgm:linClrLst>
+    <dgm:effectClrLst/>
+    <dgm:txLinClrLst/>
+    <dgm:txFillClrLst/>
+    <dgm:txEffectClrLst/>
+  </dgm:styleLbl>
+  <dgm:styleLbl name="alignNode1">
+    <dgm:fillClrLst>
+      <a:schemeClr val="accent2"/>
+      <a:schemeClr val="accent3"/>
+    </dgm:fillClrLst>
+    <dgm:linClrLst>
+      <a:schemeClr val="accent2"/>
+      <a:schemeClr val="accent3"/>
+    </dgm:linClrLst>
+    <dgm:effectClrLst/>
+    <dgm:txLinClrLst/>
+    <dgm:txFillClrLst/>
+    <dgm:txEffectClrLst/>
+  </dgm:styleLbl>
+  <dgm:styleLbl name="lnNode1">
+    <dgm:fillClrLst>
+      <a:schemeClr val="accent2"/>
+      <a:schemeClr val="accent3"/>
+    </dgm:fillClrLst>
+    <dgm:linClrLst meth="repeat">
+      <a:schemeClr val="lt1"/>
+    </dgm:linClrLst>
+    <dgm:effectClrLst/>
+    <dgm:txLinClrLst/>
+    <dgm:txFillClrLst/>
+    <dgm:txEffectClrLst/>
+  </dgm:styleLbl>
+  <dgm:styleLbl name="vennNode1">
+    <dgm:fillClrLst>
+      <a:schemeClr val="accent2">
+        <a:alpha val="50000"/>
+      </a:schemeClr>
+      <a:schemeClr val="accent3">
+        <a:alpha val="50000"/>
+      </a:schemeClr>
+    </dgm:fillClrLst>
+    <dgm:linClrLst meth="repeat">
+      <a:schemeClr val="lt1"/>
+    </dgm:linClrLst>
+    <dgm:effectClrLst/>
+    <dgm:txLinClrLst/>
+    <dgm:txFillClrLst/>
+    <dgm:txEffectClrLst/>
+  </dgm:styleLbl>
+  <dgm:styleLbl name="node2">
+    <dgm:fillClrLst>
+      <a:schemeClr val="accent3"/>
+    </dgm:fillClrLst>
+    <dgm:linClrLst meth="repeat">
+      <a:schemeClr val="lt1"/>
+    </dgm:linClrLst>
+    <dgm:effectClrLst/>
+    <dgm:txLinClrLst/>
+    <dgm:txFillClrLst/>
+    <dgm:txEffectClrLst/>
+  </dgm:styleLbl>
+  <dgm:styleLbl name="node3">
+    <dgm:fillClrLst>
+      <a:schemeClr val="accent4"/>
+    </dgm:fillClrLst>
+    <dgm:linClrLst meth="repeat">
+      <a:schemeClr val="lt1"/>
+    </dgm:linClrLst>
+    <dgm:effectClrLst/>
+    <dgm:txLinClrLst/>
+    <dgm:txFillClrLst/>
+    <dgm:txEffectClrLst/>
+  </dgm:styleLbl>
+  <dgm:styleLbl name="node4">
+    <dgm:fillClrLst>
+      <a:schemeClr val="accent5"/>
+    </dgm:fillClrLst>
+    <dgm:linClrLst meth="repeat">
+      <a:schemeClr val="lt1"/>
+    </dgm:linClrLst>
+    <dgm:effectClrLst/>
+    <dgm:txLinClrLst/>
+    <dgm:txFillClrLst/>
+    <dgm:txEffectClrLst/>
+  </dgm:styleLbl>
+  <dgm:styleLbl name="fgImgPlace1">
+    <dgm:fillClrLst>
+      <a:schemeClr val="accent2">
+        <a:tint val="50000"/>
+      </a:schemeClr>
+      <a:schemeClr val="accent3">
+        <a:tint val="50000"/>
+      </a:schemeClr>
+    </dgm:fillClrLst>
+    <dgm:linClrLst meth="repeat">
+      <a:schemeClr val="lt1"/>
+    </dgm:linClrLst>
+    <dgm:effectClrLst/>
+    <dgm:txLinClrLst/>
+    <dgm:txFillClrLst meth="repeat">
+      <a:schemeClr val="lt1"/>
+    </dgm:txFillClrLst>
+    <dgm:txEffectClrLst/>
+  </dgm:styleLbl>
+  <dgm:styleLbl name="alignImgPlace1">
+    <dgm:fillClrLst>
+      <a:schemeClr val="accent2">
+        <a:tint val="50000"/>
+      </a:schemeClr>
+      <a:schemeClr val="accent3">
+        <a:tint val="20000"/>
+      </a:schemeClr>
+    </dgm:fillClrLst>
+    <dgm:linClrLst meth="repeat">
+      <a:schemeClr val="lt1"/>
+    </dgm:linClrLst>
+    <dgm:effectClrLst/>
+    <dgm:txLinClrLst/>
+    <dgm:txFillClrLst meth="repeat">
+      <a:schemeClr val="lt1"/>
+    </dgm:txFillClrLst>
+    <dgm:txEffectClrLst/>
+  </dgm:styleLbl>
+  <dgm:styleLbl name="bgImgPlace1">
+    <dgm:fillClrLst>
+      <a:schemeClr val="accent2">
+        <a:tint val="50000"/>
+      </a:schemeClr>
+      <a:schemeClr val="accent3">
+        <a:tint val="20000"/>
+      </a:schemeClr>
+    </dgm:fillClrLst>
+    <dgm:linClrLst meth="repeat">
+      <a:schemeClr val="lt1"/>
+    </dgm:linClrLst>
+    <dgm:effectClrLst/>
+    <dgm:txLinClrLst/>
+    <dgm:txFillClrLst meth="repeat">
+      <a:schemeClr val="lt1"/>
+    </dgm:txFillClrLst>
+    <dgm:txEffectClrLst/>
+  </dgm:styleLbl>
+  <dgm:styleLbl name="sibTrans2D1">
+    <dgm:fillClrLst>
+      <a:schemeClr val="accent2"/>
+      <a:schemeClr val="accent3"/>
+    </dgm:fillClrLst>
+    <dgm:linClrLst meth="repeat">
+      <a:schemeClr val="lt1"/>
+    </dgm:linClrLst>
+    <dgm:effectClrLst/>
+    <dgm:txLinClrLst/>
+    <dgm:txFillClrLst/>
+    <dgm:txEffectClrLst/>
+  </dgm:styleLbl>
+  <dgm:styleLbl name="fgSibTrans2D1">
+    <dgm:fillClrLst>
+      <a:schemeClr val="accent2"/>
+      <a:schemeClr val="accent3"/>
+    </dgm:fillClrLst>
+    <dgm:linClrLst meth="repeat">
+      <a:schemeClr val="lt1"/>
+    </dgm:linClrLst>
+    <dgm:effectClrLst/>
+    <dgm:txLinClrLst/>
+    <dgm:txFillClrLst meth="repeat">
+      <a:schemeClr val="lt1"/>
+    </dgm:txFillClrLst>
+    <dgm:txEffectClrLst/>
+  </dgm:styleLbl>
+  <dgm:styleLbl name="bgSibTrans2D1">
+    <dgm:fillClrLst>
+      <a:schemeClr val="accent2"/>
+      <a:schemeClr val="accent3"/>
+    </dgm:fillClrLst>
+    <dgm:linClrLst meth="repeat">
+      <a:schemeClr val="lt1"/>
+    </dgm:linClrLst>
+    <dgm:effectClrLst/>
+    <dgm:txLinClrLst/>
+    <dgm:txFillClrLst meth="repeat">
+      <a:schemeClr val="lt1"/>
+    </dgm:txFillClrLst>
+    <dgm:txEffectClrLst/>
+  </dgm:styleLbl>
+  <dgm:styleLbl name="sibTrans1D1">
+    <dgm:fillClrLst/>
+    <dgm:linClrLst>
+      <a:schemeClr val="accent2"/>
+      <a:schemeClr val="accent3"/>
+    </dgm:linClrLst>
+    <dgm:effectClrLst/>
+    <dgm:txLinClrLst/>
+    <dgm:txFillClrLst meth="repeat">
+      <a:schemeClr val="tx1"/>
+    </dgm:txFillClrLst>
+    <dgm:txEffectClrLst/>
+  </dgm:styleLbl>
+  <dgm:styleLbl name="callout">
+    <dgm:fillClrLst meth="repeat">
+      <a:schemeClr val="accent2"/>
+    </dgm:fillClrLst>
+    <dgm:linClrLst meth="repeat">
+      <a:schemeClr val="accent2">
+        <a:tint val="50000"/>
+      </a:schemeClr>
+    </dgm:linClrLst>
+    <dgm:effectClrLst/>
+    <dgm:txLinClrLst/>
+    <dgm:txFillClrLst meth="repeat">
+      <a:schemeClr val="tx1"/>
+    </dgm:txFillClrLst>
+    <dgm:txEffectClrLst/>
+  </dgm:styleLbl>
+  <dgm:styleLbl name="asst0">
+    <dgm:fillClrLst meth="repeat">
+      <a:schemeClr val="accent2"/>
+    </dgm:fillClrLst>
+    <dgm:linClrLst meth="repeat">
+      <a:schemeClr val="lt1">
+        <a:shade val="80000"/>
+      </a:schemeClr>
+    </dgm:linClrLst>
+    <dgm:effectClrLst/>
+    <dgm:txLinClrLst/>
+    <dgm:txFillClrLst/>
+    <dgm:txEffectClrLst/>
+  </dgm:styleLbl>
+  <dgm:styleLbl name="asst1">
+    <dgm:fillClrLst meth="repeat">
+      <a:schemeClr val="accent3"/>
+    </dgm:fillClrLst>
+    <dgm:linClrLst meth="repeat">
+      <a:schemeClr val="lt1">
+        <a:shade val="80000"/>
+      </a:schemeClr>
+    </dgm:linClrLst>
+    <dgm:effectClrLst/>
+    <dgm:txLinClrLst/>
+    <dgm:txFillClrLst/>
+    <dgm:txEffectClrLst/>
+  </dgm:styleLbl>
+  <dgm:styleLbl name="asst2">
+    <dgm:fillClrLst>
+      <a:schemeClr val="accent4"/>
+    </dgm:fillClrLst>
+    <dgm:linClrLst meth="repeat">
+      <a:schemeClr val="lt1"/>
+    </dgm:linClrLst>
+    <dgm:effectClrLst/>
+    <dgm:txLinClrLst/>
+    <dgm:txFillClrLst/>
+    <dgm:txEffectClrLst/>
+  </dgm:styleLbl>
+  <dgm:styleLbl name="asst3">
+    <dgm:fillClrLst>
+      <a:schemeClr val="accent5"/>
+    </dgm:fillClrLst>
+    <dgm:linClrLst meth="repeat">
+      <a:schemeClr val="lt1"/>
+    </dgm:linClrLst>
+    <dgm:effectClrLst/>
+    <dgm:txLinClrLst/>
+    <dgm:txFillClrLst/>
+    <dgm:txEffectClrLst/>
+  </dgm:styleLbl>
+  <dgm:styleLbl name="asst4">
+    <dgm:fillClrLst>
+      <a:schemeClr val="accent6"/>
+    </dgm:fillClrLst>
+    <dgm:linClrLst meth="repeat">
+      <a:schemeClr val="lt1"/>
+    </dgm:linClrLst>
+    <dgm:effectClrLst/>
+    <dgm:txLinClrLst/>
+    <dgm:txFillClrLst/>
+    <dgm:txEffectClrLst/>
+  </dgm:styleLbl>
+  <dgm:styleLbl name="parChTrans2D1">
+    <dgm:fillClrLst meth="repeat">
+      <a:schemeClr val="accent2"/>
+    </dgm:fillClrLst>
+    <dgm:linClrLst meth="repeat">
+      <a:schemeClr val="lt1"/>
+    </dgm:linClrLst>
+    <dgm:effectClrLst/>
+    <dgm:txLinClrLst/>
+    <dgm:txFillClrLst meth="repeat">
+      <a:schemeClr val="lt1"/>
+    </dgm:txFillClrLst>
+    <dgm:txEffectClrLst/>
+  </dgm:styleLbl>
+  <dgm:styleLbl name="parChTrans2D2">
+    <dgm:fillClrLst meth="repeat">
+      <a:schemeClr val="accent3"/>
+    </dgm:fillClrLst>
+    <dgm:linClrLst meth="repeat">
+      <a:schemeClr val="lt1"/>
+    </dgm:linClrLst>
+    <dgm:effectClrLst/>
+    <dgm:txLinClrLst/>
+    <dgm:txFillClrLst/>
+    <dgm:txEffectClrLst/>
+  </dgm:styleLbl>
+  <dgm:styleLbl name="parChTrans2D3">
+    <dgm:fillClrLst meth="repeat">
+      <a:schemeClr val="accent4"/>
+    </dgm:fillClrLst>
+    <dgm:linClrLst meth="repeat">
+      <a:schemeClr val="lt1"/>
+    </dgm:linClrLst>
+    <dgm:effectClrLst/>
+    <dgm:txLinClrLst/>
+    <dgm:txFillClrLst/>
+    <dgm:txEffectClrLst/>
+  </dgm:styleLbl>
+  <dgm:styleLbl name="parChTrans2D4">
+    <dgm:fillClrLst meth="repeat">
+      <a:schemeClr val="accent5"/>
+    </dgm:fillClrLst>
+    <dgm:linClrLst meth="repeat">
+      <a:schemeClr val="lt1"/>
+    </dgm:linClrLst>
+    <dgm:effectClrLst/>
+    <dgm:txLinClrLst/>
+    <dgm:txFillClrLst meth="repeat">
+      <a:schemeClr val="lt1"/>
+    </dgm:txFillClrLst>
+    <dgm:txEffectClrLst/>
+  </dgm:styleLbl>
+  <dgm:styleLbl name="parChTrans1D1">
+    <dgm:fillClrLst meth="repeat">
+      <a:schemeClr val="accent2"/>
+    </dgm:fillClrLst>
+    <dgm:linClrLst meth="repeat">
+      <a:schemeClr val="accent2"/>
+    </dgm:linClrLst>
+    <dgm:effectClrLst/>
+    <dgm:txLinClrLst/>
+    <dgm:txFillClrLst meth="repeat">
+      <a:schemeClr val="tx1"/>
+    </dgm:txFillClrLst>
+    <dgm:txEffectClrLst/>
+  </dgm:styleLbl>
+  <dgm:styleLbl name="parChTrans1D2">
+    <dgm:fillClrLst meth="repeat">
+      <a:schemeClr val="accent2">
+        <a:tint val="90000"/>
+      </a:schemeClr>
+    </dgm:fillClrLst>
+    <dgm:linClrLst meth="repeat">
+      <a:schemeClr val="accent3"/>
+    </dgm:linClrLst>
+    <dgm:effectClrLst/>
+    <dgm:txLinClrLst/>
+    <dgm:txFillClrLst meth="repeat">
+      <a:schemeClr val="tx1"/>
+    </dgm:txFillClrLst>
+    <dgm:txEffectClrLst/>
+  </dgm:styleLbl>
+  <dgm:styleLbl name="parChTrans1D3">
+    <dgm:fillClrLst meth="repeat">
+      <a:schemeClr val="accent2">
+        <a:tint val="70000"/>
+      </a:schemeClr>
+    </dgm:fillClrLst>
+    <dgm:linClrLst meth="repeat">
+      <a:schemeClr val="accent4"/>
+    </dgm:linClrLst>
+    <dgm:effectClrLst/>
+    <dgm:txLinClrLst/>
+    <dgm:txFillClrLst meth="repeat">
+      <a:schemeClr val="tx1"/>
+    </dgm:txFillClrLst>
+    <dgm:txEffectClrLst/>
+  </dgm:styleLbl>
+  <dgm:styleLbl name="parChTrans1D4">
+    <dgm:fillClrLst meth="repeat">
+      <a:schemeClr val="accent2">
+        <a:tint val="50000"/>
+      </a:schemeClr>
+    </dgm:fillClrLst>
+    <dgm:linClrLst meth="repeat">
+      <a:schemeClr val="accent5"/>
+    </dgm:linClrLst>
+    <dgm:effectClrLst/>
+    <dgm:txLinClrLst/>
+    <dgm:txFillClrLst meth="repeat">
+      <a:schemeClr val="tx1"/>
+    </dgm:txFillClrLst>
+    <dgm:txEffectClrLst/>
+  </dgm:styleLbl>
+  <dgm:styleLbl name="fgAcc1">
+    <dgm:fillClrLst meth="repeat">
+      <a:schemeClr val="lt1">
+        <a:alpha val="90000"/>
+      </a:schemeClr>
+    </dgm:fillClrLst>
+    <dgm:linClrLst>
+      <a:schemeClr val="accent2"/>
+      <a:schemeClr val="accent3"/>
+    </dgm:linClrLst>
+    <dgm:effectClrLst/>
+    <dgm:txLinClrLst/>
+    <dgm:txFillClrLst meth="repeat">
+      <a:schemeClr val="dk1"/>
+    </dgm:txFillClrLst>
+    <dgm:txEffectClrLst/>
+  </dgm:styleLbl>
+  <dgm:styleLbl name="conFgAcc1">
+    <dgm:fillClrLst meth="repeat">
+      <a:schemeClr val="lt1">
+        <a:alpha val="90000"/>
+      </a:schemeClr>
+    </dgm:fillClrLst>
+    <dgm:linClrLst>
+      <a:schemeClr val="accent2"/>
+      <a:schemeClr val="accent3"/>
+    </dgm:linClrLst>
+    <dgm:effectClrLst/>
+    <dgm:txLinClrLst/>
+    <dgm:txFillClrLst meth="repeat">
+      <a:schemeClr val="dk1"/>
+    </dgm:txFillClrLst>
+    <dgm:txEffectClrLst/>
+  </dgm:styleLbl>
+  <dgm:styleLbl name="alignAcc1">
+    <dgm:fillClrLst meth="repeat">
+      <a:schemeClr val="lt1">
+        <a:alpha val="90000"/>
+      </a:schemeClr>
+    </dgm:fillClrLst>
+    <dgm:linClrLst>
+      <a:schemeClr val="accent2"/>
+      <a:schemeClr val="accent3"/>
+    </dgm:linClrLst>
+    <dgm:effectClrLst/>
+    <dgm:txLinClrLst/>
+    <dgm:txFillClrLst meth="repeat">
+      <a:schemeClr val="dk1"/>
+    </dgm:txFillClrLst>
+    <dgm:txEffectClrLst/>
+  </dgm:styleLbl>
+  <dgm:styleLbl name="trAlignAcc1">
+    <dgm:fillClrLst meth="repeat">
+      <a:schemeClr val="lt1">
+        <a:alpha val="40000"/>
+      </a:schemeClr>
+    </dgm:fillClrLst>
+    <dgm:linClrLst meth="repeat">
+      <a:schemeClr val="accent2"/>
+    </dgm:linClrLst>
+    <dgm:effectClrLst/>
+    <dgm:txLinClrLst/>
+    <dgm:txFillClrLst meth="repeat">
+      <a:schemeClr val="dk1"/>
+    </dgm:txFillClrLst>
+    <dgm:txEffectClrLst/>
+  </dgm:styleLbl>
+  <dgm:styleLbl name="bgAcc1">
+    <dgm:fillClrLst meth="repeat">
+      <a:schemeClr val="lt1">
+        <a:alpha val="90000"/>
+      </a:schemeClr>
+    </dgm:fillClrLst>
+    <dgm:linClrLst>
+      <a:schemeClr val="accent2"/>
+      <a:schemeClr val="accent3"/>
+    </dgm:linClrLst>
+    <dgm:effectClrLst/>
+    <dgm:txLinClrLst/>
+    <dgm:txFillClrLst meth="repeat">
+      <a:schemeClr val="dk1"/>
+    </dgm:txFillClrLst>
+    <dgm:txEffectClrLst/>
+  </dgm:styleLbl>
+  <dgm:styleLbl name="solidFgAcc1">
+    <dgm:fillClrLst meth="repeat">
+      <a:schemeClr val="lt1"/>
+    </dgm:fillClrLst>
+    <dgm:linClrLst>
+      <a:schemeClr val="accent2"/>
+      <a:schemeClr val="accent3"/>
+    </dgm:linClrLst>
+    <dgm:effectClrLst/>
+    <dgm:txLinClrLst/>
+    <dgm:txFillClrLst meth="repeat">
+      <a:schemeClr val="dk1"/>
+    </dgm:txFillClrLst>
+    <dgm:txEffectClrLst/>
+  </dgm:styleLbl>
+  <dgm:styleLbl name="solidAlignAcc1">
+    <dgm:fillClrLst meth="repeat">
+      <a:schemeClr val="lt1"/>
+    </dgm:fillClrLst>
+    <dgm:linClrLst>
+      <a:schemeClr val="accent2"/>
+      <a:schemeClr val="accent3"/>
+    </dgm:linClrLst>
+    <dgm:effectClrLst/>
+    <dgm:txLinClrLst/>
+    <dgm:txFillClrLst meth="repeat">
+      <a:schemeClr val="dk1"/>
+    </dgm:txFillClrLst>
+    <dgm:txEffectClrLst/>
+  </dgm:styleLbl>
+  <dgm:styleLbl name="solidBgAcc1">
+    <dgm:fillClrLst meth="repeat">
+      <a:schemeClr val="lt1"/>
+    </dgm:fillClrLst>
+    <dgm:linClrLst>
+      <a:schemeClr val="accent2"/>
+      <a:schemeClr val="accent3"/>
+    </dgm:linClrLst>
+    <dgm:effectClrLst/>
+    <dgm:txLinClrLst/>
+    <dgm:txFillClrLst meth="repeat">
+      <a:schemeClr val="dk1"/>
+    </dgm:txFillClrLst>
+    <dgm:txEffectClrLst/>
+  </dgm:styleLbl>
+  <dgm:styleLbl name="fgAccFollowNode1">
+    <dgm:fillClrLst>
+      <a:schemeClr val="accent2">
+        <a:tint val="40000"/>
+        <a:alpha val="90000"/>
+      </a:schemeClr>
+      <a:schemeClr val="accent3">
+        <a:tint val="40000"/>
+        <a:alpha val="90000"/>
+      </a:schemeClr>
+    </dgm:fillClrLst>
+    <dgm:linClrLst>
+      <a:schemeClr val="accent2">
+        <a:tint val="40000"/>
+        <a:alpha val="90000"/>
+      </a:schemeClr>
+      <a:schemeClr val="accent3">
+        <a:tint val="40000"/>
+        <a:alpha val="90000"/>
+      </a:schemeClr>
+    </dgm:linClrLst>
+    <dgm:effectClrLst/>
+    <dgm:txLinClrLst/>
+    <dgm:txFillClrLst meth="repeat">
+      <a:schemeClr val="dk1"/>
+    </dgm:txFillClrLst>
+    <dgm:txEffectClrLst/>
+  </dgm:styleLbl>
+  <dgm:styleLbl name="alignAccFollowNode1">
+    <dgm:fillClrLst>
+      <a:schemeClr val="accent2">
+        <a:tint val="40000"/>
+        <a:alpha val="90000"/>
+      </a:schemeClr>
+      <a:schemeClr val="accent3">
+        <a:tint val="40000"/>
+        <a:alpha val="90000"/>
+      </a:schemeClr>
+    </dgm:fillClrLst>
+    <dgm:linClrLst>
+      <a:schemeClr val="accent2">
+        <a:tint val="40000"/>
+        <a:alpha val="90000"/>
+      </a:schemeClr>
+      <a:schemeClr val="accent3">
+        <a:tint val="40000"/>
+        <a:alpha val="90000"/>
+      </a:schemeClr>
+    </dgm:linClrLst>
+    <dgm:effectClrLst/>
+    <dgm:txLinClrLst/>
+    <dgm:txFillClrLst meth="repeat">
+      <a:schemeClr val="dk1"/>
+    </dgm:txFillClrLst>
+    <dgm:txEffectClrLst/>
+  </dgm:styleLbl>
+  <dgm:styleLbl name="bgAccFollowNode1">
+    <dgm:fillClrLst>
+      <a:schemeClr val="accent2">
+        <a:tint val="40000"/>
+        <a:alpha val="90000"/>
+      </a:schemeClr>
+      <a:schemeClr val="accent3">
+        <a:tint val="40000"/>
+        <a:alpha val="90000"/>
+      </a:schemeClr>
+    </dgm:fillClrLst>
+    <dgm:linClrLst>
+      <a:schemeClr val="accent2">
+        <a:tint val="40000"/>
+        <a:alpha val="90000"/>
+      </a:schemeClr>
+      <a:schemeClr val="accent3">
+        <a:tint val="40000"/>
+        <a:alpha val="90000"/>
+      </a:schemeClr>
+    </dgm:linClrLst>
+    <dgm:effectClrLst/>
+    <dgm:txLinClrLst/>
+    <dgm:txFillClrLst meth="repeat">
+      <a:schemeClr val="dk1"/>
+    </dgm:txFillClrLst>
+    <dgm:txEffectClrLst/>
+  </dgm:styleLbl>
+  <dgm:styleLbl name="fgAcc0">
+    <dgm:fillClrLst meth="repeat">
+      <a:schemeClr val="lt1">
+        <a:alpha val="90000"/>
+      </a:schemeClr>
+    </dgm:fillClrLst>
+    <dgm:linClrLst>
+      <a:schemeClr val="accent1"/>
+    </dgm:linClrLst>
+    <dgm:effectClrLst/>
+    <dgm:txLinClrLst/>
+    <dgm:txFillClrLst meth="repeat">
+      <a:schemeClr val="dk1"/>
+    </dgm:txFillClrLst>
+    <dgm:txEffectClrLst/>
+  </dgm:styleLbl>
+  <dgm:styleLbl name="fgAcc2">
+    <dgm:fillClrLst meth="repeat">
+      <a:schemeClr val="lt1">
+        <a:alpha val="90000"/>
+      </a:schemeClr>
+    </dgm:fillClrLst>
+    <dgm:linClrLst>
+      <a:schemeClr val="accent3"/>
+    </dgm:linClrLst>
+    <dgm:effectClrLst/>
+    <dgm:txLinClrLst/>
+    <dgm:txFillClrLst meth="repeat">
+      <a:schemeClr val="dk1"/>
+    </dgm:txFillClrLst>
+    <dgm:txEffectClrLst/>
+  </dgm:styleLbl>
+  <dgm:styleLbl name="fgAcc3">
+    <dgm:fillClrLst meth="repeat">
+      <a:schemeClr val="lt1">
+        <a:alpha val="90000"/>
+      </a:schemeClr>
+    </dgm:fillClrLst>
+    <dgm:linClrLst>
+      <a:schemeClr val="accent4"/>
+    </dgm:linClrLst>
+    <dgm:effectClrLst/>
+    <dgm:txLinClrLst/>
+    <dgm:txFillClrLst meth="repeat">
+      <a:schemeClr val="dk1"/>
+    </dgm:txFillClrLst>
+    <dgm:txEffectClrLst/>
+  </dgm:styleLbl>
+  <dgm:styleLbl name="fgAcc4">
+    <dgm:fillClrLst meth="repeat">
+      <a:schemeClr val="lt1">
+        <a:alpha val="90000"/>
+      </a:schemeClr>
+    </dgm:fillClrLst>
+    <dgm:linClrLst>
+      <a:schemeClr val="accent5"/>
+    </dgm:linClrLst>
+    <dgm:effectClrLst/>
+    <dgm:txLinClrLst/>
+    <dgm:txFillClrLst meth="repeat">
+      <a:schemeClr val="dk1"/>
+    </dgm:txFillClrLst>
+    <dgm:txEffectClrLst/>
+  </dgm:styleLbl>
+  <dgm:styleLbl name="bgShp">
+    <dgm:fillClrLst meth="repeat">
+      <a:schemeClr val="accent2">
+        <a:tint val="40000"/>
+      </a:schemeClr>
+    </dgm:fillClrLst>
+    <dgm:linClrLst meth="repeat">
+      <a:schemeClr val="dk1"/>
+    </dgm:linClrLst>
+    <dgm:effectClrLst/>
+    <dgm:txLinClrLst/>
+    <dgm:txFillClrLst meth="repeat">
+      <a:schemeClr val="dk1"/>
+    </dgm:txFillClrLst>
+    <dgm:txEffectClrLst/>
+  </dgm:styleLbl>
+  <dgm:styleLbl name="dkBgShp">
+    <dgm:fillClrLst meth="repeat">
+      <a:schemeClr val="accent2">
+        <a:shade val="90000"/>
+      </a:schemeClr>
+    </dgm:fillClrLst>
+    <dgm:linClrLst meth="repeat">
+      <a:schemeClr val="dk1"/>
+    </dgm:linClrLst>
+    <dgm:effectClrLst/>
+    <dgm:txLinClrLst/>
+    <dgm:txFillClrLst meth="repeat">
+      <a:schemeClr val="lt1"/>
+    </dgm:txFillClrLst>
+    <dgm:txEffectClrLst/>
+  </dgm:styleLbl>
+  <dgm:styleLbl name="trBgShp">
+    <dgm:fillClrLst meth="repeat">
+      <a:schemeClr val="accent2">
+        <a:tint val="50000"/>
+        <a:alpha val="40000"/>
+      </a:schemeClr>
+    </dgm:fillClrLst>
+    <dgm:linClrLst meth="repeat">
+      <a:schemeClr val="accent2"/>
+    </dgm:linClrLst>
+    <dgm:effectClrLst/>
+    <dgm:txLinClrLst/>
+    <dgm:txFillClrLst meth="repeat">
+      <a:schemeClr val="lt1"/>
+    </dgm:txFillClrLst>
+    <dgm:txEffectClrLst/>
+  </dgm:styleLbl>
+  <dgm:styleLbl name="fgShp">
+    <dgm:fillClrLst meth="repeat">
+      <a:schemeClr val="accent2">
+        <a:tint val="40000"/>
+      </a:schemeClr>
+    </dgm:fillClrLst>
+    <dgm:linClrLst meth="repeat">
+      <a:schemeClr val="lt1"/>
+    </dgm:linClrLst>
+    <dgm:effectClrLst/>
+    <dgm:txLinClrLst/>
+    <dgm:txFillClrLst meth="repeat">
+      <a:schemeClr val="dk1"/>
+    </dgm:txFillClrLst>
+    <dgm:txEffectClrLst/>
+  </dgm:styleLbl>
+  <dgm:styleLbl name="revTx">
+    <dgm:fillClrLst meth="repeat">
+      <a:schemeClr val="lt1">
+        <a:alpha val="0"/>
+      </a:schemeClr>
+    </dgm:fillClrLst>
+    <dgm:linClrLst meth="repeat">
+      <a:schemeClr val="dk1">
+        <a:alpha val="0"/>
+      </a:schemeClr>
+    </dgm:linClrLst>
+    <dgm:effectClrLst/>
+    <dgm:txLinClrLst/>
+    <dgm:txFillClrLst meth="repeat">
+      <a:schemeClr val="tx1"/>
+    </dgm:txFillClrLst>
+    <dgm:txEffectClrLst/>
+  </dgm:styleLbl>
+</dgm:colorsDef>
+</file>
+
+<file path=ppt/diagrams/data1.xml><?xml version="1.0" encoding="utf-8"?>
+<dgm:dataModel xmlns:dgm="http://schemas.openxmlformats.org/drawingml/2006/diagram" xmlns:a="http://schemas.openxmlformats.org/drawingml/2006/main">
+  <dgm:ptLst>
+    <dgm:pt modelId="{2AFBA9D6-57E6-1747-BE1A-BC30FF59EFC7}" type="doc">
+      <dgm:prSet loTypeId="urn:microsoft.com/office/officeart/2005/8/layout/cycle1" loCatId="" qsTypeId="urn:microsoft.com/office/officeart/2005/8/quickstyle/simple4" qsCatId="simple" csTypeId="urn:microsoft.com/office/officeart/2005/8/colors/colorful2" csCatId="colorful" phldr="1"/>
+      <dgm:spPr/>
+      <dgm:t>
+        <a:bodyPr/>
+        <a:lstStyle/>
+        <a:p>
+          <a:endParaRPr lang="en-US"/>
+        </a:p>
+      </dgm:t>
+    </dgm:pt>
+    <dgm:pt modelId="{4992799E-678C-1644-BAB5-45376C4E9BCC}">
+      <dgm:prSet phldrT="[Text]"/>
+      <dgm:spPr/>
+      <dgm:t>
+        <a:bodyPr/>
+        <a:lstStyle/>
+        <a:p>
+          <a:r>
+            <a:rPr lang="en-US" b="1"/>
+            <a:t>Assessment</a:t>
+          </a:r>
+        </a:p>
+      </dgm:t>
+    </dgm:pt>
+    <dgm:pt modelId="{6CA93F6F-2C5B-3543-B35F-D1B2E291110D}" type="parTrans" cxnId="{CEC21C17-53E6-EF45-8EEB-15F94B7795BA}">
+      <dgm:prSet/>
+      <dgm:spPr/>
+      <dgm:t>
+        <a:bodyPr/>
+        <a:lstStyle/>
+        <a:p>
+          <a:endParaRPr lang="en-US"/>
+        </a:p>
+      </dgm:t>
+    </dgm:pt>
+    <dgm:pt modelId="{0376A2C8-3862-614F-93E3-DF6A3BA3792C}" type="sibTrans" cxnId="{CEC21C17-53E6-EF45-8EEB-15F94B7795BA}">
+      <dgm:prSet/>
+      <dgm:spPr/>
+      <dgm:t>
+        <a:bodyPr/>
+        <a:lstStyle/>
+        <a:p>
+          <a:endParaRPr lang="en-US"/>
+        </a:p>
+      </dgm:t>
+    </dgm:pt>
+    <dgm:pt modelId="{C8EA277B-42E9-3542-B18D-4E0E7CC9E2FD}">
+      <dgm:prSet phldrT="[Text]"/>
+      <dgm:spPr/>
+      <dgm:t>
+        <a:bodyPr/>
+        <a:lstStyle/>
+        <a:p>
+          <a:r>
+            <a:rPr lang="en-US" b="1"/>
+            <a:t>Treatment Planning</a:t>
+          </a:r>
+        </a:p>
+      </dgm:t>
+    </dgm:pt>
+    <dgm:pt modelId="{D4C7B1B2-5F09-C045-B921-A26E2215EDDC}" type="parTrans" cxnId="{4D67A284-FC58-7448-B458-68BDD6D789DE}">
+      <dgm:prSet/>
+      <dgm:spPr/>
+      <dgm:t>
+        <a:bodyPr/>
+        <a:lstStyle/>
+        <a:p>
+          <a:endParaRPr lang="en-US"/>
+        </a:p>
+      </dgm:t>
+    </dgm:pt>
+    <dgm:pt modelId="{4DCC9BC1-AB77-9045-898A-465998B10AB1}" type="sibTrans" cxnId="{4D67A284-FC58-7448-B458-68BDD6D789DE}">
+      <dgm:prSet/>
+      <dgm:spPr/>
+      <dgm:t>
+        <a:bodyPr/>
+        <a:lstStyle/>
+        <a:p>
+          <a:endParaRPr lang="en-US"/>
+        </a:p>
+      </dgm:t>
+    </dgm:pt>
+    <dgm:pt modelId="{D8F9A527-09AF-B140-838A-55DF4DB179C5}">
+      <dgm:prSet phldrT="[Text]"/>
+      <dgm:spPr/>
+      <dgm:t>
+        <a:bodyPr/>
+        <a:lstStyle/>
+        <a:p>
+          <a:r>
+            <a:rPr lang="en-US" b="1">
+              <a:solidFill>
+                <a:srgbClr val="FF0000"/>
+              </a:solidFill>
+            </a:rPr>
+            <a:t>Treatment</a:t>
+          </a:r>
+        </a:p>
+      </dgm:t>
+    </dgm:pt>
+    <dgm:pt modelId="{6BCDDBAD-8FBB-DC4B-9723-C87C5467A7A2}" type="parTrans" cxnId="{EA5CB148-CCE2-7A4D-AC13-FF571FE403E9}">
+      <dgm:prSet/>
+      <dgm:spPr/>
+      <dgm:t>
+        <a:bodyPr/>
+        <a:lstStyle/>
+        <a:p>
+          <a:endParaRPr lang="en-US"/>
+        </a:p>
+      </dgm:t>
+    </dgm:pt>
+    <dgm:pt modelId="{99DD0ED8-A3B6-0E44-8A5F-533131297894}" type="sibTrans" cxnId="{EA5CB148-CCE2-7A4D-AC13-FF571FE403E9}">
+      <dgm:prSet/>
+      <dgm:spPr/>
+      <dgm:t>
+        <a:bodyPr/>
+        <a:lstStyle/>
+        <a:p>
+          <a:endParaRPr lang="en-US"/>
+        </a:p>
+      </dgm:t>
+    </dgm:pt>
+    <dgm:pt modelId="{5FF27E8B-6DD9-EF4B-A803-C798AEF62AA3}" type="pres">
+      <dgm:prSet presAssocID="{2AFBA9D6-57E6-1747-BE1A-BC30FF59EFC7}" presName="cycle" presStyleCnt="0">
+        <dgm:presLayoutVars>
+          <dgm:dir/>
+          <dgm:resizeHandles val="exact"/>
+        </dgm:presLayoutVars>
+      </dgm:prSet>
+      <dgm:spPr/>
+    </dgm:pt>
+    <dgm:pt modelId="{6D5D3D91-FFD4-EE4F-BA93-19E05EE104C6}" type="pres">
+      <dgm:prSet presAssocID="{4992799E-678C-1644-BAB5-45376C4E9BCC}" presName="dummy" presStyleCnt="0"/>
+      <dgm:spPr/>
+    </dgm:pt>
+    <dgm:pt modelId="{72A1BD8C-9BA7-DF40-AB13-54AF4A64C774}" type="pres">
+      <dgm:prSet presAssocID="{4992799E-678C-1644-BAB5-45376C4E9BCC}" presName="node" presStyleLbl="revTx" presStyleIdx="0" presStyleCnt="3">
+        <dgm:presLayoutVars>
+          <dgm:bulletEnabled val="1"/>
+        </dgm:presLayoutVars>
+      </dgm:prSet>
+      <dgm:spPr/>
+    </dgm:pt>
+    <dgm:pt modelId="{E5972367-1D0F-3F42-A4B0-A32CE17DB0E2}" type="pres">
+      <dgm:prSet presAssocID="{0376A2C8-3862-614F-93E3-DF6A3BA3792C}" presName="sibTrans" presStyleLbl="node1" presStyleIdx="0" presStyleCnt="3"/>
+      <dgm:spPr/>
+    </dgm:pt>
+    <dgm:pt modelId="{FDDCF62B-7D30-7747-857F-BEA10A4993DF}" type="pres">
+      <dgm:prSet presAssocID="{C8EA277B-42E9-3542-B18D-4E0E7CC9E2FD}" presName="dummy" presStyleCnt="0"/>
+      <dgm:spPr/>
+    </dgm:pt>
+    <dgm:pt modelId="{0F186D10-BF90-1943-9906-BE5931198E0E}" type="pres">
+      <dgm:prSet presAssocID="{C8EA277B-42E9-3542-B18D-4E0E7CC9E2FD}" presName="node" presStyleLbl="revTx" presStyleIdx="1" presStyleCnt="3">
+        <dgm:presLayoutVars>
+          <dgm:bulletEnabled val="1"/>
+        </dgm:presLayoutVars>
+      </dgm:prSet>
+      <dgm:spPr/>
+    </dgm:pt>
+    <dgm:pt modelId="{08A35E68-A8B0-2642-9EE0-584DCD565B71}" type="pres">
+      <dgm:prSet presAssocID="{4DCC9BC1-AB77-9045-898A-465998B10AB1}" presName="sibTrans" presStyleLbl="node1" presStyleIdx="1" presStyleCnt="3"/>
+      <dgm:spPr/>
+    </dgm:pt>
+    <dgm:pt modelId="{2840D037-78A6-044F-B003-833708335EE8}" type="pres">
+      <dgm:prSet presAssocID="{D8F9A527-09AF-B140-838A-55DF4DB179C5}" presName="dummy" presStyleCnt="0"/>
+      <dgm:spPr/>
+    </dgm:pt>
+    <dgm:pt modelId="{7E171857-7526-8A41-946B-E62B3476A379}" type="pres">
+      <dgm:prSet presAssocID="{D8F9A527-09AF-B140-838A-55DF4DB179C5}" presName="node" presStyleLbl="revTx" presStyleIdx="2" presStyleCnt="3">
+        <dgm:presLayoutVars>
+          <dgm:bulletEnabled val="1"/>
+        </dgm:presLayoutVars>
+      </dgm:prSet>
+      <dgm:spPr/>
+    </dgm:pt>
+    <dgm:pt modelId="{B10B807F-A421-DC40-9C24-68A34ED8B7E8}" type="pres">
+      <dgm:prSet presAssocID="{99DD0ED8-A3B6-0E44-8A5F-533131297894}" presName="sibTrans" presStyleLbl="node1" presStyleIdx="2" presStyleCnt="3"/>
+      <dgm:spPr/>
+    </dgm:pt>
+  </dgm:ptLst>
+  <dgm:cxnLst>
+    <dgm:cxn modelId="{CEC21C17-53E6-EF45-8EEB-15F94B7795BA}" srcId="{2AFBA9D6-57E6-1747-BE1A-BC30FF59EFC7}" destId="{4992799E-678C-1644-BAB5-45376C4E9BCC}" srcOrd="0" destOrd="0" parTransId="{6CA93F6F-2C5B-3543-B35F-D1B2E291110D}" sibTransId="{0376A2C8-3862-614F-93E3-DF6A3BA3792C}"/>
+    <dgm:cxn modelId="{4D112E2A-79C7-464D-A187-9A7F60D2451A}" type="presOf" srcId="{4992799E-678C-1644-BAB5-45376C4E9BCC}" destId="{72A1BD8C-9BA7-DF40-AB13-54AF4A64C774}" srcOrd="0" destOrd="0" presId="urn:microsoft.com/office/officeart/2005/8/layout/cycle1"/>
+    <dgm:cxn modelId="{6FC2633A-8BE4-E243-BD5E-36C768307E56}" type="presOf" srcId="{99DD0ED8-A3B6-0E44-8A5F-533131297894}" destId="{B10B807F-A421-DC40-9C24-68A34ED8B7E8}" srcOrd="0" destOrd="0" presId="urn:microsoft.com/office/officeart/2005/8/layout/cycle1"/>
+    <dgm:cxn modelId="{EA5CB148-CCE2-7A4D-AC13-FF571FE403E9}" srcId="{2AFBA9D6-57E6-1747-BE1A-BC30FF59EFC7}" destId="{D8F9A527-09AF-B140-838A-55DF4DB179C5}" srcOrd="2" destOrd="0" parTransId="{6BCDDBAD-8FBB-DC4B-9723-C87C5467A7A2}" sibTransId="{99DD0ED8-A3B6-0E44-8A5F-533131297894}"/>
+    <dgm:cxn modelId="{F3FDAE53-3CC8-F944-95B7-F093B101942A}" type="presOf" srcId="{D8F9A527-09AF-B140-838A-55DF4DB179C5}" destId="{7E171857-7526-8A41-946B-E62B3476A379}" srcOrd="0" destOrd="0" presId="urn:microsoft.com/office/officeart/2005/8/layout/cycle1"/>
+    <dgm:cxn modelId="{21AD2954-8BC1-F043-86FA-FE28993F9E5C}" type="presOf" srcId="{4DCC9BC1-AB77-9045-898A-465998B10AB1}" destId="{08A35E68-A8B0-2642-9EE0-584DCD565B71}" srcOrd="0" destOrd="0" presId="urn:microsoft.com/office/officeart/2005/8/layout/cycle1"/>
+    <dgm:cxn modelId="{BBF1EC6D-A046-BB49-9CC5-C4AAFAF4898C}" type="presOf" srcId="{2AFBA9D6-57E6-1747-BE1A-BC30FF59EFC7}" destId="{5FF27E8B-6DD9-EF4B-A803-C798AEF62AA3}" srcOrd="0" destOrd="0" presId="urn:microsoft.com/office/officeart/2005/8/layout/cycle1"/>
+    <dgm:cxn modelId="{4D67A284-FC58-7448-B458-68BDD6D789DE}" srcId="{2AFBA9D6-57E6-1747-BE1A-BC30FF59EFC7}" destId="{C8EA277B-42E9-3542-B18D-4E0E7CC9E2FD}" srcOrd="1" destOrd="0" parTransId="{D4C7B1B2-5F09-C045-B921-A26E2215EDDC}" sibTransId="{4DCC9BC1-AB77-9045-898A-465998B10AB1}"/>
+    <dgm:cxn modelId="{05473ABB-F94C-CD44-A2C7-213834D7B0BD}" type="presOf" srcId="{C8EA277B-42E9-3542-B18D-4E0E7CC9E2FD}" destId="{0F186D10-BF90-1943-9906-BE5931198E0E}" srcOrd="0" destOrd="0" presId="urn:microsoft.com/office/officeart/2005/8/layout/cycle1"/>
+    <dgm:cxn modelId="{781DF4DA-3345-2945-AB72-1CA2AD0C36B2}" type="presOf" srcId="{0376A2C8-3862-614F-93E3-DF6A3BA3792C}" destId="{E5972367-1D0F-3F42-A4B0-A32CE17DB0E2}" srcOrd="0" destOrd="0" presId="urn:microsoft.com/office/officeart/2005/8/layout/cycle1"/>
+    <dgm:cxn modelId="{2B07D67F-3B5C-D741-AF22-004C0B01AFD3}" type="presParOf" srcId="{5FF27E8B-6DD9-EF4B-A803-C798AEF62AA3}" destId="{6D5D3D91-FFD4-EE4F-BA93-19E05EE104C6}" srcOrd="0" destOrd="0" presId="urn:microsoft.com/office/officeart/2005/8/layout/cycle1"/>
+    <dgm:cxn modelId="{35A68B98-E730-B843-A199-A89318E6E525}" type="presParOf" srcId="{5FF27E8B-6DD9-EF4B-A803-C798AEF62AA3}" destId="{72A1BD8C-9BA7-DF40-AB13-54AF4A64C774}" srcOrd="1" destOrd="0" presId="urn:microsoft.com/office/officeart/2005/8/layout/cycle1"/>
+    <dgm:cxn modelId="{F8CC6070-EA59-A44E-84F7-FD2852A11ABF}" type="presParOf" srcId="{5FF27E8B-6DD9-EF4B-A803-C798AEF62AA3}" destId="{E5972367-1D0F-3F42-A4B0-A32CE17DB0E2}" srcOrd="2" destOrd="0" presId="urn:microsoft.com/office/officeart/2005/8/layout/cycle1"/>
+    <dgm:cxn modelId="{4C135C73-A693-2B44-A1B0-366469847728}" type="presParOf" srcId="{5FF27E8B-6DD9-EF4B-A803-C798AEF62AA3}" destId="{FDDCF62B-7D30-7747-857F-BEA10A4993DF}" srcOrd="3" destOrd="0" presId="urn:microsoft.com/office/officeart/2005/8/layout/cycle1"/>
+    <dgm:cxn modelId="{3FE48E4A-826C-F04D-BFD8-76415CABB79A}" type="presParOf" srcId="{5FF27E8B-6DD9-EF4B-A803-C798AEF62AA3}" destId="{0F186D10-BF90-1943-9906-BE5931198E0E}" srcOrd="4" destOrd="0" presId="urn:microsoft.com/office/officeart/2005/8/layout/cycle1"/>
+    <dgm:cxn modelId="{7AAC20AA-56FA-F64A-B9B0-B668D40DBEFF}" type="presParOf" srcId="{5FF27E8B-6DD9-EF4B-A803-C798AEF62AA3}" destId="{08A35E68-A8B0-2642-9EE0-584DCD565B71}" srcOrd="5" destOrd="0" presId="urn:microsoft.com/office/officeart/2005/8/layout/cycle1"/>
+    <dgm:cxn modelId="{BE627169-B22D-6E40-BACD-02A6DF45F865}" type="presParOf" srcId="{5FF27E8B-6DD9-EF4B-A803-C798AEF62AA3}" destId="{2840D037-78A6-044F-B003-833708335EE8}" srcOrd="6" destOrd="0" presId="urn:microsoft.com/office/officeart/2005/8/layout/cycle1"/>
+    <dgm:cxn modelId="{86E57FB2-320C-C449-B175-61AC887D4C14}" type="presParOf" srcId="{5FF27E8B-6DD9-EF4B-A803-C798AEF62AA3}" destId="{7E171857-7526-8A41-946B-E62B3476A379}" srcOrd="7" destOrd="0" presId="urn:microsoft.com/office/officeart/2005/8/layout/cycle1"/>
+    <dgm:cxn modelId="{40EC1E35-5CDB-7149-9385-86CC72AA55A2}" type="presParOf" srcId="{5FF27E8B-6DD9-EF4B-A803-C798AEF62AA3}" destId="{B10B807F-A421-DC40-9C24-68A34ED8B7E8}" srcOrd="8" destOrd="0" presId="urn:microsoft.com/office/officeart/2005/8/layout/cycle1"/>
+  </dgm:cxnLst>
+  <dgm:bg/>
+  <dgm:whole/>
+  <dgm:extLst>
+    <a:ext uri="http://schemas.microsoft.com/office/drawing/2008/diagram">
+      <dsp:dataModelExt xmlns:dsp="http://schemas.microsoft.com/office/drawing/2008/diagram" relId="rId6" minVer="http://schemas.openxmlformats.org/drawingml/2006/diagram"/>
+    </a:ext>
+    <a:ext uri="{C62137D5-CB1D-491B-B009-E17868A290BF}">
+      <dgm14:recolorImg xmlns:dgm14="http://schemas.microsoft.com/office/drawing/2010/diagram" val="1"/>
+    </a:ext>
+  </dgm:extLst>
+</dgm:dataModel>
+</file>
+
+<file path=ppt/diagrams/drawing1.xml><?xml version="1.0" encoding="utf-8"?>
+<dsp:drawing xmlns:dgm="http://schemas.openxmlformats.org/drawingml/2006/diagram" xmlns:dsp="http://schemas.microsoft.com/office/drawing/2008/diagram" xmlns:a="http://schemas.openxmlformats.org/drawingml/2006/main">
+  <dsp:spTree>
+    <dsp:nvGrpSpPr>
+      <dsp:cNvPr id="0" name=""/>
+      <dsp:cNvGrpSpPr/>
+    </dsp:nvGrpSpPr>
+    <dsp:grpSpPr/>
+    <dsp:sp modelId="{72A1BD8C-9BA7-DF40-AB13-54AF4A64C774}">
+      <dsp:nvSpPr>
+        <dsp:cNvPr id="0" name=""/>
+        <dsp:cNvSpPr/>
+      </dsp:nvSpPr>
+      <dsp:spPr>
+        <a:xfrm>
+          <a:off x="4502517" y="321144"/>
+          <a:ext cx="1640495" cy="1640495"/>
+        </a:xfrm>
+        <a:prstGeom prst="rect">
+          <a:avLst/>
+        </a:prstGeom>
+        <a:noFill/>
+        <a:ln>
+          <a:noFill/>
+        </a:ln>
+        <a:effectLst/>
+      </dsp:spPr>
+      <dsp:style>
+        <a:lnRef idx="0">
+          <a:scrgbClr r="0" g="0" b="0"/>
+        </a:lnRef>
+        <a:fillRef idx="0">
+          <a:scrgbClr r="0" g="0" b="0"/>
+        </a:fillRef>
+        <a:effectRef idx="0">
+          <a:scrgbClr r="0" g="0" b="0"/>
+        </a:effectRef>
+        <a:fontRef idx="minor"/>
+      </dsp:style>
+      <dsp:txBody>
+        <a:bodyPr spcFirstLastPara="0" vert="horz" wrap="square" lIns="31750" tIns="31750" rIns="31750" bIns="31750" numCol="1" spcCol="1270" anchor="ctr" anchorCtr="0">
+          <a:noAutofit/>
+        </a:bodyPr>
+        <a:lstStyle/>
+        <a:p>
+          <a:pPr marL="0" lvl="0" indent="0" algn="ctr" defTabSz="1111250">
+            <a:lnSpc>
+              <a:spcPct val="90000"/>
+            </a:lnSpc>
+            <a:spcBef>
+              <a:spcPct val="0"/>
+            </a:spcBef>
+            <a:spcAft>
+              <a:spcPct val="35000"/>
+            </a:spcAft>
+            <a:buNone/>
+          </a:pPr>
+          <a:r>
+            <a:rPr lang="en-US" sz="2500" b="1" kern="1200"/>
+            <a:t>Assessment</a:t>
+          </a:r>
+        </a:p>
+      </dsp:txBody>
+      <dsp:txXfrm>
+        <a:off x="4502517" y="321144"/>
+        <a:ext cx="1640495" cy="1640495"/>
+      </dsp:txXfrm>
+    </dsp:sp>
+    <dsp:sp modelId="{E5972367-1D0F-3F42-A4B0-A32CE17DB0E2}">
+      <dsp:nvSpPr>
+        <dsp:cNvPr id="0" name=""/>
+        <dsp:cNvSpPr/>
+      </dsp:nvSpPr>
+      <dsp:spPr>
+        <a:xfrm>
+          <a:off x="2003984" y="-1568"/>
+          <a:ext cx="3878730" cy="3878730"/>
+        </a:xfrm>
+        <a:prstGeom prst="circularArrow">
+          <a:avLst>
+            <a:gd name="adj1" fmla="val 8247"/>
+            <a:gd name="adj2" fmla="val 576031"/>
+            <a:gd name="adj3" fmla="val 2964247"/>
+            <a:gd name="adj4" fmla="val 51460"/>
+            <a:gd name="adj5" fmla="val 9622"/>
+          </a:avLst>
+        </a:prstGeom>
+        <a:gradFill rotWithShape="0">
+          <a:gsLst>
+            <a:gs pos="0">
+              <a:schemeClr val="accent2">
+                <a:hueOff val="0"/>
+                <a:satOff val="0"/>
+                <a:lumOff val="0"/>
+                <a:alphaOff val="0"/>
+                <a:satMod val="103000"/>
+                <a:lumMod val="102000"/>
+                <a:tint val="94000"/>
+              </a:schemeClr>
+            </a:gs>
+            <a:gs pos="50000">
+              <a:schemeClr val="accent2">
+                <a:hueOff val="0"/>
+                <a:satOff val="0"/>
+                <a:lumOff val="0"/>
+                <a:alphaOff val="0"/>
+                <a:satMod val="110000"/>
+                <a:lumMod val="100000"/>
+                <a:shade val="100000"/>
+              </a:schemeClr>
+            </a:gs>
+            <a:gs pos="100000">
+              <a:schemeClr val="accent2">
+                <a:hueOff val="0"/>
+                <a:satOff val="0"/>
+                <a:lumOff val="0"/>
+                <a:alphaOff val="0"/>
+                <a:lumMod val="99000"/>
+                <a:satMod val="120000"/>
+                <a:shade val="78000"/>
+              </a:schemeClr>
+            </a:gs>
+          </a:gsLst>
+          <a:lin ang="5400000" scaled="0"/>
+        </a:gradFill>
+        <a:ln>
+          <a:noFill/>
+        </a:ln>
+        <a:effectLst/>
+      </dsp:spPr>
+      <dsp:style>
+        <a:lnRef idx="0">
+          <a:scrgbClr r="0" g="0" b="0"/>
+        </a:lnRef>
+        <a:fillRef idx="3">
+          <a:scrgbClr r="0" g="0" b="0"/>
+        </a:fillRef>
+        <a:effectRef idx="2">
+          <a:scrgbClr r="0" g="0" b="0"/>
+        </a:effectRef>
+        <a:fontRef idx="minor">
+          <a:schemeClr val="lt1"/>
+        </a:fontRef>
+      </dsp:style>
+    </dsp:sp>
+    <dsp:sp modelId="{0F186D10-BF90-1943-9906-BE5931198E0E}">
+      <dsp:nvSpPr>
+        <dsp:cNvPr id="0" name=""/>
+        <dsp:cNvSpPr/>
+      </dsp:nvSpPr>
+      <dsp:spPr>
+        <a:xfrm>
+          <a:off x="3123102" y="2710360"/>
+          <a:ext cx="1640495" cy="1640495"/>
+        </a:xfrm>
+        <a:prstGeom prst="rect">
+          <a:avLst/>
+        </a:prstGeom>
+        <a:noFill/>
+        <a:ln>
+          <a:noFill/>
+        </a:ln>
+        <a:effectLst/>
+      </dsp:spPr>
+      <dsp:style>
+        <a:lnRef idx="0">
+          <a:scrgbClr r="0" g="0" b="0"/>
+        </a:lnRef>
+        <a:fillRef idx="0">
+          <a:scrgbClr r="0" g="0" b="0"/>
+        </a:fillRef>
+        <a:effectRef idx="0">
+          <a:scrgbClr r="0" g="0" b="0"/>
+        </a:effectRef>
+        <a:fontRef idx="minor"/>
+      </dsp:style>
+      <dsp:txBody>
+        <a:bodyPr spcFirstLastPara="0" vert="horz" wrap="square" lIns="31750" tIns="31750" rIns="31750" bIns="31750" numCol="1" spcCol="1270" anchor="ctr" anchorCtr="0">
+          <a:noAutofit/>
+        </a:bodyPr>
+        <a:lstStyle/>
+        <a:p>
+          <a:pPr marL="0" lvl="0" indent="0" algn="ctr" defTabSz="1111250">
+            <a:lnSpc>
+              <a:spcPct val="90000"/>
+            </a:lnSpc>
+            <a:spcBef>
+              <a:spcPct val="0"/>
+            </a:spcBef>
+            <a:spcAft>
+              <a:spcPct val="35000"/>
+            </a:spcAft>
+            <a:buNone/>
+          </a:pPr>
+          <a:r>
+            <a:rPr lang="en-US" sz="2500" b="1" kern="1200"/>
+            <a:t>Treatment Planning</a:t>
+          </a:r>
+        </a:p>
+      </dsp:txBody>
+      <dsp:txXfrm>
+        <a:off x="3123102" y="2710360"/>
+        <a:ext cx="1640495" cy="1640495"/>
+      </dsp:txXfrm>
+    </dsp:sp>
+    <dsp:sp modelId="{08A35E68-A8B0-2642-9EE0-584DCD565B71}">
+      <dsp:nvSpPr>
+        <dsp:cNvPr id="0" name=""/>
+        <dsp:cNvSpPr/>
+      </dsp:nvSpPr>
+      <dsp:spPr>
+        <a:xfrm>
+          <a:off x="2003984" y="-1568"/>
+          <a:ext cx="3878730" cy="3878730"/>
+        </a:xfrm>
+        <a:prstGeom prst="circularArrow">
+          <a:avLst>
+            <a:gd name="adj1" fmla="val 8247"/>
+            <a:gd name="adj2" fmla="val 576031"/>
+            <a:gd name="adj3" fmla="val 10172508"/>
+            <a:gd name="adj4" fmla="val 7259721"/>
+            <a:gd name="adj5" fmla="val 9622"/>
+          </a:avLst>
+        </a:prstGeom>
+        <a:gradFill rotWithShape="0">
+          <a:gsLst>
+            <a:gs pos="0">
+              <a:schemeClr val="accent2">
+                <a:hueOff val="-727682"/>
+                <a:satOff val="-41964"/>
+                <a:lumOff val="4314"/>
+                <a:alphaOff val="0"/>
+                <a:satMod val="103000"/>
+                <a:lumMod val="102000"/>
+                <a:tint val="94000"/>
+              </a:schemeClr>
+            </a:gs>
+            <a:gs pos="50000">
+              <a:schemeClr val="accent2">
+                <a:hueOff val="-727682"/>
+                <a:satOff val="-41964"/>
+                <a:lumOff val="4314"/>
+                <a:alphaOff val="0"/>
+                <a:satMod val="110000"/>
+                <a:lumMod val="100000"/>
+                <a:shade val="100000"/>
+              </a:schemeClr>
+            </a:gs>
+            <a:gs pos="100000">
+              <a:schemeClr val="accent2">
+                <a:hueOff val="-727682"/>
+                <a:satOff val="-41964"/>
+                <a:lumOff val="4314"/>
+                <a:alphaOff val="0"/>
+                <a:lumMod val="99000"/>
+                <a:satMod val="120000"/>
+                <a:shade val="78000"/>
+              </a:schemeClr>
+            </a:gs>
+          </a:gsLst>
+          <a:lin ang="5400000" scaled="0"/>
+        </a:gradFill>
+        <a:ln>
+          <a:noFill/>
+        </a:ln>
+        <a:effectLst/>
+      </dsp:spPr>
+      <dsp:style>
+        <a:lnRef idx="0">
+          <a:scrgbClr r="0" g="0" b="0"/>
+        </a:lnRef>
+        <a:fillRef idx="3">
+          <a:scrgbClr r="0" g="0" b="0"/>
+        </a:fillRef>
+        <a:effectRef idx="2">
+          <a:scrgbClr r="0" g="0" b="0"/>
+        </a:effectRef>
+        <a:fontRef idx="minor">
+          <a:schemeClr val="lt1"/>
+        </a:fontRef>
+      </dsp:style>
+    </dsp:sp>
+    <dsp:sp modelId="{7E171857-7526-8A41-946B-E62B3476A379}">
+      <dsp:nvSpPr>
+        <dsp:cNvPr id="0" name=""/>
+        <dsp:cNvSpPr/>
+      </dsp:nvSpPr>
+      <dsp:spPr>
+        <a:xfrm>
+          <a:off x="1743687" y="321144"/>
+          <a:ext cx="1640495" cy="1640495"/>
+        </a:xfrm>
+        <a:prstGeom prst="rect">
+          <a:avLst/>
+        </a:prstGeom>
+        <a:noFill/>
+        <a:ln>
+          <a:noFill/>
+        </a:ln>
+        <a:effectLst/>
+      </dsp:spPr>
+      <dsp:style>
+        <a:lnRef idx="0">
+          <a:scrgbClr r="0" g="0" b="0"/>
+        </a:lnRef>
+        <a:fillRef idx="0">
+          <a:scrgbClr r="0" g="0" b="0"/>
+        </a:fillRef>
+        <a:effectRef idx="0">
+          <a:scrgbClr r="0" g="0" b="0"/>
+        </a:effectRef>
+        <a:fontRef idx="minor"/>
+      </dsp:style>
+      <dsp:txBody>
+        <a:bodyPr spcFirstLastPara="0" vert="horz" wrap="square" lIns="31750" tIns="31750" rIns="31750" bIns="31750" numCol="1" spcCol="1270" anchor="ctr" anchorCtr="0">
+          <a:noAutofit/>
+        </a:bodyPr>
+        <a:lstStyle/>
+        <a:p>
+          <a:pPr marL="0" lvl="0" indent="0" algn="ctr" defTabSz="1111250">
+            <a:lnSpc>
+              <a:spcPct val="90000"/>
+            </a:lnSpc>
+            <a:spcBef>
+              <a:spcPct val="0"/>
+            </a:spcBef>
+            <a:spcAft>
+              <a:spcPct val="35000"/>
+            </a:spcAft>
+            <a:buNone/>
+          </a:pPr>
+          <a:r>
+            <a:rPr lang="en-US" sz="2500" b="1" kern="1200">
+              <a:solidFill>
+                <a:srgbClr val="FF0000"/>
+              </a:solidFill>
+            </a:rPr>
+            <a:t>Treatment</a:t>
+          </a:r>
+        </a:p>
+      </dsp:txBody>
+      <dsp:txXfrm>
+        <a:off x="1743687" y="321144"/>
+        <a:ext cx="1640495" cy="1640495"/>
+      </dsp:txXfrm>
+    </dsp:sp>
+    <dsp:sp modelId="{B10B807F-A421-DC40-9C24-68A34ED8B7E8}">
+      <dsp:nvSpPr>
+        <dsp:cNvPr id="0" name=""/>
+        <dsp:cNvSpPr/>
+      </dsp:nvSpPr>
+      <dsp:spPr>
+        <a:xfrm>
+          <a:off x="2003984" y="-1568"/>
+          <a:ext cx="3878730" cy="3878730"/>
+        </a:xfrm>
+        <a:prstGeom prst="circularArrow">
+          <a:avLst>
+            <a:gd name="adj1" fmla="val 8247"/>
+            <a:gd name="adj2" fmla="val 576031"/>
+            <a:gd name="adj3" fmla="val 16857086"/>
+            <a:gd name="adj4" fmla="val 14966882"/>
+            <a:gd name="adj5" fmla="val 9622"/>
+          </a:avLst>
+        </a:prstGeom>
+        <a:gradFill rotWithShape="0">
+          <a:gsLst>
+            <a:gs pos="0">
+              <a:schemeClr val="accent2">
+                <a:hueOff val="-1455363"/>
+                <a:satOff val="-83928"/>
+                <a:lumOff val="8628"/>
+                <a:alphaOff val="0"/>
+                <a:satMod val="103000"/>
+                <a:lumMod val="102000"/>
+                <a:tint val="94000"/>
+              </a:schemeClr>
+            </a:gs>
+            <a:gs pos="50000">
+              <a:schemeClr val="accent2">
+                <a:hueOff val="-1455363"/>
+                <a:satOff val="-83928"/>
+                <a:lumOff val="8628"/>
+                <a:alphaOff val="0"/>
+                <a:satMod val="110000"/>
+                <a:lumMod val="100000"/>
+                <a:shade val="100000"/>
+              </a:schemeClr>
+            </a:gs>
+            <a:gs pos="100000">
+              <a:schemeClr val="accent2">
+                <a:hueOff val="-1455363"/>
+                <a:satOff val="-83928"/>
+                <a:lumOff val="8628"/>
+                <a:alphaOff val="0"/>
+                <a:lumMod val="99000"/>
+                <a:satMod val="120000"/>
+                <a:shade val="78000"/>
+              </a:schemeClr>
+            </a:gs>
+          </a:gsLst>
+          <a:lin ang="5400000" scaled="0"/>
+        </a:gradFill>
+        <a:ln>
+          <a:noFill/>
+        </a:ln>
+        <a:effectLst/>
+      </dsp:spPr>
+      <dsp:style>
+        <a:lnRef idx="0">
+          <a:scrgbClr r="0" g="0" b="0"/>
+        </a:lnRef>
+        <a:fillRef idx="3">
+          <a:scrgbClr r="0" g="0" b="0"/>
+        </a:fillRef>
+        <a:effectRef idx="2">
+          <a:scrgbClr r="0" g="0" b="0"/>
+        </a:effectRef>
+        <a:fontRef idx="minor">
+          <a:schemeClr val="lt1"/>
+        </a:fontRef>
+      </dsp:style>
+    </dsp:sp>
+  </dsp:spTree>
+</dsp:drawing>
+</file>
+
+<file path=ppt/diagrams/layout1.xml><?xml version="1.0" encoding="utf-8"?>
+<dgm:layoutDef xmlns:dgm="http://schemas.openxmlformats.org/drawingml/2006/diagram" xmlns:a="http://schemas.openxmlformats.org/drawingml/2006/main" uniqueId="urn:microsoft.com/office/officeart/2005/8/layout/cycle1">
+  <dgm:title val=""/>
+  <dgm:desc val=""/>
+  <dgm:catLst>
+    <dgm:cat type="cycle" pri="2000"/>
+  </dgm:catLst>
+  <dgm:sampData>
+    <dgm:dataModel>
+      <dgm:ptLst>
+        <dgm:pt modelId="0" type="doc"/>
+        <dgm:pt modelId="1">
+          <dgm:prSet phldr="1"/>
+        </dgm:pt>
+        <dgm:pt modelId="2">
+          <dgm:prSet phldr="1"/>
+        </dgm:pt>
+        <dgm:pt modelId="3">
+          <dgm:prSet phldr="1"/>
+        </dgm:pt>
+        <dgm:pt modelId="4">
+          <dgm:prSet phldr="1"/>
+        </dgm:pt>
+        <dgm:pt modelId="5">
+          <dgm:prSet phldr="1"/>
+        </dgm:pt>
+      </dgm:ptLst>
+      <dgm:cxnLst>
+        <dgm:cxn modelId="6" srcId="0" destId="1" srcOrd="0" destOrd="0"/>
+        <dgm:cxn modelId="7" srcId="0" destId="2" srcOrd="1" destOrd="0"/>
+        <dgm:cxn modelId="8" srcId="0" destId="3" srcOrd="2" destOrd="0"/>
+        <dgm:cxn modelId="9" srcId="0" destId="4" srcOrd="3" destOrd="0"/>
+        <dgm:cxn modelId="10" srcId="0" destId="5" srcOrd="4" destOrd="0"/>
+      </dgm:cxnLst>
+      <dgm:bg/>
+      <dgm:whole/>
+    </dgm:dataModel>
+  </dgm:sampData>
+  <dgm:styleData>
+    <dgm:dataModel>
+      <dgm:ptLst>
+        <dgm:pt modelId="0" type="doc"/>
+        <dgm:pt modelId="1"/>
+        <dgm:pt modelId="2"/>
+        <dgm:pt modelId="3"/>
+      </dgm:ptLst>
+      <dgm:cxnLst>
+        <dgm:cxn modelId="4" srcId="0" destId="1" srcOrd="0" destOrd="0"/>
+        <dgm:cxn modelId="5" srcId="0" destId="2" srcOrd="1" destOrd="0"/>
+        <dgm:cxn modelId="6" srcId="0" destId="3" srcOrd="2" destOrd="0"/>
+      </dgm:cxnLst>
+      <dgm:bg/>
+      <dgm:whole/>
+    </dgm:dataModel>
+  </dgm:styleData>
+  <dgm:clrData>
+    <dgm:dataModel>
+      <dgm:ptLst>
+        <dgm:pt modelId="0" type="doc"/>
+        <dgm:pt modelId="1"/>
+        <dgm:pt modelId="2"/>
+        <dgm:pt modelId="3"/>
+        <dgm:pt modelId="4"/>
+        <dgm:pt modelId="5"/>
+        <dgm:pt modelId="6"/>
+      </dgm:ptLst>
+      <dgm:cxnLst>
+        <dgm:cxn modelId="7" srcId="0" destId="1" srcOrd="0" destOrd="0"/>
+        <dgm:cxn modelId="8" srcId="0" destId="2" srcOrd="1" destOrd="0"/>
+        <dgm:cxn modelId="9" srcId="0" destId="3" srcOrd="2" destOrd="0"/>
+        <dgm:cxn modelId="10" srcId="0" destId="4" srcOrd="3" destOrd="0"/>
+        <dgm:cxn modelId="11" srcId="0" destId="5" srcOrd="4" destOrd="0"/>
+        <dgm:cxn modelId="12" srcId="0" destId="6" srcOrd="5" destOrd="0"/>
+      </dgm:cxnLst>
+      <dgm:bg/>
+      <dgm:whole/>
+    </dgm:dataModel>
+  </dgm:clrData>
+  <dgm:layoutNode name="cycle">
+    <dgm:varLst>
+      <dgm:dir/>
+      <dgm:resizeHandles val="exact"/>
+    </dgm:varLst>
+    <dgm:choose name="Name0">
+      <dgm:if name="Name1" func="var" arg="dir" op="equ" val="norm">
+        <dgm:alg type="cycle">
+          <dgm:param type="stAng" val="0"/>
+          <dgm:param type="spanAng" val="360"/>
+        </dgm:alg>
+      </dgm:if>
+      <dgm:else name="Name2">
+        <dgm:alg type="cycle">
+          <dgm:param type="stAng" val="0"/>
+          <dgm:param type="spanAng" val="-360"/>
+        </dgm:alg>
+      </dgm:else>
+    </dgm:choose>
+    <dgm:shape xmlns:r="http://schemas.openxmlformats.org/officeDocument/2006/relationships" r:blip="">
+      <dgm:adjLst/>
+    </dgm:shape>
+    <dgm:presOf/>
+    <dgm:choose name="Name3">
+      <dgm:if name="Name4" func="var" arg="dir" op="equ" val="norm">
+        <dgm:constrLst>
+          <dgm:constr type="diam" val="1"/>
+          <dgm:constr type="w" for="ch" forName="node" refType="w"/>
+          <dgm:constr type="w" for="ch" ptType="sibTrans" refType="w" refFor="ch" refForName="node" fact="0.5"/>
+          <dgm:constr type="h" for="ch" ptType="sibTrans" op="equ"/>
+          <dgm:constr type="diam" for="ch" ptType="sibTrans" refType="diam" op="equ"/>
+          <dgm:constr type="sibSp" refType="w" refFor="ch" refForName="node" fact="0.15"/>
+          <dgm:constr type="w" for="ch" forName="dummy" refType="sibSp" fact="2.8"/>
+          <dgm:constr type="primFontSz" for="ch" forName="node" op="equ" val="65"/>
+        </dgm:constrLst>
+      </dgm:if>
+      <dgm:else name="Name5">
+        <dgm:constrLst>
+          <dgm:constr type="diam" val="1"/>
+          <dgm:constr type="w" for="ch" forName="node" refType="w"/>
+          <dgm:constr type="w" for="ch" ptType="sibTrans" refType="w" refFor="ch" refForName="node" fact="0.5"/>
+          <dgm:constr type="h" for="ch" ptType="sibTrans" op="equ"/>
+          <dgm:constr type="diam" for="ch" ptType="sibTrans" refType="diam" op="equ" fact="-1"/>
+          <dgm:constr type="sibSp" refType="w" refFor="ch" refForName="node" fact="0.15"/>
+          <dgm:constr type="w" for="ch" forName="dummy" refType="sibSp" fact="2.8"/>
+          <dgm:constr type="primFontSz" for="ch" forName="node" op="equ" val="65"/>
+        </dgm:constrLst>
+      </dgm:else>
+    </dgm:choose>
+    <dgm:ruleLst>
+      <dgm:rule type="diam" val="INF" fact="NaN" max="NaN"/>
+    </dgm:ruleLst>
+    <dgm:forEach name="nodesForEach" axis="ch" ptType="node">
+      <dgm:choose name="Name6">
+        <dgm:if name="Name7" axis="par ch" ptType="doc node" func="cnt" op="gt" val="1">
+          <dgm:layoutNode name="dummy">
+            <dgm:alg type="sp"/>
+            <dgm:shape xmlns:r="http://schemas.openxmlformats.org/officeDocument/2006/relationships" r:blip="">
+              <dgm:adjLst/>
+            </dgm:shape>
+            <dgm:presOf/>
+            <dgm:constrLst>
+              <dgm:constr type="h" refType="w"/>
+            </dgm:constrLst>
+            <dgm:ruleLst/>
+          </dgm:layoutNode>
+        </dgm:if>
+        <dgm:else name="Name8"/>
+      </dgm:choose>
+      <dgm:layoutNode name="node" styleLbl="revTx">
+        <dgm:varLst>
+          <dgm:bulletEnabled val="1"/>
+        </dgm:varLst>
+        <dgm:alg type="tx">
+          <dgm:param type="txAnchorVertCh" val="mid"/>
+        </dgm:alg>
+        <dgm:shape xmlns:r="http://schemas.openxmlformats.org/officeDocument/2006/relationships" type="rect" r:blip="">
+          <dgm:adjLst/>
+        </dgm:shape>
+        <dgm:presOf axis="desOrSelf" ptType="node"/>
+        <dgm:constrLst>
+          <dgm:constr type="h" refType="w"/>
+          <dgm:constr type="lMarg" refType="primFontSz" fact="0.1"/>
+          <dgm:constr type="rMarg" refType="primFontSz" fact="0.1"/>
+          <dgm:constr type="tMarg" refType="primFontSz" fact="0.1"/>
+          <dgm:constr type="bMarg" refType="primFontSz" fact="0.1"/>
+        </dgm:constrLst>
+        <dgm:ruleLst>
+          <dgm:rule type="primFontSz" val="5" fact="NaN" max="NaN"/>
+        </dgm:ruleLst>
+      </dgm:layoutNode>
+      <dgm:choose name="Name9">
+        <dgm:if name="Name10" axis="par ch" ptType="doc node" func="cnt" op="gt" val="1">
+          <dgm:forEach name="Name11" axis="followSib" ptType="sibTrans" hideLastTrans="0" cnt="1">
+            <dgm:layoutNode name="sibTrans" styleLbl="node1">
+              <dgm:alg type="conn">
+                <dgm:param type="connRout" val="curve"/>
+                <dgm:param type="begPts" val="radial"/>
+                <dgm:param type="endPts" val="radial"/>
+              </dgm:alg>
+              <dgm:shape xmlns:r="http://schemas.openxmlformats.org/officeDocument/2006/relationships" type="conn" r:blip="">
+                <dgm:adjLst/>
+              </dgm:shape>
+              <dgm:presOf axis="self"/>
+              <dgm:constrLst>
+                <dgm:constr type="h" refType="w" fact="0.65"/>
+                <dgm:constr type="begPad"/>
+                <dgm:constr type="endPad"/>
+              </dgm:constrLst>
+              <dgm:ruleLst/>
+            </dgm:layoutNode>
+          </dgm:forEach>
+        </dgm:if>
+        <dgm:else name="Name12"/>
+      </dgm:choose>
+    </dgm:forEach>
+  </dgm:layoutNode>
+</dgm:layoutDef>
+</file>
+
+<file path=ppt/diagrams/quickStyle1.xml><?xml version="1.0" encoding="utf-8"?>
+<dgm:styleDef xmlns:dgm="http://schemas.openxmlformats.org/drawingml/2006/diagram" xmlns:a="http://schemas.openxmlformats.org/drawingml/2006/main" uniqueId="urn:microsoft.com/office/officeart/2005/8/quickstyle/simple4">
+  <dgm:title val=""/>
+  <dgm:desc val=""/>
+  <dgm:catLst>
+    <dgm:cat type="simple" pri="10400"/>
+  </dgm:catLst>
+  <dgm:scene3d>
+    <a:camera prst="orthographicFront"/>
+    <a:lightRig rig="threePt" dir="t"/>
+  </dgm:scene3d>
+  <dgm:styleLbl name="node0">
+    <dgm:scene3d>
+      <a:camera prst="orthographicFront"/>
+      <a:lightRig rig="threePt" dir="t"/>
+    </dgm:scene3d>
+    <dgm:sp3d/>
+    <dgm:txPr/>
+    <dgm:style>
+      <a:lnRef idx="0">
+        <a:scrgbClr r="0" g="0" b="0"/>
+      </a:lnRef>
+      <a:fillRef idx="3">
+        <a:scrgbClr r="0" g="0" b="0"/>
+      </a:fillRef>
+      <a:effectRef idx="2">
+        <a:scrgbClr r="0" g="0" b="0"/>
+      </a:effectRef>
+      <a:fontRef idx="minor">
+        <a:schemeClr val="lt1"/>
+      </a:fontRef>
+    </dgm:style>
+  </dgm:styleLbl>
+  <dgm:styleLbl name="lnNode1">
+    <dgm:scene3d>
+      <a:camera prst="orthographicFront"/>
+      <a:lightRig rig="threePt" dir="t"/>
+    </dgm:scene3d>
+    <dgm:sp3d/>
+    <dgm:txPr/>
+    <dgm:style>
+      <a:lnRef idx="1">
+        <a:scrgbClr r="0" g="0" b="0"/>
+      </a:lnRef>
+      <a:fillRef idx="3">
+        <a:scrgbClr r="0" g="0" b="0"/>
+      </a:fillRef>
+      <a:effectRef idx="2">
+        <a:scrgbClr r="0" g="0" b="0"/>
+      </a:effectRef>
+      <a:fontRef idx="minor">
+        <a:schemeClr val="lt1"/>
+      </a:fontRef>
+    </dgm:style>
+  </dgm:styleLbl>
+  <dgm:styleLbl name="vennNode1">
+    <dgm:scene3d>
+      <a:camera prst="orthographicFront"/>
+      <a:lightRig rig="threePt" dir="t"/>
+    </dgm:scene3d>
+    <dgm:sp3d/>
+    <dgm:txPr/>
+    <dgm:style>
+      <a:lnRef idx="0">
+        <a:scrgbClr r="0" g="0" b="0"/>
+      </a:lnRef>
+      <a:fillRef idx="3">
+        <a:scrgbClr r="0" g="0" b="0"/>
+      </a:fillRef>
+      <a:effectRef idx="0">
+        <a:scrgbClr r="0" g="0" b="0"/>
+      </a:effectRef>
+      <a:fontRef idx="minor">
+        <a:schemeClr val="tx1"/>
+      </a:fontRef>
+    </dgm:style>
+  </dgm:styleLbl>
+  <dgm:styleLbl name="alignNode1">
+    <dgm:scene3d>
+      <a:camera prst="orthographicFront"/>
+      <a:lightRig rig="threePt" dir="t"/>
+    </dgm:scene3d>
+    <dgm:sp3d/>
+    <dgm:txPr/>
+    <dgm:style>
+      <a:lnRef idx="1">
+        <a:scrgbClr r="0" g="0" b="0"/>
+      </a:lnRef>
+      <a:fillRef idx="3">
+        <a:scrgbClr r="0" g="0" b="0"/>
+      </a:fillRef>
+      <a:effectRef idx="2">
+        <a:scrgbClr r="0" g="0" b="0"/>
+      </a:effectRef>
+      <a:fontRef idx="minor">
+        <a:schemeClr val="lt1"/>
+      </a:fontRef>
+    </dgm:style>
+  </dgm:styleLbl>
+  <dgm:styleLbl name="node1">
+    <dgm:scene3d>
+      <a:camera prst="orthographicFront"/>
+      <a:lightRig rig="threePt" dir="t"/>
+    </dgm:scene3d>
+    <dgm:sp3d/>
+    <dgm:txPr/>
+    <dgm:style>
+      <a:lnRef idx="0">
+        <a:scrgbClr r="0" g="0" b="0"/>
+      </a:lnRef>
+      <a:fillRef idx="3">
+        <a:scrgbClr r="0" g="0" b="0"/>
+      </a:fillRef>
+      <a:effectRef idx="2">
+        <a:scrgbClr r="0" g="0" b="0"/>
+      </a:effectRef>
+      <a:fontRef idx="minor">
+        <a:schemeClr val="lt1"/>
+      </a:fontRef>
+    </dgm:style>
+  </dgm:styleLbl>
+  <dgm:styleLbl name="node2">
+    <dgm:scene3d>
+      <a:camera prst="orthographicFront"/>
+      <a:lightRig rig="threePt" dir="t"/>
+    </dgm:scene3d>
+    <dgm:sp3d/>
+    <dgm:txPr/>
+    <dgm:style>
+      <a:lnRef idx="0">
+        <a:scrgbClr r="0" g="0" b="0"/>
+      </a:lnRef>
+      <a:fillRef idx="3">
+        <a:scrgbClr r="0" g="0" b="0"/>
+      </a:fillRef>
+      <a:effectRef idx="2">
+        <a:scrgbClr r="0" g="0" b="0"/>
+      </a:effectRef>
+      <a:fontRef idx="minor">
+        <a:schemeClr val="lt1"/>
+      </a:fontRef>
+    </dgm:style>
+  </dgm:styleLbl>
+  <dgm:styleLbl name="node3">
+    <dgm:scene3d>
+      <a:camera prst="orthographicFront"/>
+      <a:lightRig rig="threePt" dir="t"/>
+    </dgm:scene3d>
+    <dgm:sp3d/>
+    <dgm:txPr/>
+    <dgm:style>
+      <a:lnRef idx="0">
+        <a:scrgbClr r="0" g="0" b="0"/>
+      </a:lnRef>
+      <a:fillRef idx="3">
+        <a:scrgbClr r="0" g="0" b="0"/>
+      </a:fillRef>
+      <a:effectRef idx="2">
+        <a:scrgbClr r="0" g="0" b="0"/>
+      </a:effectRef>
+      <a:fontRef idx="minor">
+        <a:schemeClr val="lt1"/>
+      </a:fontRef>
+    </dgm:style>
+  </dgm:styleLbl>
+  <dgm:styleLbl name="node4">
+    <dgm:scene3d>
+      <a:camera prst="orthographicFront"/>
+      <a:lightRig rig="threePt" dir="t"/>
+    </dgm:scene3d>
+    <dgm:sp3d/>
+    <dgm:txPr/>
+    <dgm:style>
+      <a:lnRef idx="0">
+        <a:scrgbClr r="0" g="0" b="0"/>
+      </a:lnRef>
+      <a:fillRef idx="3">
+        <a:scrgbClr r="0" g="0" b="0"/>
+      </a:fillRef>
+      <a:effectRef idx="2">
+        <a:scrgbClr r="0" g="0" b="0"/>
+      </a:effectRef>
+      <a:fontRef idx="minor">
+        <a:schemeClr val="lt1"/>
+      </a:fontRef>
+    </dgm:style>
+  </dgm:styleLbl>
+  <dgm:styleLbl name="fgImgPlace1">
+    <dgm:scene3d>
+      <a:camera prst="orthographicFront"/>
+      <a:lightRig rig="threePt" dir="t"/>
+    </dgm:scene3d>
+    <dgm:sp3d/>
+    <dgm:txPr/>
+    <dgm:style>
+      <a:lnRef idx="0">
+        <a:scrgbClr r="0" g="0" b="0"/>
+      </a:lnRef>
+      <a:fillRef idx="1">
+        <a:scrgbClr r="0" g="0" b="0"/>
+      </a:fillRef>
+      <a:effectRef idx="2">
+        <a:scrgbClr r="0" g="0" b="0"/>
+      </a:effectRef>
+      <a:fontRef idx="minor"/>
+    </dgm:style>
+  </dgm:styleLbl>
+  <dgm:styleLbl name="alignImgPlace1">
+    <dgm:scene3d>
+      <a:camera prst="orthographicFront"/>
+      <a:lightRig rig="threePt" dir="t"/>
+    </dgm:scene3d>
+    <dgm:sp3d/>
+    <dgm:txPr/>
+    <dgm:style>
+      <a:lnRef idx="0">
+        <a:scrgbClr r="0" g="0" b="0"/>
+      </a:lnRef>
+      <a:fillRef idx="1">
+        <a:scrgbClr r="0" g="0" b="0"/>
+      </a:fillRef>
+      <a:effectRef idx="2">
+        <a:scrgbClr r="0" g="0" b="0"/>
+      </a:effectRef>
+      <a:fontRef idx="minor"/>
+    </dgm:style>
+  </dgm:styleLbl>
+  <dgm:styleLbl name="bgImgPlace1">
+    <dgm:scene3d>
+      <a:camera prst="orthographicFront"/>
+      <a:lightRig rig="threePt" dir="t"/>
+    </dgm:scene3d>
+    <dgm:sp3d/>
+    <dgm:txPr/>
+    <dgm:style>
+      <a:lnRef idx="0">
+        <a:scrgbClr r="0" g="0" b="0"/>
+      </a:lnRef>
+      <a:fillRef idx="1">
+        <a:scrgbClr r="0" g="0" b="0"/>
+      </a:fillRef>
+      <a:effectRef idx="2">
+        <a:scrgbClr r="0" g="0" b="0"/>
+      </a:effectRef>
+      <a:fontRef idx="minor"/>
+    </dgm:style>
+  </dgm:styleLbl>
+  <dgm:styleLbl name="sibTrans2D1">
+    <dgm:scene3d>
+      <a:camera prst="orthographicFront"/>
+      <a:lightRig rig="threePt" dir="t"/>
+    </dgm:scene3d>
+    <dgm:sp3d/>
+    <dgm:txPr/>
+    <dgm:style>
+      <a:lnRef idx="0">
+        <a:scrgbClr r="0" g="0" b="0"/>
+      </a:lnRef>
+      <a:fillRef idx="3">
+        <a:scrgbClr r="0" g="0" b="0"/>
+      </a:fillRef>
+      <a:effectRef idx="2">
+        <a:scrgbClr r="0" g="0" b="0"/>
+      </a:effectRef>
+      <a:fontRef idx="minor">
+        <a:schemeClr val="lt1"/>
+      </a:fontRef>
+    </dgm:style>
+  </dgm:styleLbl>
+  <dgm:styleLbl name="fgSibTrans2D1">
+    <dgm:scene3d>
+      <a:camera prst="orthographicFront"/>
+      <a:lightRig rig="threePt" dir="t"/>
+    </dgm:scene3d>
+    <dgm:sp3d/>
+    <dgm:txPr/>
+    <dgm:style>
+      <a:lnRef idx="0">
+        <a:scrgbClr r="0" g="0" b="0"/>
+      </a:lnRef>
+      <a:fillRef idx="3">
+        <a:scrgbClr r="0" g="0" b="0"/>
+      </a:fillRef>
+      <a:effectRef idx="2">
+        <a:scrgbClr r="0" g="0" b="0"/>
+      </a:effectRef>
+      <a:fontRef idx="minor">
+        <a:schemeClr val="lt1"/>
+      </a:fontRef>
+    </dgm:style>
+  </dgm:styleLbl>
+  <dgm:styleLbl name="bgSibTrans2D1">
+    <dgm:scene3d>
+      <a:camera prst="orthographicFront"/>
+      <a:lightRig rig="threePt" dir="t"/>
+    </dgm:scene3d>
+    <dgm:sp3d/>
+    <dgm:txPr/>
+    <dgm:style>
+      <a:lnRef idx="0">
+        <a:scrgbClr r="0" g="0" b="0"/>
+      </a:lnRef>
+      <a:fillRef idx="3">
+        <a:scrgbClr r="0" g="0" b="0"/>
+      </a:fillRef>
+      <a:effectRef idx="2">
+        <a:scrgbClr r="0" g="0" b="0"/>
+      </a:effectRef>
+      <a:fontRef idx="minor">
+        <a:schemeClr val="lt1"/>
+      </a:fontRef>
+    </dgm:style>
+  </dgm:styleLbl>
+  <dgm:styleLbl name="sibTrans1D1">
+    <dgm:scene3d>
+      <a:camera prst="orthographicFront"/>
+      <a:lightRig rig="threePt" dir="t"/>
+    </dgm:scene3d>
+    <dgm:sp3d/>
+    <dgm:txPr/>
+    <dgm:style>
+      <a:lnRef idx="1">
+        <a:scrgbClr r="0" g="0" b="0"/>
+      </a:lnRef>
+      <a:fillRef idx="0">
+        <a:scrgbClr r="0" g="0" b="0"/>
+      </a:fillRef>
+      <a:effectRef idx="0">
+        <a:scrgbClr r="0" g="0" b="0"/>
+      </a:effectRef>
+      <a:fontRef idx="minor"/>
+    </dgm:style>
+  </dgm:styleLbl>
+  <dgm:styleLbl name="callout">
+    <dgm:scene3d>
+      <a:camera prst="orthographicFront"/>
+      <a:lightRig rig="threePt" dir="t"/>
+    </dgm:scene3d>
+    <dgm:sp3d/>
+    <dgm:txPr/>
+    <dgm:style>
+      <a:lnRef idx="2">
+        <a:scrgbClr r="0" g="0" b="0"/>
+      </a:lnRef>
+      <a:fillRef idx="1">
+        <a:scrgbClr r="0" g="0" b="0"/>
+      </a:fillRef>
+      <a:effectRef idx="1">
+        <a:scrgbClr r="0" g="0" b="0"/>
+      </a:effectRef>
+      <a:fontRef idx="minor"/>
+    </dgm:style>
+  </dgm:styleLbl>
+  <dgm:styleLbl name="asst0">
+    <dgm:scene3d>
+      <a:camera prst="orthographicFront"/>
+      <a:lightRig rig="threePt" dir="t"/>
+    </dgm:scene3d>
+    <dgm:sp3d/>
+    <dgm:txPr/>
+    <dgm:style>
+      <a:lnRef idx="0">
+        <a:scrgbClr r="0" g="0" b="0"/>
+      </a:lnRef>
+      <a:fillRef idx="3">
+        <a:scrgbClr r="0" g="0" b="0"/>
+      </a:fillRef>
+      <a:effectRef idx="2">
+        <a:scrgbClr r="0" g="0" b="0"/>
+      </a:effectRef>
+      <a:fontRef idx="minor">
+        <a:schemeClr val="lt1"/>
+      </a:fontRef>
+    </dgm:style>
+  </dgm:styleLbl>
+  <dgm:styleLbl name="asst1">
+    <dgm:scene3d>
+      <a:camera prst="orthographicFront"/>
+      <a:lightRig rig="threePt" dir="t"/>
+    </dgm:scene3d>
+    <dgm:sp3d/>
+    <dgm:txPr/>
+    <dgm:style>
+      <a:lnRef idx="0">
+        <a:scrgbClr r="0" g="0" b="0"/>
+      </a:lnRef>
+      <a:fillRef idx="3">
+        <a:scrgbClr r="0" g="0" b="0"/>
+      </a:fillRef>
+      <a:effectRef idx="2">
+        <a:scrgbClr r="0" g="0" b="0"/>
+      </a:effectRef>
+      <a:fontRef idx="minor">
+        <a:schemeClr val="lt1"/>
+      </a:fontRef>
+    </dgm:style>
+  </dgm:styleLbl>
+  <dgm:styleLbl name="asst2">
+    <dgm:scene3d>
+      <a:camera prst="orthographicFront"/>
+      <a:lightRig rig="threePt" dir="t"/>
+    </dgm:scene3d>
+    <dgm:sp3d/>
+    <dgm:txPr/>
+    <dgm:style>
+      <a:lnRef idx="0">
+        <a:scrgbClr r="0" g="0" b="0"/>
+      </a:lnRef>
+      <a:fillRef idx="3">
+        <a:scrgbClr r="0" g="0" b="0"/>
+      </a:fillRef>
+      <a:effectRef idx="2">
+        <a:scrgbClr r="0" g="0" b="0"/>
+      </a:effectRef>
+      <a:fontRef idx="minor">
+        <a:schemeClr val="lt1"/>
+      </a:fontRef>
+    </dgm:style>
+  </dgm:styleLbl>
+  <dgm:styleLbl name="asst3">
+    <dgm:scene3d>
+      <a:camera prst="orthographicFront"/>
+      <a:lightRig rig="threePt" dir="t"/>
+    </dgm:scene3d>
+    <dgm:sp3d/>
+    <dgm:txPr/>
+    <dgm:style>
+      <a:lnRef idx="0">
+        <a:scrgbClr r="0" g="0" b="0"/>
+      </a:lnRef>
+      <a:fillRef idx="3">
+        <a:scrgbClr r="0" g="0" b="0"/>
+      </a:fillRef>
+      <a:effectRef idx="2">
+        <a:scrgbClr r="0" g="0" b="0"/>
+      </a:effectRef>
+      <a:fontRef idx="minor">
+        <a:schemeClr val="lt1"/>
+      </a:fontRef>
+    </dgm:style>
+  </dgm:styleLbl>
+  <dgm:styleLbl name="asst4">
+    <dgm:scene3d>
+      <a:camera prst="orthographicFront"/>
+      <a:lightRig rig="threePt" dir="t"/>
+    </dgm:scene3d>
+    <dgm:sp3d/>
+    <dgm:txPr/>
+    <dgm:style>
+      <a:lnRef idx="0">
+        <a:scrgbClr r="0" g="0" b="0"/>
+      </a:lnRef>
+      <a:fillRef idx="3">
+        <a:scrgbClr r="0" g="0" b="0"/>
+      </a:fillRef>
+      <a:effectRef idx="2">
+        <a:scrgbClr r="0" g="0" b="0"/>
+      </a:effectRef>
+      <a:fontRef idx="minor">
+        <a:schemeClr val="lt1"/>
+      </a:fontRef>
+    </dgm:style>
+  </dgm:styleLbl>
+  <dgm:styleLbl name="parChTrans2D1">
+    <dgm:scene3d>
+      <a:camera prst="orthographicFront"/>
+      <a:lightRig rig="threePt" dir="t"/>
+    </dgm:scene3d>
+    <dgm:sp3d/>
+    <dgm:txPr/>
+    <dgm:style>
+      <a:lnRef idx="0">
+        <a:scrgbClr r="0" g="0" b="0"/>
+      </a:lnRef>
+      <a:fillRef idx="3">
+        <a:scrgbClr r="0" g="0" b="0"/>
+      </a:fillRef>
+      <a:effectRef idx="2">
+        <a:scrgbClr r="0" g="0" b="0"/>
+      </a:effectRef>
+      <a:fontRef idx="minor">
+        <a:schemeClr val="lt1"/>
+      </a:fontRef>
+    </dgm:style>
+  </dgm:styleLbl>
+  <dgm:styleLbl name="parChTrans2D2">
+    <dgm:scene3d>
+      <a:camera prst="orthographicFront"/>
+      <a:lightRig rig="threePt" dir="t"/>
+    </dgm:scene3d>
+    <dgm:sp3d/>
+    <dgm:txPr/>
+    <dgm:style>
+      <a:lnRef idx="0">
+        <a:scrgbClr r="0" g="0" b="0"/>
+      </a:lnRef>
+      <a:fillRef idx="3">
+        <a:scrgbClr r="0" g="0" b="0"/>
+      </a:fillRef>
+      <a:effectRef idx="2">
+        <a:scrgbClr r="0" g="0" b="0"/>
+      </a:effectRef>
+      <a:fontRef idx="minor">
+        <a:schemeClr val="lt1"/>
+      </a:fontRef>
+    </dgm:style>
+  </dgm:styleLbl>
+  <dgm:styleLbl name="parChTrans2D3">
+    <dgm:scene3d>
+      <a:camera prst="orthographicFront"/>
+      <a:lightRig rig="threePt" dir="t"/>
+    </dgm:scene3d>
+    <dgm:sp3d/>
+    <dgm:txPr/>
+    <dgm:style>
+      <a:lnRef idx="1">
+        <a:scrgbClr r="0" g="0" b="0"/>
+      </a:lnRef>
+      <a:fillRef idx="3">
+        <a:scrgbClr r="0" g="0" b="0"/>
+      </a:fillRef>
+      <a:effectRef idx="2">
+        <a:scrgbClr r="0" g="0" b="0"/>
+      </a:effectRef>
+      <a:fontRef idx="minor">
+        <a:schemeClr val="lt1"/>
+      </a:fontRef>
+    </dgm:style>
+  </dgm:styleLbl>
+  <dgm:styleLbl name="parChTrans2D4">
+    <dgm:scene3d>
+      <a:camera prst="orthographicFront"/>
+      <a:lightRig rig="threePt" dir="t"/>
+    </dgm:scene3d>
+    <dgm:sp3d/>
+    <dgm:txPr/>
+    <dgm:style>
+      <a:lnRef idx="1">
+        <a:scrgbClr r="0" g="0" b="0"/>
+      </a:lnRef>
+      <a:fillRef idx="3">
+        <a:scrgbClr r="0" g="0" b="0"/>
+      </a:fillRef>
+      <a:effectRef idx="2">
+        <a:scrgbClr r="0" g="0" b="0"/>
+      </a:effectRef>
+      <a:fontRef idx="minor">
+        <a:schemeClr val="lt1"/>
+      </a:fontRef>
+    </dgm:style>
+  </dgm:styleLbl>
+  <dgm:styleLbl name="parChTrans1D1">
+    <dgm:scene3d>
+      <a:camera prst="orthographicFront"/>
+      <a:lightRig rig="threePt" dir="t"/>
+    </dgm:scene3d>
+    <dgm:sp3d/>
+    <dgm:txPr/>
+    <dgm:style>
+      <a:lnRef idx="1">
+        <a:scrgbClr r="0" g="0" b="0"/>
+      </a:lnRef>
+      <a:fillRef idx="0">
+        <a:scrgbClr r="0" g="0" b="0"/>
+      </a:fillRef>
+      <a:effectRef idx="0">
+        <a:scrgbClr r="0" g="0" b="0"/>
+      </a:effectRef>
+      <a:fontRef idx="minor"/>
+    </dgm:style>
+  </dgm:styleLbl>
+  <dgm:styleLbl name="parChTrans1D2">
+    <dgm:scene3d>
+      <a:camera prst="orthographicFront"/>
+      <a:lightRig rig="threePt" dir="t"/>
+    </dgm:scene3d>
+    <dgm:sp3d/>
+    <dgm:txPr/>
+    <dgm:style>
+      <a:lnRef idx="1">
+        <a:scrgbClr r="0" g="0" b="0"/>
+      </a:lnRef>
+      <a:fillRef idx="0">
+        <a:scrgbClr r="0" g="0" b="0"/>
+      </a:fillRef>
+      <a:effectRef idx="0">
+        <a:scrgbClr r="0" g="0" b="0"/>
+      </a:effectRef>
+      <a:fontRef idx="minor"/>
+    </dgm:style>
+  </dgm:styleLbl>
+  <dgm:styleLbl name="parChTrans1D3">
+    <dgm:scene3d>
+      <a:camera prst="orthographicFront"/>
+      <a:lightRig rig="threePt" dir="t"/>
+    </dgm:scene3d>
+    <dgm:sp3d/>
+    <dgm:txPr/>
+    <dgm:style>
+      <a:lnRef idx="1">
+        <a:scrgbClr r="0" g="0" b="0"/>
+      </a:lnRef>
+      <a:fillRef idx="0">
+        <a:scrgbClr r="0" g="0" b="0"/>
+      </a:fillRef>
+      <a:effectRef idx="0">
+        <a:scrgbClr r="0" g="0" b="0"/>
+      </a:effectRef>
+      <a:fontRef idx="minor"/>
+    </dgm:style>
+  </dgm:styleLbl>
+  <dgm:styleLbl name="parChTrans1D4">
+    <dgm:scene3d>
+      <a:camera prst="orthographicFront"/>
+      <a:lightRig rig="threePt" dir="t"/>
+    </dgm:scene3d>
+    <dgm:sp3d/>
+    <dgm:txPr/>
+    <dgm:style>
+      <a:lnRef idx="1">
+        <a:scrgbClr r="0" g="0" b="0"/>
+      </a:lnRef>
+      <a:fillRef idx="0">
+        <a:scrgbClr r="0" g="0" b="0"/>
+      </a:fillRef>
+      <a:effectRef idx="0">
+        <a:scrgbClr r="0" g="0" b="0"/>
+      </a:effectRef>
+      <a:fontRef idx="minor"/>
+    </dgm:style>
+  </dgm:styleLbl>
+  <dgm:styleLbl name="fgAcc1">
+    <dgm:scene3d>
+      <a:camera prst="orthographicFront"/>
+      <a:lightRig rig="threePt" dir="t"/>
+    </dgm:scene3d>
+    <dgm:sp3d/>
+    <dgm:txPr/>
+    <dgm:style>
+      <a:lnRef idx="1">
+        <a:scrgbClr r="0" g="0" b="0"/>
+      </a:lnRef>
+      <a:fillRef idx="1">
+        <a:scrgbClr r="0" g="0" b="0"/>
+      </a:fillRef>
+      <a:effectRef idx="0">
+        <a:scrgbClr r="0" g="0" b="0"/>
+      </a:effectRef>
+      <a:fontRef idx="minor"/>
+    </dgm:style>
+  </dgm:styleLbl>
+  <dgm:styleLbl name="conFgAcc1">
+    <dgm:scene3d>
+      <a:camera prst="orthographicFront"/>
+      <a:lightRig rig="threePt" dir="t"/>
+    </dgm:scene3d>
+    <dgm:sp3d/>
+    <dgm:txPr/>
+    <dgm:style>
+      <a:lnRef idx="1">
+        <a:scrgbClr r="0" g="0" b="0"/>
+      </a:lnRef>
+      <a:fillRef idx="1">
+        <a:scrgbClr r="0" g="0" b="0"/>
+      </a:fillRef>
+      <a:effectRef idx="0">
+        <a:scrgbClr r="0" g="0" b="0"/>
+      </a:effectRef>
+      <a:fontRef idx="minor"/>
+    </dgm:style>
+  </dgm:styleLbl>
+  <dgm:styleLbl name="alignAcc1">
+    <dgm:scene3d>
+      <a:camera prst="orthographicFront"/>
+      <a:lightRig rig="threePt" dir="t"/>
+    </dgm:scene3d>
+    <dgm:sp3d/>
+    <dgm:txPr/>
+    <dgm:style>
+      <a:lnRef idx="1">
+        <a:scrgbClr r="0" g="0" b="0"/>
+      </a:lnRef>
+      <a:fillRef idx="1">
+        <a:scrgbClr r="0" g="0" b="0"/>
+      </a:fillRef>
+      <a:effectRef idx="0">
+        <a:scrgbClr r="0" g="0" b="0"/>
+      </a:effectRef>
+      <a:fontRef idx="minor"/>
+    </dgm:style>
+  </dgm:styleLbl>
+  <dgm:styleLbl name="trAlignAcc1">
+    <dgm:scene3d>
+      <a:camera prst="orthographicFront"/>
+      <a:lightRig rig="threePt" dir="t"/>
+    </dgm:scene3d>
+    <dgm:sp3d/>
+    <dgm:txPr/>
+    <dgm:style>
+      <a:lnRef idx="1">
+        <a:scrgbClr r="0" g="0" b="0"/>
+      </a:lnRef>
+      <a:fillRef idx="1">
+        <a:scrgbClr r="0" g="0" b="0"/>
+      </a:fillRef>
+      <a:effectRef idx="0">
+        <a:scrgbClr r="0" g="0" b="0"/>
+      </a:effectRef>
+      <a:fontRef idx="minor"/>
+    </dgm:style>
+  </dgm:styleLbl>
+  <dgm:styleLbl name="bgAcc1">
+    <dgm:scene3d>
+      <a:camera prst="orthographicFront"/>
+      <a:lightRig rig="threePt" dir="t"/>
+    </dgm:scene3d>
+    <dgm:sp3d/>
+    <dgm:txPr/>
+    <dgm:style>
+      <a:lnRef idx="1">
+        <a:scrgbClr r="0" g="0" b="0"/>
+      </a:lnRef>
+      <a:fillRef idx="1">
+        <a:scrgbClr r="0" g="0" b="0"/>
+      </a:fillRef>
+      <a:effectRef idx="0">
+        <a:scrgbClr r="0" g="0" b="0"/>
+      </a:effectRef>
+      <a:fontRef idx="minor"/>
+    </dgm:style>
+  </dgm:styleLbl>
+  <dgm:styleLbl name="solidFgAcc1">
+    <dgm:scene3d>
+      <a:camera prst="orthographicFront"/>
+      <a:lightRig rig="threePt" dir="t"/>
+    </dgm:scene3d>
+    <dgm:sp3d/>
+    <dgm:txPr/>
+    <dgm:style>
+      <a:lnRef idx="1">
+        <a:scrgbClr r="0" g="0" b="0"/>
+      </a:lnRef>
+      <a:fillRef idx="1">
+        <a:scrgbClr r="0" g="0" b="0"/>
+      </a:fillRef>
+      <a:effectRef idx="0">
+        <a:scrgbClr r="0" g="0" b="0"/>
+      </a:effectRef>
+      <a:fontRef idx="minor"/>
+    </dgm:style>
+  </dgm:styleLbl>
+  <dgm:styleLbl name="solidAlignAcc1">
+    <dgm:scene3d>
+      <a:camera prst="orthographicFront"/>
+      <a:lightRig rig="threePt" dir="t"/>
+    </dgm:scene3d>
+    <dgm:sp3d/>
+    <dgm:txPr/>
+    <dgm:style>
+      <a:lnRef idx="1">
+        <a:scrgbClr r="0" g="0" b="0"/>
+      </a:lnRef>
+      <a:fillRef idx="1">
+        <a:scrgbClr r="0" g="0" b="0"/>
+      </a:fillRef>
+      <a:effectRef idx="0">
+        <a:scrgbClr r="0" g="0" b="0"/>
+      </a:effectRef>
+      <a:fontRef idx="minor"/>
+    </dgm:style>
+  </dgm:styleLbl>
+  <dgm:styleLbl name="solidBgAcc1">
+    <dgm:scene3d>
+      <a:camera prst="orthographicFront"/>
+      <a:lightRig rig="threePt" dir="t"/>
+    </dgm:scene3d>
+    <dgm:sp3d/>
+    <dgm:txPr/>
+    <dgm:style>
+      <a:lnRef idx="1">
+        <a:scrgbClr r="0" g="0" b="0"/>
+      </a:lnRef>
+      <a:fillRef idx="1">
+        <a:scrgbClr r="0" g="0" b="0"/>
+      </a:fillRef>
+      <a:effectRef idx="0">
+        <a:scrgbClr r="0" g="0" b="0"/>
+      </a:effectRef>
+      <a:fontRef idx="minor"/>
+    </dgm:style>
+  </dgm:styleLbl>
+  <dgm:styleLbl name="fgAccFollowNode1">
+    <dgm:scene3d>
+      <a:camera prst="orthographicFront"/>
+      <a:lightRig rig="threePt" dir="t"/>
+    </dgm:scene3d>
+    <dgm:sp3d/>
+    <dgm:txPr/>
+    <dgm:style>
+      <a:lnRef idx="1">
+        <a:scrgbClr r="0" g="0" b="0"/>
+      </a:lnRef>
+      <a:fillRef idx="1">
+        <a:scrgbClr r="0" g="0" b="0"/>
+      </a:fillRef>
+      <a:effectRef idx="0">
+        <a:scrgbClr r="0" g="0" b="0"/>
+      </a:effectRef>
+      <a:fontRef idx="minor"/>
+    </dgm:style>
+  </dgm:styleLbl>
+  <dgm:styleLbl name="alignAccFollowNode1">
+    <dgm:scene3d>
+      <a:camera prst="orthographicFront"/>
+      <a:lightRig rig="threePt" dir="t"/>
+    </dgm:scene3d>
+    <dgm:sp3d/>
+    <dgm:txPr/>
+    <dgm:style>
+      <a:lnRef idx="1">
+        <a:scrgbClr r="0" g="0" b="0"/>
+      </a:lnRef>
+      <a:fillRef idx="1">
+        <a:scrgbClr r="0" g="0" b="0"/>
+      </a:fillRef>
+      <a:effectRef idx="0">
+        <a:scrgbClr r="0" g="0" b="0"/>
+      </a:effectRef>
+      <a:fontRef idx="minor"/>
+    </dgm:style>
+  </dgm:styleLbl>
+  <dgm:styleLbl name="bgAccFollowNode1">
+    <dgm:scene3d>
+      <a:camera prst="orthographicFront"/>
+      <a:lightRig rig="threePt" dir="t"/>
+    </dgm:scene3d>
+    <dgm:sp3d/>
+    <dgm:txPr/>
+    <dgm:style>
+      <a:lnRef idx="1">
+        <a:scrgbClr r="0" g="0" b="0"/>
+      </a:lnRef>
+      <a:fillRef idx="1">
+        <a:scrgbClr r="0" g="0" b="0"/>
+      </a:fillRef>
+      <a:effectRef idx="0">
+        <a:scrgbClr r="0" g="0" b="0"/>
+      </a:effectRef>
+      <a:fontRef idx="minor"/>
+    </dgm:style>
+  </dgm:styleLbl>
+  <dgm:styleLbl name="fgAcc0">
+    <dgm:scene3d>
+      <a:camera prst="orthographicFront"/>
+      <a:lightRig rig="threePt" dir="t"/>
+    </dgm:scene3d>
+    <dgm:sp3d/>
+    <dgm:txPr/>
+    <dgm:style>
+      <a:lnRef idx="1">
+        <a:scrgbClr r="0" g="0" b="0"/>
+      </a:lnRef>
+      <a:fillRef idx="1">
+        <a:scrgbClr r="0" g="0" b="0"/>
+      </a:fillRef>
+      <a:effectRef idx="0">
+        <a:scrgbClr r="0" g="0" b="0"/>
+      </a:effectRef>
+      <a:fontRef idx="minor"/>
+    </dgm:style>
+  </dgm:styleLbl>
+  <dgm:styleLbl name="fgAcc2">
+    <dgm:scene3d>
+      <a:camera prst="orthographicFront"/>
+      <a:lightRig rig="threePt" dir="t"/>
+    </dgm:scene3d>
+    <dgm:sp3d/>
+    <dgm:txPr/>
+    <dgm:style>
+      <a:lnRef idx="1">
+        <a:scrgbClr r="0" g="0" b="0"/>
+      </a:lnRef>
+      <a:fillRef idx="1">
+        <a:scrgbClr r="0" g="0" b="0"/>
+      </a:fillRef>
+      <a:effectRef idx="0">
+        <a:scrgbClr r="0" g="0" b="0"/>
+      </a:effectRef>
+      <a:fontRef idx="minor"/>
+    </dgm:style>
+  </dgm:styleLbl>
+  <dgm:styleLbl name="fgAcc3">
+    <dgm:scene3d>
+      <a:camera prst="orthographicFront"/>
+      <a:lightRig rig="threePt" dir="t"/>
+    </dgm:scene3d>
+    <dgm:sp3d/>
+    <dgm:txPr/>
+    <dgm:style>
+      <a:lnRef idx="1">
+        <a:scrgbClr r="0" g="0" b="0"/>
+      </a:lnRef>
+      <a:fillRef idx="1">
+        <a:scrgbClr r="0" g="0" b="0"/>
+      </a:fillRef>
+      <a:effectRef idx="0">
+        <a:scrgbClr r="0" g="0" b="0"/>
+      </a:effectRef>
+      <a:fontRef idx="minor"/>
+    </dgm:style>
+  </dgm:styleLbl>
+  <dgm:styleLbl name="fgAcc4">
+    <dgm:scene3d>
+      <a:camera prst="orthographicFront"/>
+      <a:lightRig rig="threePt" dir="t"/>
+    </dgm:scene3d>
+    <dgm:sp3d/>
+    <dgm:txPr/>
+    <dgm:style>
+      <a:lnRef idx="1">
+        <a:scrgbClr r="0" g="0" b="0"/>
+      </a:lnRef>
+      <a:fillRef idx="1">
+        <a:scrgbClr r="0" g="0" b="0"/>
+      </a:fillRef>
+      <a:effectRef idx="0">
+        <a:scrgbClr r="0" g="0" b="0"/>
+      </a:effectRef>
+      <a:fontRef idx="minor"/>
+    </dgm:style>
+  </dgm:styleLbl>
+  <dgm:styleLbl name="bgShp">
+    <dgm:scene3d>
+      <a:camera prst="orthographicFront"/>
+      <a:lightRig rig="threePt" dir="t"/>
+    </dgm:scene3d>
+    <dgm:sp3d/>
+    <dgm:txPr/>
+    <dgm:style>
+      <a:lnRef idx="0">
+        <a:scrgbClr r="0" g="0" b="0"/>
+      </a:lnRef>
+      <a:fillRef idx="1">
+        <a:scrgbClr r="0" g="0" b="0"/>
+      </a:fillRef>
+      <a:effectRef idx="2">
+        <a:scrgbClr r="0" g="0" b="0"/>
+      </a:effectRef>
+      <a:fontRef idx="minor"/>
+    </dgm:style>
+  </dgm:styleLbl>
+  <dgm:styleLbl name="dkBgShp">
+    <dgm:scene3d>
+      <a:camera prst="orthographicFront"/>
+      <a:lightRig rig="threePt" dir="t"/>
+    </dgm:scene3d>
+    <dgm:sp3d/>
+    <dgm:txPr/>
+    <dgm:style>
+      <a:lnRef idx="0">
+        <a:scrgbClr r="0" g="0" b="0"/>
+      </a:lnRef>
+      <a:fillRef idx="1">
+        <a:scrgbClr r="0" g="0" b="0"/>
+      </a:fillRef>
+      <a:effectRef idx="2">
+        <a:scrgbClr r="0" g="0" b="0"/>
+      </a:effectRef>
+      <a:fontRef idx="minor"/>
+    </dgm:style>
+  </dgm:styleLbl>
+  <dgm:styleLbl name="trBgShp">
+    <dgm:scene3d>
+      <a:camera prst="orthographicFront"/>
+      <a:lightRig rig="threePt" dir="t"/>
+    </dgm:scene3d>
+    <dgm:sp3d/>
+    <dgm:txPr/>
+    <dgm:style>
+      <a:lnRef idx="0">
+        <a:scrgbClr r="0" g="0" b="0"/>
+      </a:lnRef>
+      <a:fillRef idx="1">
+        <a:scrgbClr r="0" g="0" b="0"/>
+      </a:fillRef>
+      <a:effectRef idx="0">
+        <a:scrgbClr r="0" g="0" b="0"/>
+      </a:effectRef>
+      <a:fontRef idx="minor"/>
+    </dgm:style>
+  </dgm:styleLbl>
+  <dgm:styleLbl name="fgShp">
+    <dgm:scene3d>
+      <a:camera prst="orthographicFront"/>
+      <a:lightRig rig="threePt" dir="t"/>
+    </dgm:scene3d>
+    <dgm:sp3d/>
+    <dgm:txPr/>
+    <dgm:style>
+      <a:lnRef idx="0">
+        <a:scrgbClr r="0" g="0" b="0"/>
+      </a:lnRef>
+      <a:fillRef idx="3">
+        <a:scrgbClr r="0" g="0" b="0"/>
+      </a:fillRef>
+      <a:effectRef idx="2">
+        <a:scrgbClr r="0" g="0" b="0"/>
+      </a:effectRef>
+      <a:fontRef idx="minor"/>
+    </dgm:style>
+  </dgm:styleLbl>
+  <dgm:styleLbl name="revTx">
+    <dgm:scene3d>
+      <a:camera prst="orthographicFront"/>
+      <a:lightRig rig="threePt" dir="t"/>
+    </dgm:scene3d>
+    <dgm:sp3d/>
+    <dgm:txPr/>
+    <dgm:style>
+      <a:lnRef idx="0">
+        <a:scrgbClr r="0" g="0" b="0"/>
+      </a:lnRef>
+      <a:fillRef idx="0">
+        <a:scrgbClr r="0" g="0" b="0"/>
+      </a:fillRef>
+      <a:effectRef idx="0">
+        <a:scrgbClr r="0" g="0" b="0"/>
+      </a:effectRef>
+      <a:fontRef idx="minor"/>
+    </dgm:style>
+  </dgm:styleLbl>
+</dgm:styleDef>
+</file>
+
 <file path=ppt/notesMasters/notesMaster1.xml><?xml version="1.0" encoding="utf-8"?>
 <p:notesMaster xmlns:a="http://schemas.openxmlformats.org/drawingml/2006/main" xmlns:r="http://schemas.openxmlformats.org/officeDocument/2006/relationships" xmlns:p="http://schemas.openxmlformats.org/presentationml/2006/main">
   <p:cSld>
@@ -199,7 +2866,7 @@
             </a:lvl1pPr>
           </a:lstStyle>
           <a:p>
-            <a:fld id="{3C1622B7-790A-3A4C-9F2C-EB33E432ACCD}" type="datetimeFigureOut">
+            <a:fld id="{C02D8986-E5B6-C84E-8B51-964FB52C2797}" type="datetimeFigureOut">
               <a:rPr lang="en-US" smtClean="0"/>
               <a:t>1/11/22</a:t>
             </a:fld>
@@ -357,7 +3024,7 @@
             </a:lvl1pPr>
           </a:lstStyle>
           <a:p>
-            <a:fld id="{42E0F7BC-2996-FD4A-8F04-C7CBBFA54748}" type="slidenum">
+            <a:fld id="{E6DE1721-31DF-4F41-9033-4C3F2B83D8AA}" type="slidenum">
               <a:rPr lang="en-US" smtClean="0"/>
               <a:t>‹#›</a:t>
             </a:fld>
@@ -368,7 +3035,7 @@
     </p:spTree>
     <p:extLst>
       <p:ext uri="{BB962C8B-B14F-4D97-AF65-F5344CB8AC3E}">
-        <p14:creationId xmlns:p14="http://schemas.microsoft.com/office/powerpoint/2010/main" val="2975814239"/>
+        <p14:creationId xmlns:p14="http://schemas.microsoft.com/office/powerpoint/2010/main" val="2888271151"/>
       </p:ext>
     </p:extLst>
   </p:cSld>
@@ -533,7 +3200,7 @@
           <a:p>
             <a:fld id="{AA0A589D-B577-494C-AEB5-A5D4F1908003}" type="slidenum">
               <a:rPr lang="en-US" smtClean="0"/>
-              <a:t>2</a:t>
+              <a:t>1</a:t>
             </a:fld>
             <a:endParaRPr lang="en-US"/>
           </a:p>
@@ -542,7 +3209,7 @@
     </p:spTree>
     <p:extLst>
       <p:ext uri="{BB962C8B-B14F-4D97-AF65-F5344CB8AC3E}">
-        <p14:creationId xmlns:p14="http://schemas.microsoft.com/office/powerpoint/2010/main" val="3301340579"/>
+        <p14:creationId xmlns:p14="http://schemas.microsoft.com/office/powerpoint/2010/main" val="693249882"/>
       </p:ext>
     </p:extLst>
   </p:cSld>
@@ -596,6 +3263,93 @@
           <a:bodyPr/>
           <a:lstStyle/>
           <a:p>
+            <a:r>
+              <a:rPr lang="en-US" dirty="0"/>
+              <a:t>Video at 10:28</a:t>
+            </a:r>
+          </a:p>
+        </p:txBody>
+      </p:sp>
+      <p:sp>
+        <p:nvSpPr>
+          <p:cNvPr id="4" name="Slide Number Placeholder 3"/>
+          <p:cNvSpPr>
+            <a:spLocks noGrp="1"/>
+          </p:cNvSpPr>
+          <p:nvPr>
+            <p:ph type="sldNum" sz="quarter" idx="10"/>
+          </p:nvPr>
+        </p:nvSpPr>
+        <p:spPr/>
+        <p:txBody>
+          <a:bodyPr/>
+          <a:lstStyle/>
+          <a:p>
+            <a:fld id="{AA0A589D-B577-494C-AEB5-A5D4F1908003}" type="slidenum">
+              <a:rPr lang="en-US" smtClean="0"/>
+              <a:t>2</a:t>
+            </a:fld>
+            <a:endParaRPr lang="en-US"/>
+          </a:p>
+        </p:txBody>
+      </p:sp>
+    </p:spTree>
+    <p:extLst>
+      <p:ext uri="{BB962C8B-B14F-4D97-AF65-F5344CB8AC3E}">
+        <p14:creationId xmlns:p14="http://schemas.microsoft.com/office/powerpoint/2010/main" val="501343975"/>
+      </p:ext>
+    </p:extLst>
+  </p:cSld>
+  <p:clrMapOvr>
+    <a:masterClrMapping/>
+  </p:clrMapOvr>
+</p:notes>
+</file>
+
+<file path=ppt/notesSlides/notesSlide3.xml><?xml version="1.0" encoding="utf-8"?>
+<p:notes xmlns:a="http://schemas.openxmlformats.org/drawingml/2006/main" xmlns:r="http://schemas.openxmlformats.org/officeDocument/2006/relationships" xmlns:p="http://schemas.openxmlformats.org/presentationml/2006/main">
+  <p:cSld>
+    <p:spTree>
+      <p:nvGrpSpPr>
+        <p:cNvPr id="1" name=""/>
+        <p:cNvGrpSpPr/>
+        <p:nvPr/>
+      </p:nvGrpSpPr>
+      <p:grpSpPr>
+        <a:xfrm>
+          <a:off x="0" y="0"/>
+          <a:ext cx="0" cy="0"/>
+          <a:chOff x="0" y="0"/>
+          <a:chExt cx="0" cy="0"/>
+        </a:xfrm>
+      </p:grpSpPr>
+      <p:sp>
+        <p:nvSpPr>
+          <p:cNvPr id="2" name="Slide Image Placeholder 1"/>
+          <p:cNvSpPr>
+            <a:spLocks noGrp="1" noRot="1" noChangeAspect="1"/>
+          </p:cNvSpPr>
+          <p:nvPr>
+            <p:ph type="sldImg"/>
+          </p:nvPr>
+        </p:nvSpPr>
+        <p:spPr/>
+      </p:sp>
+      <p:sp>
+        <p:nvSpPr>
+          <p:cNvPr id="3" name="Notes Placeholder 2"/>
+          <p:cNvSpPr>
+            <a:spLocks noGrp="1"/>
+          </p:cNvSpPr>
+          <p:nvPr>
+            <p:ph type="body" idx="1"/>
+          </p:nvPr>
+        </p:nvSpPr>
+        <p:spPr/>
+        <p:txBody>
+          <a:bodyPr/>
+          <a:lstStyle/>
+          <a:p>
             <a:endParaRPr lang="en-US" dirty="0"/>
           </a:p>
         </p:txBody>
@@ -617,7 +3371,7 @@
           <a:p>
             <a:fld id="{AA0A589D-B577-494C-AEB5-A5D4F1908003}" type="slidenum">
               <a:rPr lang="en-US" smtClean="0"/>
-              <a:t>5</a:t>
+              <a:t>3</a:t>
             </a:fld>
             <a:endParaRPr lang="en-US"/>
           </a:p>
@@ -626,7 +3380,91 @@
     </p:spTree>
     <p:extLst>
       <p:ext uri="{BB962C8B-B14F-4D97-AF65-F5344CB8AC3E}">
-        <p14:creationId xmlns:p14="http://schemas.microsoft.com/office/powerpoint/2010/main" val="1131766828"/>
+        <p14:creationId xmlns:p14="http://schemas.microsoft.com/office/powerpoint/2010/main" val="4214937831"/>
+      </p:ext>
+    </p:extLst>
+  </p:cSld>
+  <p:clrMapOvr>
+    <a:masterClrMapping/>
+  </p:clrMapOvr>
+</p:notes>
+</file>
+
+<file path=ppt/notesSlides/notesSlide4.xml><?xml version="1.0" encoding="utf-8"?>
+<p:notes xmlns:a="http://schemas.openxmlformats.org/drawingml/2006/main" xmlns:r="http://schemas.openxmlformats.org/officeDocument/2006/relationships" xmlns:p="http://schemas.openxmlformats.org/presentationml/2006/main">
+  <p:cSld>
+    <p:spTree>
+      <p:nvGrpSpPr>
+        <p:cNvPr id="1" name=""/>
+        <p:cNvGrpSpPr/>
+        <p:nvPr/>
+      </p:nvGrpSpPr>
+      <p:grpSpPr>
+        <a:xfrm>
+          <a:off x="0" y="0"/>
+          <a:ext cx="0" cy="0"/>
+          <a:chOff x="0" y="0"/>
+          <a:chExt cx="0" cy="0"/>
+        </a:xfrm>
+      </p:grpSpPr>
+      <p:sp>
+        <p:nvSpPr>
+          <p:cNvPr id="2" name="Slide Image Placeholder 1"/>
+          <p:cNvSpPr>
+            <a:spLocks noGrp="1" noRot="1" noChangeAspect="1"/>
+          </p:cNvSpPr>
+          <p:nvPr>
+            <p:ph type="sldImg"/>
+          </p:nvPr>
+        </p:nvSpPr>
+        <p:spPr/>
+      </p:sp>
+      <p:sp>
+        <p:nvSpPr>
+          <p:cNvPr id="3" name="Notes Placeholder 2"/>
+          <p:cNvSpPr>
+            <a:spLocks noGrp="1"/>
+          </p:cNvSpPr>
+          <p:nvPr>
+            <p:ph type="body" idx="1"/>
+          </p:nvPr>
+        </p:nvSpPr>
+        <p:spPr/>
+        <p:txBody>
+          <a:bodyPr/>
+          <a:lstStyle/>
+          <a:p>
+            <a:endParaRPr lang="en-US" dirty="0"/>
+          </a:p>
+        </p:txBody>
+      </p:sp>
+      <p:sp>
+        <p:nvSpPr>
+          <p:cNvPr id="4" name="Slide Number Placeholder 3"/>
+          <p:cNvSpPr>
+            <a:spLocks noGrp="1"/>
+          </p:cNvSpPr>
+          <p:nvPr>
+            <p:ph type="sldNum" sz="quarter" idx="5"/>
+          </p:nvPr>
+        </p:nvSpPr>
+        <p:spPr/>
+        <p:txBody>
+          <a:bodyPr/>
+          <a:lstStyle/>
+          <a:p>
+            <a:fld id="{AA0A589D-B577-494C-AEB5-A5D4F1908003}" type="slidenum">
+              <a:rPr lang="en-US" smtClean="0"/>
+              <a:t>6</a:t>
+            </a:fld>
+            <a:endParaRPr lang="en-US"/>
+          </a:p>
+        </p:txBody>
+      </p:sp>
+    </p:spTree>
+    <p:extLst>
+      <p:ext uri="{BB962C8B-B14F-4D97-AF65-F5344CB8AC3E}">
+        <p14:creationId xmlns:p14="http://schemas.microsoft.com/office/powerpoint/2010/main" val="3862352005"/>
       </p:ext>
     </p:extLst>
   </p:cSld>
@@ -658,7 +3496,7 @@
           <p:cNvPr id="2" name="Title 1">
             <a:extLst>
               <a:ext uri="{FF2B5EF4-FFF2-40B4-BE49-F238E27FC236}">
-                <a16:creationId xmlns:a16="http://schemas.microsoft.com/office/drawing/2014/main" id="{39732B85-AFC9-7944-9651-7912E3BF763A}"/>
+                <a16:creationId xmlns:a16="http://schemas.microsoft.com/office/drawing/2014/main" id="{FF398D38-1431-AE4D-B983-157F09F8B470}"/>
               </a:ext>
             </a:extLst>
           </p:cNvPr>
@@ -695,7 +3533,7 @@
           <p:cNvPr id="3" name="Subtitle 2">
             <a:extLst>
               <a:ext uri="{FF2B5EF4-FFF2-40B4-BE49-F238E27FC236}">
-                <a16:creationId xmlns:a16="http://schemas.microsoft.com/office/drawing/2014/main" id="{FF9008D3-F878-A748-902C-7B59DFE37CD6}"/>
+                <a16:creationId xmlns:a16="http://schemas.microsoft.com/office/drawing/2014/main" id="{8FBD6308-1587-EC4A-8D52-BDCDBAF98301}"/>
               </a:ext>
             </a:extLst>
           </p:cNvPr>
@@ -765,7 +3603,7 @@
           <p:cNvPr id="4" name="Date Placeholder 3">
             <a:extLst>
               <a:ext uri="{FF2B5EF4-FFF2-40B4-BE49-F238E27FC236}">
-                <a16:creationId xmlns:a16="http://schemas.microsoft.com/office/drawing/2014/main" id="{5DA3BF96-6E12-E243-AB79-F6A77286356B}"/>
+                <a16:creationId xmlns:a16="http://schemas.microsoft.com/office/drawing/2014/main" id="{C056C01A-676A-F342-B753-2EBCF7BCCDFF}"/>
               </a:ext>
             </a:extLst>
           </p:cNvPr>
@@ -781,7 +3619,7 @@
           <a:bodyPr/>
           <a:lstStyle/>
           <a:p>
-            <a:fld id="{71CD3EC6-36DF-1A41-B975-C54B8BE0B25A}" type="datetimeFigureOut">
+            <a:fld id="{7A5DB002-1B53-2540-A687-7550A77331AF}" type="datetimeFigureOut">
               <a:rPr lang="en-US" smtClean="0"/>
               <a:t>1/11/22</a:t>
             </a:fld>
@@ -794,7 +3632,7 @@
           <p:cNvPr id="5" name="Footer Placeholder 4">
             <a:extLst>
               <a:ext uri="{FF2B5EF4-FFF2-40B4-BE49-F238E27FC236}">
-                <a16:creationId xmlns:a16="http://schemas.microsoft.com/office/drawing/2014/main" id="{BD7824D4-C1A7-B749-ADE3-6CA46EAFBEE6}"/>
+                <a16:creationId xmlns:a16="http://schemas.microsoft.com/office/drawing/2014/main" id="{9266AD82-DA20-B64D-AB08-0F2840F1192D}"/>
               </a:ext>
             </a:extLst>
           </p:cNvPr>
@@ -819,7 +3657,7 @@
           <p:cNvPr id="6" name="Slide Number Placeholder 5">
             <a:extLst>
               <a:ext uri="{FF2B5EF4-FFF2-40B4-BE49-F238E27FC236}">
-                <a16:creationId xmlns:a16="http://schemas.microsoft.com/office/drawing/2014/main" id="{4D4BB09D-4883-F44F-9984-28DDE184A60D}"/>
+                <a16:creationId xmlns:a16="http://schemas.microsoft.com/office/drawing/2014/main" id="{56E24AF1-D965-3C4B-AB93-E25C19B1329C}"/>
               </a:ext>
             </a:extLst>
           </p:cNvPr>
@@ -835,7 +3673,7 @@
           <a:bodyPr/>
           <a:lstStyle/>
           <a:p>
-            <a:fld id="{FCCC9029-544E-0E44-B93B-AA58A7064529}" type="slidenum">
+            <a:fld id="{CE1EA5CA-4621-F348-9A3B-C1AC8FAC5069}" type="slidenum">
               <a:rPr lang="en-US" smtClean="0"/>
               <a:t>‹#›</a:t>
             </a:fld>
@@ -846,7 +3684,7 @@
     </p:spTree>
     <p:extLst>
       <p:ext uri="{BB962C8B-B14F-4D97-AF65-F5344CB8AC3E}">
-        <p14:creationId xmlns:p14="http://schemas.microsoft.com/office/powerpoint/2010/main" val="2262663974"/>
+        <p14:creationId xmlns:p14="http://schemas.microsoft.com/office/powerpoint/2010/main" val="1971639527"/>
       </p:ext>
     </p:extLst>
   </p:cSld>
@@ -878,7 +3716,7 @@
           <p:cNvPr id="2" name="Title 1">
             <a:extLst>
               <a:ext uri="{FF2B5EF4-FFF2-40B4-BE49-F238E27FC236}">
-                <a16:creationId xmlns:a16="http://schemas.microsoft.com/office/drawing/2014/main" id="{FB82F804-AA18-EE4D-A583-03A3FB41E306}"/>
+                <a16:creationId xmlns:a16="http://schemas.microsoft.com/office/drawing/2014/main" id="{9A14A186-E65A-B745-BA49-4019580ECF8E}"/>
               </a:ext>
             </a:extLst>
           </p:cNvPr>
@@ -906,7 +3744,7 @@
           <p:cNvPr id="3" name="Vertical Text Placeholder 2">
             <a:extLst>
               <a:ext uri="{FF2B5EF4-FFF2-40B4-BE49-F238E27FC236}">
-                <a16:creationId xmlns:a16="http://schemas.microsoft.com/office/drawing/2014/main" id="{D5B221E4-0D31-D64F-A1E2-E67EE68AB570}"/>
+                <a16:creationId xmlns:a16="http://schemas.microsoft.com/office/drawing/2014/main" id="{FD0478D5-7427-174F-9E01-40A34075900C}"/>
               </a:ext>
             </a:extLst>
           </p:cNvPr>
@@ -963,7 +3801,7 @@
           <p:cNvPr id="4" name="Date Placeholder 3">
             <a:extLst>
               <a:ext uri="{FF2B5EF4-FFF2-40B4-BE49-F238E27FC236}">
-                <a16:creationId xmlns:a16="http://schemas.microsoft.com/office/drawing/2014/main" id="{C64C9D93-9B56-6946-B0AC-968B9A4778F9}"/>
+                <a16:creationId xmlns:a16="http://schemas.microsoft.com/office/drawing/2014/main" id="{D6CCC1C6-414A-B74B-B32D-AE93D3CA9CBA}"/>
               </a:ext>
             </a:extLst>
           </p:cNvPr>
@@ -979,7 +3817,7 @@
           <a:bodyPr/>
           <a:lstStyle/>
           <a:p>
-            <a:fld id="{71CD3EC6-36DF-1A41-B975-C54B8BE0B25A}" type="datetimeFigureOut">
+            <a:fld id="{7A5DB002-1B53-2540-A687-7550A77331AF}" type="datetimeFigureOut">
               <a:rPr lang="en-US" smtClean="0"/>
               <a:t>1/11/22</a:t>
             </a:fld>
@@ -992,7 +3830,7 @@
           <p:cNvPr id="5" name="Footer Placeholder 4">
             <a:extLst>
               <a:ext uri="{FF2B5EF4-FFF2-40B4-BE49-F238E27FC236}">
-                <a16:creationId xmlns:a16="http://schemas.microsoft.com/office/drawing/2014/main" id="{F0EADE13-D772-F144-BC1A-DBA2A53CED23}"/>
+                <a16:creationId xmlns:a16="http://schemas.microsoft.com/office/drawing/2014/main" id="{092D9FDB-24F9-A049-A00F-31A24EB6A8A6}"/>
               </a:ext>
             </a:extLst>
           </p:cNvPr>
@@ -1017,7 +3855,7 @@
           <p:cNvPr id="6" name="Slide Number Placeholder 5">
             <a:extLst>
               <a:ext uri="{FF2B5EF4-FFF2-40B4-BE49-F238E27FC236}">
-                <a16:creationId xmlns:a16="http://schemas.microsoft.com/office/drawing/2014/main" id="{2581B1C0-00D7-B64B-BC91-E7068141FCFD}"/>
+                <a16:creationId xmlns:a16="http://schemas.microsoft.com/office/drawing/2014/main" id="{0EA1AD7F-6B99-9B4D-9C1E-2916305949FC}"/>
               </a:ext>
             </a:extLst>
           </p:cNvPr>
@@ -1033,7 +3871,7 @@
           <a:bodyPr/>
           <a:lstStyle/>
           <a:p>
-            <a:fld id="{FCCC9029-544E-0E44-B93B-AA58A7064529}" type="slidenum">
+            <a:fld id="{CE1EA5CA-4621-F348-9A3B-C1AC8FAC5069}" type="slidenum">
               <a:rPr lang="en-US" smtClean="0"/>
               <a:t>‹#›</a:t>
             </a:fld>
@@ -1044,7 +3882,7 @@
     </p:spTree>
     <p:extLst>
       <p:ext uri="{BB962C8B-B14F-4D97-AF65-F5344CB8AC3E}">
-        <p14:creationId xmlns:p14="http://schemas.microsoft.com/office/powerpoint/2010/main" val="1604764252"/>
+        <p14:creationId xmlns:p14="http://schemas.microsoft.com/office/powerpoint/2010/main" val="1121084311"/>
       </p:ext>
     </p:extLst>
   </p:cSld>
@@ -1076,7 +3914,7 @@
           <p:cNvPr id="2" name="Vertical Title 1">
             <a:extLst>
               <a:ext uri="{FF2B5EF4-FFF2-40B4-BE49-F238E27FC236}">
-                <a16:creationId xmlns:a16="http://schemas.microsoft.com/office/drawing/2014/main" id="{7EC3FD8C-E3A7-EB41-9020-A7A6A8D89357}"/>
+                <a16:creationId xmlns:a16="http://schemas.microsoft.com/office/drawing/2014/main" id="{45629C44-9CC2-B14C-B28C-F62C531CE93A}"/>
               </a:ext>
             </a:extLst>
           </p:cNvPr>
@@ -1109,7 +3947,7 @@
           <p:cNvPr id="3" name="Vertical Text Placeholder 2">
             <a:extLst>
               <a:ext uri="{FF2B5EF4-FFF2-40B4-BE49-F238E27FC236}">
-                <a16:creationId xmlns:a16="http://schemas.microsoft.com/office/drawing/2014/main" id="{0B51ADEE-9B67-CD41-A82D-6BE0C481E42A}"/>
+                <a16:creationId xmlns:a16="http://schemas.microsoft.com/office/drawing/2014/main" id="{AFC409EF-E981-9B44-9F2F-AC4BF1C2FAA4}"/>
               </a:ext>
             </a:extLst>
           </p:cNvPr>
@@ -1171,7 +4009,7 @@
           <p:cNvPr id="4" name="Date Placeholder 3">
             <a:extLst>
               <a:ext uri="{FF2B5EF4-FFF2-40B4-BE49-F238E27FC236}">
-                <a16:creationId xmlns:a16="http://schemas.microsoft.com/office/drawing/2014/main" id="{6F07DE6C-C412-F744-8F42-E49B5E91A1B0}"/>
+                <a16:creationId xmlns:a16="http://schemas.microsoft.com/office/drawing/2014/main" id="{16CAA6D3-4CEF-F649-8BCD-097B1CBCBDD3}"/>
               </a:ext>
             </a:extLst>
           </p:cNvPr>
@@ -1187,7 +4025,7 @@
           <a:bodyPr/>
           <a:lstStyle/>
           <a:p>
-            <a:fld id="{71CD3EC6-36DF-1A41-B975-C54B8BE0B25A}" type="datetimeFigureOut">
+            <a:fld id="{7A5DB002-1B53-2540-A687-7550A77331AF}" type="datetimeFigureOut">
               <a:rPr lang="en-US" smtClean="0"/>
               <a:t>1/11/22</a:t>
             </a:fld>
@@ -1200,7 +4038,7 @@
           <p:cNvPr id="5" name="Footer Placeholder 4">
             <a:extLst>
               <a:ext uri="{FF2B5EF4-FFF2-40B4-BE49-F238E27FC236}">
-                <a16:creationId xmlns:a16="http://schemas.microsoft.com/office/drawing/2014/main" id="{F086241F-DC7F-D24F-849D-4D670377E850}"/>
+                <a16:creationId xmlns:a16="http://schemas.microsoft.com/office/drawing/2014/main" id="{3E666D68-B680-7041-9C78-5C8F7901C821}"/>
               </a:ext>
             </a:extLst>
           </p:cNvPr>
@@ -1225,7 +4063,7 @@
           <p:cNvPr id="6" name="Slide Number Placeholder 5">
             <a:extLst>
               <a:ext uri="{FF2B5EF4-FFF2-40B4-BE49-F238E27FC236}">
-                <a16:creationId xmlns:a16="http://schemas.microsoft.com/office/drawing/2014/main" id="{E794A048-F332-5740-AEE2-BD815B45A873}"/>
+                <a16:creationId xmlns:a16="http://schemas.microsoft.com/office/drawing/2014/main" id="{F4E6AA41-C100-DD4B-9752-3D3A21F6B1BE}"/>
               </a:ext>
             </a:extLst>
           </p:cNvPr>
@@ -1241,7 +4079,7 @@
           <a:bodyPr/>
           <a:lstStyle/>
           <a:p>
-            <a:fld id="{FCCC9029-544E-0E44-B93B-AA58A7064529}" type="slidenum">
+            <a:fld id="{CE1EA5CA-4621-F348-9A3B-C1AC8FAC5069}" type="slidenum">
               <a:rPr lang="en-US" smtClean="0"/>
               <a:t>‹#›</a:t>
             </a:fld>
@@ -1252,7 +4090,7 @@
     </p:spTree>
     <p:extLst>
       <p:ext uri="{BB962C8B-B14F-4D97-AF65-F5344CB8AC3E}">
-        <p14:creationId xmlns:p14="http://schemas.microsoft.com/office/powerpoint/2010/main" val="3999068600"/>
+        <p14:creationId xmlns:p14="http://schemas.microsoft.com/office/powerpoint/2010/main" val="4132174618"/>
       </p:ext>
     </p:extLst>
   </p:cSld>
@@ -1284,7 +4122,7 @@
           <p:cNvPr id="2" name="Title 1">
             <a:extLst>
               <a:ext uri="{FF2B5EF4-FFF2-40B4-BE49-F238E27FC236}">
-                <a16:creationId xmlns:a16="http://schemas.microsoft.com/office/drawing/2014/main" id="{79D17434-B49C-A246-9D07-AF51DE22F57A}"/>
+                <a16:creationId xmlns:a16="http://schemas.microsoft.com/office/drawing/2014/main" id="{AACA34EF-40D7-7341-BC32-35588C8A5C3C}"/>
               </a:ext>
             </a:extLst>
           </p:cNvPr>
@@ -1312,7 +4150,7 @@
           <p:cNvPr id="3" name="Content Placeholder 2">
             <a:extLst>
               <a:ext uri="{FF2B5EF4-FFF2-40B4-BE49-F238E27FC236}">
-                <a16:creationId xmlns:a16="http://schemas.microsoft.com/office/drawing/2014/main" id="{29095B05-EFF3-714F-B474-6E78E9EE66A5}"/>
+                <a16:creationId xmlns:a16="http://schemas.microsoft.com/office/drawing/2014/main" id="{B871AEF1-5203-F84F-8688-F73011F93792}"/>
               </a:ext>
             </a:extLst>
           </p:cNvPr>
@@ -1369,7 +4207,7 @@
           <p:cNvPr id="4" name="Date Placeholder 3">
             <a:extLst>
               <a:ext uri="{FF2B5EF4-FFF2-40B4-BE49-F238E27FC236}">
-                <a16:creationId xmlns:a16="http://schemas.microsoft.com/office/drawing/2014/main" id="{BC3E7C40-392A-804A-BF12-CD4FC32C0892}"/>
+                <a16:creationId xmlns:a16="http://schemas.microsoft.com/office/drawing/2014/main" id="{4E5BCB16-7F60-3E40-93D7-83686F92FAF2}"/>
               </a:ext>
             </a:extLst>
           </p:cNvPr>
@@ -1385,7 +4223,7 @@
           <a:bodyPr/>
           <a:lstStyle/>
           <a:p>
-            <a:fld id="{71CD3EC6-36DF-1A41-B975-C54B8BE0B25A}" type="datetimeFigureOut">
+            <a:fld id="{7A5DB002-1B53-2540-A687-7550A77331AF}" type="datetimeFigureOut">
               <a:rPr lang="en-US" smtClean="0"/>
               <a:t>1/11/22</a:t>
             </a:fld>
@@ -1398,7 +4236,7 @@
           <p:cNvPr id="5" name="Footer Placeholder 4">
             <a:extLst>
               <a:ext uri="{FF2B5EF4-FFF2-40B4-BE49-F238E27FC236}">
-                <a16:creationId xmlns:a16="http://schemas.microsoft.com/office/drawing/2014/main" id="{0DBE4972-C159-E448-B745-C53DE3E7B276}"/>
+                <a16:creationId xmlns:a16="http://schemas.microsoft.com/office/drawing/2014/main" id="{54FAC6B4-BAA3-134A-B277-A0B0A9E28882}"/>
               </a:ext>
             </a:extLst>
           </p:cNvPr>
@@ -1423,7 +4261,7 @@
           <p:cNvPr id="6" name="Slide Number Placeholder 5">
             <a:extLst>
               <a:ext uri="{FF2B5EF4-FFF2-40B4-BE49-F238E27FC236}">
-                <a16:creationId xmlns:a16="http://schemas.microsoft.com/office/drawing/2014/main" id="{31333C97-D0D4-C64A-BDAC-7D49770FD65B}"/>
+                <a16:creationId xmlns:a16="http://schemas.microsoft.com/office/drawing/2014/main" id="{17C5A227-3C6C-F646-9B4B-C003324E3AE6}"/>
               </a:ext>
             </a:extLst>
           </p:cNvPr>
@@ -1439,7 +4277,7 @@
           <a:bodyPr/>
           <a:lstStyle/>
           <a:p>
-            <a:fld id="{FCCC9029-544E-0E44-B93B-AA58A7064529}" type="slidenum">
+            <a:fld id="{CE1EA5CA-4621-F348-9A3B-C1AC8FAC5069}" type="slidenum">
               <a:rPr lang="en-US" smtClean="0"/>
               <a:t>‹#›</a:t>
             </a:fld>
@@ -1450,7 +4288,7 @@
     </p:spTree>
     <p:extLst>
       <p:ext uri="{BB962C8B-B14F-4D97-AF65-F5344CB8AC3E}">
-        <p14:creationId xmlns:p14="http://schemas.microsoft.com/office/powerpoint/2010/main" val="2475219485"/>
+        <p14:creationId xmlns:p14="http://schemas.microsoft.com/office/powerpoint/2010/main" val="1680825598"/>
       </p:ext>
     </p:extLst>
   </p:cSld>
@@ -1482,7 +4320,7 @@
           <p:cNvPr id="2" name="Title 1">
             <a:extLst>
               <a:ext uri="{FF2B5EF4-FFF2-40B4-BE49-F238E27FC236}">
-                <a16:creationId xmlns:a16="http://schemas.microsoft.com/office/drawing/2014/main" id="{D1F3CF9A-9AB7-0646-AEB1-A9FB0E4F198E}"/>
+                <a16:creationId xmlns:a16="http://schemas.microsoft.com/office/drawing/2014/main" id="{577B5EDA-6244-754C-90BE-D1F7AAD75B96}"/>
               </a:ext>
             </a:extLst>
           </p:cNvPr>
@@ -1519,7 +4357,7 @@
           <p:cNvPr id="3" name="Text Placeholder 2">
             <a:extLst>
               <a:ext uri="{FF2B5EF4-FFF2-40B4-BE49-F238E27FC236}">
-                <a16:creationId xmlns:a16="http://schemas.microsoft.com/office/drawing/2014/main" id="{B077D163-2B53-6C4C-B858-E29A250E8965}"/>
+                <a16:creationId xmlns:a16="http://schemas.microsoft.com/office/drawing/2014/main" id="{20E1BF9F-69A9-7440-998D-99553F7F3481}"/>
               </a:ext>
             </a:extLst>
           </p:cNvPr>
@@ -1644,7 +4482,7 @@
           <p:cNvPr id="4" name="Date Placeholder 3">
             <a:extLst>
               <a:ext uri="{FF2B5EF4-FFF2-40B4-BE49-F238E27FC236}">
-                <a16:creationId xmlns:a16="http://schemas.microsoft.com/office/drawing/2014/main" id="{7B7F613A-6074-C144-8D3B-BF1ABC5A0CE3}"/>
+                <a16:creationId xmlns:a16="http://schemas.microsoft.com/office/drawing/2014/main" id="{13134F8E-E098-AE44-8DE0-DBAE136E8208}"/>
               </a:ext>
             </a:extLst>
           </p:cNvPr>
@@ -1660,7 +4498,7 @@
           <a:bodyPr/>
           <a:lstStyle/>
           <a:p>
-            <a:fld id="{71CD3EC6-36DF-1A41-B975-C54B8BE0B25A}" type="datetimeFigureOut">
+            <a:fld id="{7A5DB002-1B53-2540-A687-7550A77331AF}" type="datetimeFigureOut">
               <a:rPr lang="en-US" smtClean="0"/>
               <a:t>1/11/22</a:t>
             </a:fld>
@@ -1673,7 +4511,7 @@
           <p:cNvPr id="5" name="Footer Placeholder 4">
             <a:extLst>
               <a:ext uri="{FF2B5EF4-FFF2-40B4-BE49-F238E27FC236}">
-                <a16:creationId xmlns:a16="http://schemas.microsoft.com/office/drawing/2014/main" id="{0154D973-1D84-C549-9B21-5BFC191ADFB0}"/>
+                <a16:creationId xmlns:a16="http://schemas.microsoft.com/office/drawing/2014/main" id="{66EB6260-9BE9-B141-86CB-EE4EF93881DD}"/>
               </a:ext>
             </a:extLst>
           </p:cNvPr>
@@ -1698,7 +4536,7 @@
           <p:cNvPr id="6" name="Slide Number Placeholder 5">
             <a:extLst>
               <a:ext uri="{FF2B5EF4-FFF2-40B4-BE49-F238E27FC236}">
-                <a16:creationId xmlns:a16="http://schemas.microsoft.com/office/drawing/2014/main" id="{B59C6A90-FEA3-594A-9773-A5CF0EE00BE8}"/>
+                <a16:creationId xmlns:a16="http://schemas.microsoft.com/office/drawing/2014/main" id="{13ACBB64-414C-2F41-AC6C-CF0261D7D1CA}"/>
               </a:ext>
             </a:extLst>
           </p:cNvPr>
@@ -1714,7 +4552,7 @@
           <a:bodyPr/>
           <a:lstStyle/>
           <a:p>
-            <a:fld id="{FCCC9029-544E-0E44-B93B-AA58A7064529}" type="slidenum">
+            <a:fld id="{CE1EA5CA-4621-F348-9A3B-C1AC8FAC5069}" type="slidenum">
               <a:rPr lang="en-US" smtClean="0"/>
               <a:t>‹#›</a:t>
             </a:fld>
@@ -1725,7 +4563,7 @@
     </p:spTree>
     <p:extLst>
       <p:ext uri="{BB962C8B-B14F-4D97-AF65-F5344CB8AC3E}">
-        <p14:creationId xmlns:p14="http://schemas.microsoft.com/office/powerpoint/2010/main" val="154135064"/>
+        <p14:creationId xmlns:p14="http://schemas.microsoft.com/office/powerpoint/2010/main" val="2203135269"/>
       </p:ext>
     </p:extLst>
   </p:cSld>
@@ -1757,7 +4595,7 @@
           <p:cNvPr id="2" name="Title 1">
             <a:extLst>
               <a:ext uri="{FF2B5EF4-FFF2-40B4-BE49-F238E27FC236}">
-                <a16:creationId xmlns:a16="http://schemas.microsoft.com/office/drawing/2014/main" id="{940B57BA-2197-6643-AD9A-F966D81248F8}"/>
+                <a16:creationId xmlns:a16="http://schemas.microsoft.com/office/drawing/2014/main" id="{4046F5F7-DE8F-BE45-81EA-A59C58E3A422}"/>
               </a:ext>
             </a:extLst>
           </p:cNvPr>
@@ -1785,7 +4623,7 @@
           <p:cNvPr id="3" name="Content Placeholder 2">
             <a:extLst>
               <a:ext uri="{FF2B5EF4-FFF2-40B4-BE49-F238E27FC236}">
-                <a16:creationId xmlns:a16="http://schemas.microsoft.com/office/drawing/2014/main" id="{3A550946-8DD8-5744-9E43-337EBF8996E2}"/>
+                <a16:creationId xmlns:a16="http://schemas.microsoft.com/office/drawing/2014/main" id="{41D7A766-9101-B546-A99B-4B7ECD424151}"/>
               </a:ext>
             </a:extLst>
           </p:cNvPr>
@@ -1847,7 +4685,7 @@
           <p:cNvPr id="4" name="Content Placeholder 3">
             <a:extLst>
               <a:ext uri="{FF2B5EF4-FFF2-40B4-BE49-F238E27FC236}">
-                <a16:creationId xmlns:a16="http://schemas.microsoft.com/office/drawing/2014/main" id="{72646175-6AF0-9F4E-9836-7B44E4B51691}"/>
+                <a16:creationId xmlns:a16="http://schemas.microsoft.com/office/drawing/2014/main" id="{85E55D8D-65AE-F049-897A-9BBA29FA8F23}"/>
               </a:ext>
             </a:extLst>
           </p:cNvPr>
@@ -1909,7 +4747,7 @@
           <p:cNvPr id="5" name="Date Placeholder 4">
             <a:extLst>
               <a:ext uri="{FF2B5EF4-FFF2-40B4-BE49-F238E27FC236}">
-                <a16:creationId xmlns:a16="http://schemas.microsoft.com/office/drawing/2014/main" id="{066BDF7A-9C46-5948-9487-B50A4E72B420}"/>
+                <a16:creationId xmlns:a16="http://schemas.microsoft.com/office/drawing/2014/main" id="{A1CC94B2-6C64-1544-8BF8-9655AC33ADB6}"/>
               </a:ext>
             </a:extLst>
           </p:cNvPr>
@@ -1925,7 +4763,7 @@
           <a:bodyPr/>
           <a:lstStyle/>
           <a:p>
-            <a:fld id="{71CD3EC6-36DF-1A41-B975-C54B8BE0B25A}" type="datetimeFigureOut">
+            <a:fld id="{7A5DB002-1B53-2540-A687-7550A77331AF}" type="datetimeFigureOut">
               <a:rPr lang="en-US" smtClean="0"/>
               <a:t>1/11/22</a:t>
             </a:fld>
@@ -1938,7 +4776,7 @@
           <p:cNvPr id="6" name="Footer Placeholder 5">
             <a:extLst>
               <a:ext uri="{FF2B5EF4-FFF2-40B4-BE49-F238E27FC236}">
-                <a16:creationId xmlns:a16="http://schemas.microsoft.com/office/drawing/2014/main" id="{CAD590DB-78C3-A346-85E1-6FD623F82949}"/>
+                <a16:creationId xmlns:a16="http://schemas.microsoft.com/office/drawing/2014/main" id="{2CCC992E-DE3B-D14F-828D-5FEEF6BA4A37}"/>
               </a:ext>
             </a:extLst>
           </p:cNvPr>
@@ -1963,7 +4801,7 @@
           <p:cNvPr id="7" name="Slide Number Placeholder 6">
             <a:extLst>
               <a:ext uri="{FF2B5EF4-FFF2-40B4-BE49-F238E27FC236}">
-                <a16:creationId xmlns:a16="http://schemas.microsoft.com/office/drawing/2014/main" id="{C7E684A6-75A2-F24C-991C-D8EBEA75F224}"/>
+                <a16:creationId xmlns:a16="http://schemas.microsoft.com/office/drawing/2014/main" id="{816BBA94-312E-1140-A529-A61D537C44D9}"/>
               </a:ext>
             </a:extLst>
           </p:cNvPr>
@@ -1979,7 +4817,7 @@
           <a:bodyPr/>
           <a:lstStyle/>
           <a:p>
-            <a:fld id="{FCCC9029-544E-0E44-B93B-AA58A7064529}" type="slidenum">
+            <a:fld id="{CE1EA5CA-4621-F348-9A3B-C1AC8FAC5069}" type="slidenum">
               <a:rPr lang="en-US" smtClean="0"/>
               <a:t>‹#›</a:t>
             </a:fld>
@@ -1990,7 +4828,7 @@
     </p:spTree>
     <p:extLst>
       <p:ext uri="{BB962C8B-B14F-4D97-AF65-F5344CB8AC3E}">
-        <p14:creationId xmlns:p14="http://schemas.microsoft.com/office/powerpoint/2010/main" val="891917717"/>
+        <p14:creationId xmlns:p14="http://schemas.microsoft.com/office/powerpoint/2010/main" val="3834290006"/>
       </p:ext>
     </p:extLst>
   </p:cSld>
@@ -2022,7 +4860,7 @@
           <p:cNvPr id="2" name="Title 1">
             <a:extLst>
               <a:ext uri="{FF2B5EF4-FFF2-40B4-BE49-F238E27FC236}">
-                <a16:creationId xmlns:a16="http://schemas.microsoft.com/office/drawing/2014/main" id="{8980DC9A-3BCB-AB4A-A3D3-18E53C31E0C4}"/>
+                <a16:creationId xmlns:a16="http://schemas.microsoft.com/office/drawing/2014/main" id="{04384878-7B72-0947-B3FB-55024A832CAF}"/>
               </a:ext>
             </a:extLst>
           </p:cNvPr>
@@ -2055,7 +4893,7 @@
           <p:cNvPr id="3" name="Text Placeholder 2">
             <a:extLst>
               <a:ext uri="{FF2B5EF4-FFF2-40B4-BE49-F238E27FC236}">
-                <a16:creationId xmlns:a16="http://schemas.microsoft.com/office/drawing/2014/main" id="{12074844-94C5-4A4F-A0FB-66880EA60E61}"/>
+                <a16:creationId xmlns:a16="http://schemas.microsoft.com/office/drawing/2014/main" id="{15D15FCB-72E3-0D47-A414-EDC0685B3EC7}"/>
               </a:ext>
             </a:extLst>
           </p:cNvPr>
@@ -2126,7 +4964,7 @@
           <p:cNvPr id="4" name="Content Placeholder 3">
             <a:extLst>
               <a:ext uri="{FF2B5EF4-FFF2-40B4-BE49-F238E27FC236}">
-                <a16:creationId xmlns:a16="http://schemas.microsoft.com/office/drawing/2014/main" id="{2458D5A2-82EF-1D41-91C5-F8FA107299C2}"/>
+                <a16:creationId xmlns:a16="http://schemas.microsoft.com/office/drawing/2014/main" id="{3570ED79-F402-3C4E-9F60-E2696370EF9B}"/>
               </a:ext>
             </a:extLst>
           </p:cNvPr>
@@ -2188,7 +5026,7 @@
           <p:cNvPr id="5" name="Text Placeholder 4">
             <a:extLst>
               <a:ext uri="{FF2B5EF4-FFF2-40B4-BE49-F238E27FC236}">
-                <a16:creationId xmlns:a16="http://schemas.microsoft.com/office/drawing/2014/main" id="{871CA3DF-CC3D-F248-A557-1175C0898FE5}"/>
+                <a16:creationId xmlns:a16="http://schemas.microsoft.com/office/drawing/2014/main" id="{55DB6836-F17C-B644-87EF-0BB261AD0F4E}"/>
               </a:ext>
             </a:extLst>
           </p:cNvPr>
@@ -2259,7 +5097,7 @@
           <p:cNvPr id="6" name="Content Placeholder 5">
             <a:extLst>
               <a:ext uri="{FF2B5EF4-FFF2-40B4-BE49-F238E27FC236}">
-                <a16:creationId xmlns:a16="http://schemas.microsoft.com/office/drawing/2014/main" id="{98D3EF3A-5786-FB47-ACD5-AA800A943770}"/>
+                <a16:creationId xmlns:a16="http://schemas.microsoft.com/office/drawing/2014/main" id="{159377EB-060A-234F-A653-49598B7B2CC0}"/>
               </a:ext>
             </a:extLst>
           </p:cNvPr>
@@ -2321,7 +5159,7 @@
           <p:cNvPr id="7" name="Date Placeholder 6">
             <a:extLst>
               <a:ext uri="{FF2B5EF4-FFF2-40B4-BE49-F238E27FC236}">
-                <a16:creationId xmlns:a16="http://schemas.microsoft.com/office/drawing/2014/main" id="{9AF75FEC-0600-8646-835C-22EEB467621C}"/>
+                <a16:creationId xmlns:a16="http://schemas.microsoft.com/office/drawing/2014/main" id="{EE8DEA82-4D5B-9F40-B5A0-5A3A64E05F17}"/>
               </a:ext>
             </a:extLst>
           </p:cNvPr>
@@ -2337,7 +5175,7 @@
           <a:bodyPr/>
           <a:lstStyle/>
           <a:p>
-            <a:fld id="{71CD3EC6-36DF-1A41-B975-C54B8BE0B25A}" type="datetimeFigureOut">
+            <a:fld id="{7A5DB002-1B53-2540-A687-7550A77331AF}" type="datetimeFigureOut">
               <a:rPr lang="en-US" smtClean="0"/>
               <a:t>1/11/22</a:t>
             </a:fld>
@@ -2350,7 +5188,7 @@
           <p:cNvPr id="8" name="Footer Placeholder 7">
             <a:extLst>
               <a:ext uri="{FF2B5EF4-FFF2-40B4-BE49-F238E27FC236}">
-                <a16:creationId xmlns:a16="http://schemas.microsoft.com/office/drawing/2014/main" id="{02939E39-F130-644A-AA09-781F1E2B5C33}"/>
+                <a16:creationId xmlns:a16="http://schemas.microsoft.com/office/drawing/2014/main" id="{2305E293-23F7-BA44-B7C4-0E1A477EDF23}"/>
               </a:ext>
             </a:extLst>
           </p:cNvPr>
@@ -2375,7 +5213,7 @@
           <p:cNvPr id="9" name="Slide Number Placeholder 8">
             <a:extLst>
               <a:ext uri="{FF2B5EF4-FFF2-40B4-BE49-F238E27FC236}">
-                <a16:creationId xmlns:a16="http://schemas.microsoft.com/office/drawing/2014/main" id="{697F3CED-BA47-8C4F-B053-B7DA4C85E7CC}"/>
+                <a16:creationId xmlns:a16="http://schemas.microsoft.com/office/drawing/2014/main" id="{B3742BCF-96D7-2340-AE33-92F382B331B7}"/>
               </a:ext>
             </a:extLst>
           </p:cNvPr>
@@ -2391,7 +5229,7 @@
           <a:bodyPr/>
           <a:lstStyle/>
           <a:p>
-            <a:fld id="{FCCC9029-544E-0E44-B93B-AA58A7064529}" type="slidenum">
+            <a:fld id="{CE1EA5CA-4621-F348-9A3B-C1AC8FAC5069}" type="slidenum">
               <a:rPr lang="en-US" smtClean="0"/>
               <a:t>‹#›</a:t>
             </a:fld>
@@ -2402,7 +5240,7 @@
     </p:spTree>
     <p:extLst>
       <p:ext uri="{BB962C8B-B14F-4D97-AF65-F5344CB8AC3E}">
-        <p14:creationId xmlns:p14="http://schemas.microsoft.com/office/powerpoint/2010/main" val="671049058"/>
+        <p14:creationId xmlns:p14="http://schemas.microsoft.com/office/powerpoint/2010/main" val="3351397727"/>
       </p:ext>
     </p:extLst>
   </p:cSld>
@@ -2434,7 +5272,7 @@
           <p:cNvPr id="2" name="Title 1">
             <a:extLst>
               <a:ext uri="{FF2B5EF4-FFF2-40B4-BE49-F238E27FC236}">
-                <a16:creationId xmlns:a16="http://schemas.microsoft.com/office/drawing/2014/main" id="{0EF92F01-9558-6541-B599-17D9537EC015}"/>
+                <a16:creationId xmlns:a16="http://schemas.microsoft.com/office/drawing/2014/main" id="{485DDF66-3DDD-3746-87D4-6278A7E9B619}"/>
               </a:ext>
             </a:extLst>
           </p:cNvPr>
@@ -2462,7 +5300,7 @@
           <p:cNvPr id="3" name="Date Placeholder 2">
             <a:extLst>
               <a:ext uri="{FF2B5EF4-FFF2-40B4-BE49-F238E27FC236}">
-                <a16:creationId xmlns:a16="http://schemas.microsoft.com/office/drawing/2014/main" id="{791B421C-75A0-B347-9BF0-35D12CEAB461}"/>
+                <a16:creationId xmlns:a16="http://schemas.microsoft.com/office/drawing/2014/main" id="{A0B320BC-36FA-F040-8CF2-3306D2FC7E29}"/>
               </a:ext>
             </a:extLst>
           </p:cNvPr>
@@ -2478,7 +5316,7 @@
           <a:bodyPr/>
           <a:lstStyle/>
           <a:p>
-            <a:fld id="{71CD3EC6-36DF-1A41-B975-C54B8BE0B25A}" type="datetimeFigureOut">
+            <a:fld id="{7A5DB002-1B53-2540-A687-7550A77331AF}" type="datetimeFigureOut">
               <a:rPr lang="en-US" smtClean="0"/>
               <a:t>1/11/22</a:t>
             </a:fld>
@@ -2491,7 +5329,7 @@
           <p:cNvPr id="4" name="Footer Placeholder 3">
             <a:extLst>
               <a:ext uri="{FF2B5EF4-FFF2-40B4-BE49-F238E27FC236}">
-                <a16:creationId xmlns:a16="http://schemas.microsoft.com/office/drawing/2014/main" id="{BF039DF2-29B1-544D-BD19-DB8B0C4BD8EE}"/>
+                <a16:creationId xmlns:a16="http://schemas.microsoft.com/office/drawing/2014/main" id="{5D978CB6-F4D6-6E46-B9BE-0757D7160600}"/>
               </a:ext>
             </a:extLst>
           </p:cNvPr>
@@ -2516,7 +5354,7 @@
           <p:cNvPr id="5" name="Slide Number Placeholder 4">
             <a:extLst>
               <a:ext uri="{FF2B5EF4-FFF2-40B4-BE49-F238E27FC236}">
-                <a16:creationId xmlns:a16="http://schemas.microsoft.com/office/drawing/2014/main" id="{FDD1858B-140D-5347-9C3E-A05FC9198F99}"/>
+                <a16:creationId xmlns:a16="http://schemas.microsoft.com/office/drawing/2014/main" id="{0064F264-3FED-854D-A54B-0F824A0A87E9}"/>
               </a:ext>
             </a:extLst>
           </p:cNvPr>
@@ -2532,7 +5370,7 @@
           <a:bodyPr/>
           <a:lstStyle/>
           <a:p>
-            <a:fld id="{FCCC9029-544E-0E44-B93B-AA58A7064529}" type="slidenum">
+            <a:fld id="{CE1EA5CA-4621-F348-9A3B-C1AC8FAC5069}" type="slidenum">
               <a:rPr lang="en-US" smtClean="0"/>
               <a:t>‹#›</a:t>
             </a:fld>
@@ -2543,7 +5381,7 @@
     </p:spTree>
     <p:extLst>
       <p:ext uri="{BB962C8B-B14F-4D97-AF65-F5344CB8AC3E}">
-        <p14:creationId xmlns:p14="http://schemas.microsoft.com/office/powerpoint/2010/main" val="4269914091"/>
+        <p14:creationId xmlns:p14="http://schemas.microsoft.com/office/powerpoint/2010/main" val="3838413877"/>
       </p:ext>
     </p:extLst>
   </p:cSld>
@@ -2575,7 +5413,7 @@
           <p:cNvPr id="2" name="Date Placeholder 1">
             <a:extLst>
               <a:ext uri="{FF2B5EF4-FFF2-40B4-BE49-F238E27FC236}">
-                <a16:creationId xmlns:a16="http://schemas.microsoft.com/office/drawing/2014/main" id="{93E95895-AC1E-5F41-89C7-375524435B4E}"/>
+                <a16:creationId xmlns:a16="http://schemas.microsoft.com/office/drawing/2014/main" id="{46059062-FF37-A546-B370-D30EEF7C9486}"/>
               </a:ext>
             </a:extLst>
           </p:cNvPr>
@@ -2591,7 +5429,7 @@
           <a:bodyPr/>
           <a:lstStyle/>
           <a:p>
-            <a:fld id="{71CD3EC6-36DF-1A41-B975-C54B8BE0B25A}" type="datetimeFigureOut">
+            <a:fld id="{7A5DB002-1B53-2540-A687-7550A77331AF}" type="datetimeFigureOut">
               <a:rPr lang="en-US" smtClean="0"/>
               <a:t>1/11/22</a:t>
             </a:fld>
@@ -2604,7 +5442,7 @@
           <p:cNvPr id="3" name="Footer Placeholder 2">
             <a:extLst>
               <a:ext uri="{FF2B5EF4-FFF2-40B4-BE49-F238E27FC236}">
-                <a16:creationId xmlns:a16="http://schemas.microsoft.com/office/drawing/2014/main" id="{7E3175BE-D741-174D-A76E-0D07F81040B7}"/>
+                <a16:creationId xmlns:a16="http://schemas.microsoft.com/office/drawing/2014/main" id="{EDBDFDA3-949F-2347-AF0F-F1AACD7E71FE}"/>
               </a:ext>
             </a:extLst>
           </p:cNvPr>
@@ -2629,7 +5467,7 @@
           <p:cNvPr id="4" name="Slide Number Placeholder 3">
             <a:extLst>
               <a:ext uri="{FF2B5EF4-FFF2-40B4-BE49-F238E27FC236}">
-                <a16:creationId xmlns:a16="http://schemas.microsoft.com/office/drawing/2014/main" id="{B4CB4F2B-C5A2-F94B-B4AE-E77F05DB69EF}"/>
+                <a16:creationId xmlns:a16="http://schemas.microsoft.com/office/drawing/2014/main" id="{CF653582-3FDF-DC4E-972F-68381313F35B}"/>
               </a:ext>
             </a:extLst>
           </p:cNvPr>
@@ -2645,7 +5483,7 @@
           <a:bodyPr/>
           <a:lstStyle/>
           <a:p>
-            <a:fld id="{FCCC9029-544E-0E44-B93B-AA58A7064529}" type="slidenum">
+            <a:fld id="{CE1EA5CA-4621-F348-9A3B-C1AC8FAC5069}" type="slidenum">
               <a:rPr lang="en-US" smtClean="0"/>
               <a:t>‹#›</a:t>
             </a:fld>
@@ -2656,7 +5494,7 @@
     </p:spTree>
     <p:extLst>
       <p:ext uri="{BB962C8B-B14F-4D97-AF65-F5344CB8AC3E}">
-        <p14:creationId xmlns:p14="http://schemas.microsoft.com/office/powerpoint/2010/main" val="4235266473"/>
+        <p14:creationId xmlns:p14="http://schemas.microsoft.com/office/powerpoint/2010/main" val="817637824"/>
       </p:ext>
     </p:extLst>
   </p:cSld>
@@ -2688,7 +5526,7 @@
           <p:cNvPr id="2" name="Title 1">
             <a:extLst>
               <a:ext uri="{FF2B5EF4-FFF2-40B4-BE49-F238E27FC236}">
-                <a16:creationId xmlns:a16="http://schemas.microsoft.com/office/drawing/2014/main" id="{0730634C-3149-E047-8794-33481D36C899}"/>
+                <a16:creationId xmlns:a16="http://schemas.microsoft.com/office/drawing/2014/main" id="{A3639E83-D087-DA44-9E9F-7218706E55A1}"/>
               </a:ext>
             </a:extLst>
           </p:cNvPr>
@@ -2725,7 +5563,7 @@
           <p:cNvPr id="3" name="Content Placeholder 2">
             <a:extLst>
               <a:ext uri="{FF2B5EF4-FFF2-40B4-BE49-F238E27FC236}">
-                <a16:creationId xmlns:a16="http://schemas.microsoft.com/office/drawing/2014/main" id="{3156E947-ECBE-AE4F-BC5E-7718CD9A912C}"/>
+                <a16:creationId xmlns:a16="http://schemas.microsoft.com/office/drawing/2014/main" id="{C69607B0-9D58-9B49-B252-E46D8217D32D}"/>
               </a:ext>
             </a:extLst>
           </p:cNvPr>
@@ -2815,7 +5653,7 @@
           <p:cNvPr id="4" name="Text Placeholder 3">
             <a:extLst>
               <a:ext uri="{FF2B5EF4-FFF2-40B4-BE49-F238E27FC236}">
-                <a16:creationId xmlns:a16="http://schemas.microsoft.com/office/drawing/2014/main" id="{A8ACDC05-AB56-7641-89F4-A88DD2E097ED}"/>
+                <a16:creationId xmlns:a16="http://schemas.microsoft.com/office/drawing/2014/main" id="{5B9D1A01-ADB3-C14C-834A-C8A9153AB447}"/>
               </a:ext>
             </a:extLst>
           </p:cNvPr>
@@ -2886,7 +5724,7 @@
           <p:cNvPr id="5" name="Date Placeholder 4">
             <a:extLst>
               <a:ext uri="{FF2B5EF4-FFF2-40B4-BE49-F238E27FC236}">
-                <a16:creationId xmlns:a16="http://schemas.microsoft.com/office/drawing/2014/main" id="{C3686A94-8DFB-2445-98C4-8D642B36170E}"/>
+                <a16:creationId xmlns:a16="http://schemas.microsoft.com/office/drawing/2014/main" id="{EDC2F32D-B9A3-7247-BFA4-B61F6E4453EA}"/>
               </a:ext>
             </a:extLst>
           </p:cNvPr>
@@ -2902,7 +5740,7 @@
           <a:bodyPr/>
           <a:lstStyle/>
           <a:p>
-            <a:fld id="{71CD3EC6-36DF-1A41-B975-C54B8BE0B25A}" type="datetimeFigureOut">
+            <a:fld id="{7A5DB002-1B53-2540-A687-7550A77331AF}" type="datetimeFigureOut">
               <a:rPr lang="en-US" smtClean="0"/>
               <a:t>1/11/22</a:t>
             </a:fld>
@@ -2915,7 +5753,7 @@
           <p:cNvPr id="6" name="Footer Placeholder 5">
             <a:extLst>
               <a:ext uri="{FF2B5EF4-FFF2-40B4-BE49-F238E27FC236}">
-                <a16:creationId xmlns:a16="http://schemas.microsoft.com/office/drawing/2014/main" id="{63981AA3-E5B5-8946-8041-99A7D8FBBED8}"/>
+                <a16:creationId xmlns:a16="http://schemas.microsoft.com/office/drawing/2014/main" id="{F7885456-6BBC-4049-A4BC-0D8808BD2471}"/>
               </a:ext>
             </a:extLst>
           </p:cNvPr>
@@ -2940,7 +5778,7 @@
           <p:cNvPr id="7" name="Slide Number Placeholder 6">
             <a:extLst>
               <a:ext uri="{FF2B5EF4-FFF2-40B4-BE49-F238E27FC236}">
-                <a16:creationId xmlns:a16="http://schemas.microsoft.com/office/drawing/2014/main" id="{176EF5D5-130A-2449-906F-623F1C5FE884}"/>
+                <a16:creationId xmlns:a16="http://schemas.microsoft.com/office/drawing/2014/main" id="{791DAC8E-16D5-114C-A539-63A5EEBE1D10}"/>
               </a:ext>
             </a:extLst>
           </p:cNvPr>
@@ -2956,7 +5794,7 @@
           <a:bodyPr/>
           <a:lstStyle/>
           <a:p>
-            <a:fld id="{FCCC9029-544E-0E44-B93B-AA58A7064529}" type="slidenum">
+            <a:fld id="{CE1EA5CA-4621-F348-9A3B-C1AC8FAC5069}" type="slidenum">
               <a:rPr lang="en-US" smtClean="0"/>
               <a:t>‹#›</a:t>
             </a:fld>
@@ -2967,7 +5805,7 @@
     </p:spTree>
     <p:extLst>
       <p:ext uri="{BB962C8B-B14F-4D97-AF65-F5344CB8AC3E}">
-        <p14:creationId xmlns:p14="http://schemas.microsoft.com/office/powerpoint/2010/main" val="1572858252"/>
+        <p14:creationId xmlns:p14="http://schemas.microsoft.com/office/powerpoint/2010/main" val="3411915696"/>
       </p:ext>
     </p:extLst>
   </p:cSld>
@@ -2999,7 +5837,7 @@
           <p:cNvPr id="2" name="Title 1">
             <a:extLst>
               <a:ext uri="{FF2B5EF4-FFF2-40B4-BE49-F238E27FC236}">
-                <a16:creationId xmlns:a16="http://schemas.microsoft.com/office/drawing/2014/main" id="{14A61E1B-5822-D140-86F6-7E76C6F04FA8}"/>
+                <a16:creationId xmlns:a16="http://schemas.microsoft.com/office/drawing/2014/main" id="{AD989E51-4368-AC48-9845-1D30960770C9}"/>
               </a:ext>
             </a:extLst>
           </p:cNvPr>
@@ -3036,7 +5874,7 @@
           <p:cNvPr id="3" name="Picture Placeholder 2">
             <a:extLst>
               <a:ext uri="{FF2B5EF4-FFF2-40B4-BE49-F238E27FC236}">
-                <a16:creationId xmlns:a16="http://schemas.microsoft.com/office/drawing/2014/main" id="{18E08E04-CD2D-2045-BE0A-3A886BC69245}"/>
+                <a16:creationId xmlns:a16="http://schemas.microsoft.com/office/drawing/2014/main" id="{B3A82936-1EF0-6B48-A997-715118D3CF13}"/>
               </a:ext>
             </a:extLst>
           </p:cNvPr>
@@ -3103,7 +5941,7 @@
           <p:cNvPr id="4" name="Text Placeholder 3">
             <a:extLst>
               <a:ext uri="{FF2B5EF4-FFF2-40B4-BE49-F238E27FC236}">
-                <a16:creationId xmlns:a16="http://schemas.microsoft.com/office/drawing/2014/main" id="{FF881031-09C0-974B-B786-C0EBCD257D23}"/>
+                <a16:creationId xmlns:a16="http://schemas.microsoft.com/office/drawing/2014/main" id="{CE65F1D5-069F-8F4A-B83F-063188D8B977}"/>
               </a:ext>
             </a:extLst>
           </p:cNvPr>
@@ -3174,7 +6012,7 @@
           <p:cNvPr id="5" name="Date Placeholder 4">
             <a:extLst>
               <a:ext uri="{FF2B5EF4-FFF2-40B4-BE49-F238E27FC236}">
-                <a16:creationId xmlns:a16="http://schemas.microsoft.com/office/drawing/2014/main" id="{0126A952-6F23-6043-B6A3-D74F60B0574C}"/>
+                <a16:creationId xmlns:a16="http://schemas.microsoft.com/office/drawing/2014/main" id="{46762ACC-F240-7746-A5FD-2C3DA23B8F0F}"/>
               </a:ext>
             </a:extLst>
           </p:cNvPr>
@@ -3190,7 +6028,7 @@
           <a:bodyPr/>
           <a:lstStyle/>
           <a:p>
-            <a:fld id="{71CD3EC6-36DF-1A41-B975-C54B8BE0B25A}" type="datetimeFigureOut">
+            <a:fld id="{7A5DB002-1B53-2540-A687-7550A77331AF}" type="datetimeFigureOut">
               <a:rPr lang="en-US" smtClean="0"/>
               <a:t>1/11/22</a:t>
             </a:fld>
@@ -3203,7 +6041,7 @@
           <p:cNvPr id="6" name="Footer Placeholder 5">
             <a:extLst>
               <a:ext uri="{FF2B5EF4-FFF2-40B4-BE49-F238E27FC236}">
-                <a16:creationId xmlns:a16="http://schemas.microsoft.com/office/drawing/2014/main" id="{C6D95507-8EF2-7640-8953-B5799D15CD54}"/>
+                <a16:creationId xmlns:a16="http://schemas.microsoft.com/office/drawing/2014/main" id="{54ADF70F-8824-A545-813B-315484987D49}"/>
               </a:ext>
             </a:extLst>
           </p:cNvPr>
@@ -3228,7 +6066,7 @@
           <p:cNvPr id="7" name="Slide Number Placeholder 6">
             <a:extLst>
               <a:ext uri="{FF2B5EF4-FFF2-40B4-BE49-F238E27FC236}">
-                <a16:creationId xmlns:a16="http://schemas.microsoft.com/office/drawing/2014/main" id="{8DA5C042-FC67-7840-9F97-3779BB618021}"/>
+                <a16:creationId xmlns:a16="http://schemas.microsoft.com/office/drawing/2014/main" id="{87B253FB-B09E-F64C-8E41-A46459A37ED3}"/>
               </a:ext>
             </a:extLst>
           </p:cNvPr>
@@ -3244,7 +6082,7 @@
           <a:bodyPr/>
           <a:lstStyle/>
           <a:p>
-            <a:fld id="{FCCC9029-544E-0E44-B93B-AA58A7064529}" type="slidenum">
+            <a:fld id="{CE1EA5CA-4621-F348-9A3B-C1AC8FAC5069}" type="slidenum">
               <a:rPr lang="en-US" smtClean="0"/>
               <a:t>‹#›</a:t>
             </a:fld>
@@ -3255,7 +6093,7 @@
     </p:spTree>
     <p:extLst>
       <p:ext uri="{BB962C8B-B14F-4D97-AF65-F5344CB8AC3E}">
-        <p14:creationId xmlns:p14="http://schemas.microsoft.com/office/powerpoint/2010/main" val="4205246994"/>
+        <p14:creationId xmlns:p14="http://schemas.microsoft.com/office/powerpoint/2010/main" val="424941921"/>
       </p:ext>
     </p:extLst>
   </p:cSld>
@@ -3322,7 +6160,7 @@
           <p:cNvPr id="2" name="Title Placeholder 1">
             <a:extLst>
               <a:ext uri="{FF2B5EF4-FFF2-40B4-BE49-F238E27FC236}">
-                <a16:creationId xmlns:a16="http://schemas.microsoft.com/office/drawing/2014/main" id="{3200875F-F2CD-6345-8D4B-52A21D89A8E1}"/>
+                <a16:creationId xmlns:a16="http://schemas.microsoft.com/office/drawing/2014/main" id="{A4AEAE4B-04FF-FC4E-835E-7ABD7B938D4A}"/>
               </a:ext>
             </a:extLst>
           </p:cNvPr>
@@ -3360,7 +6198,7 @@
           <p:cNvPr id="3" name="Text Placeholder 2">
             <a:extLst>
               <a:ext uri="{FF2B5EF4-FFF2-40B4-BE49-F238E27FC236}">
-                <a16:creationId xmlns:a16="http://schemas.microsoft.com/office/drawing/2014/main" id="{EC885CC7-F671-FC4F-92DE-0DA927AF09EF}"/>
+                <a16:creationId xmlns:a16="http://schemas.microsoft.com/office/drawing/2014/main" id="{095B3DCF-A210-9F41-8A2A-9AD8552D9C5F}"/>
               </a:ext>
             </a:extLst>
           </p:cNvPr>
@@ -3427,7 +6265,7 @@
           <p:cNvPr id="4" name="Date Placeholder 3">
             <a:extLst>
               <a:ext uri="{FF2B5EF4-FFF2-40B4-BE49-F238E27FC236}">
-                <a16:creationId xmlns:a16="http://schemas.microsoft.com/office/drawing/2014/main" id="{2649CE03-B72D-364E-8493-730CFEC60846}"/>
+                <a16:creationId xmlns:a16="http://schemas.microsoft.com/office/drawing/2014/main" id="{F0407E14-21F8-9A42-BFF9-34EBA7542F7B}"/>
               </a:ext>
             </a:extLst>
           </p:cNvPr>
@@ -3461,7 +6299,7 @@
             </a:lvl1pPr>
           </a:lstStyle>
           <a:p>
-            <a:fld id="{71CD3EC6-36DF-1A41-B975-C54B8BE0B25A}" type="datetimeFigureOut">
+            <a:fld id="{7A5DB002-1B53-2540-A687-7550A77331AF}" type="datetimeFigureOut">
               <a:rPr lang="en-US" smtClean="0"/>
               <a:t>1/11/22</a:t>
             </a:fld>
@@ -3474,7 +6312,7 @@
           <p:cNvPr id="5" name="Footer Placeholder 4">
             <a:extLst>
               <a:ext uri="{FF2B5EF4-FFF2-40B4-BE49-F238E27FC236}">
-                <a16:creationId xmlns:a16="http://schemas.microsoft.com/office/drawing/2014/main" id="{935E5B32-3607-024F-B17D-09D400D246B7}"/>
+                <a16:creationId xmlns:a16="http://schemas.microsoft.com/office/drawing/2014/main" id="{5CFA44FC-76BA-1D42-AFB8-1AD36A83C293}"/>
               </a:ext>
             </a:extLst>
           </p:cNvPr>
@@ -3517,7 +6355,7 @@
           <p:cNvPr id="6" name="Slide Number Placeholder 5">
             <a:extLst>
               <a:ext uri="{FF2B5EF4-FFF2-40B4-BE49-F238E27FC236}">
-                <a16:creationId xmlns:a16="http://schemas.microsoft.com/office/drawing/2014/main" id="{1E62FAF0-DC85-B647-A8DD-7237D4755EA9}"/>
+                <a16:creationId xmlns:a16="http://schemas.microsoft.com/office/drawing/2014/main" id="{61D16FF1-D343-B540-B001-88C0D02996B3}"/>
               </a:ext>
             </a:extLst>
           </p:cNvPr>
@@ -3551,7 +6389,7 @@
             </a:lvl1pPr>
           </a:lstStyle>
           <a:p>
-            <a:fld id="{FCCC9029-544E-0E44-B93B-AA58A7064529}" type="slidenum">
+            <a:fld id="{CE1EA5CA-4621-F348-9A3B-C1AC8FAC5069}" type="slidenum">
               <a:rPr lang="en-US" smtClean="0"/>
               <a:t>‹#›</a:t>
             </a:fld>
@@ -3562,7 +6400,7 @@
     </p:spTree>
     <p:extLst>
       <p:ext uri="{BB962C8B-B14F-4D97-AF65-F5344CB8AC3E}">
-        <p14:creationId xmlns:p14="http://schemas.microsoft.com/office/powerpoint/2010/main" val="3583037217"/>
+        <p14:creationId xmlns:p14="http://schemas.microsoft.com/office/powerpoint/2010/main" val="215986382"/>
       </p:ext>
     </p:extLst>
   </p:cSld>
@@ -3901,8 +6739,24 @@
                   <a:srgbClr val="FF0000"/>
                 </a:solidFill>
               </a:rPr>
-              <a:t>Activity #21:  Review Lesson Plan for Session #3</a:t>
-            </a:r>
+              <a:t>Activity 19:  Session 2 Lesson planning</a:t>
+            </a:r>
+            <a:br>
+              <a:rPr lang="en-US">
+                <a:solidFill>
+                  <a:srgbClr val="FF0000"/>
+                </a:solidFill>
+              </a:rPr>
+            </a:br>
+            <a:r>
+              <a:rPr lang="en-US" sz="2000"/>
+              <a:t>Individual activity</a:t>
+            </a:r>
+            <a:endParaRPr lang="en-US" b="1">
+              <a:solidFill>
+                <a:srgbClr val="FF0000"/>
+              </a:solidFill>
+            </a:endParaRPr>
           </a:p>
         </p:txBody>
       </p:sp>
@@ -3922,16 +6776,613 @@
           <a:lstStyle/>
           <a:p>
             <a:r>
-              <a:rPr lang="en-US"/>
-              <a:t>Any questions?</a:t>
-            </a:r>
+              <a:rPr lang="en-US" sz="2400" dirty="0"/>
+              <a:t>Read the lesson plan and answer questions.  Then read the parent plan and answer questions</a:t>
+            </a:r>
+          </a:p>
+          <a:p>
+            <a:pPr lvl="1"/>
+            <a:r>
+              <a:rPr lang="en-US" dirty="0"/>
+              <a:t>What will the clinician be targeting in this next session?  </a:t>
+            </a:r>
+          </a:p>
+          <a:p>
+            <a:pPr lvl="1"/>
+            <a:r>
+              <a:rPr lang="en-US" dirty="0"/>
+              <a:t>What is the plan for stepping up/ stepping down?</a:t>
+            </a:r>
+          </a:p>
+          <a:p>
+            <a:pPr lvl="1"/>
+            <a:r>
+              <a:rPr lang="en-US" dirty="0"/>
+              <a:t>How does home program differ from last week’s plan?</a:t>
+            </a:r>
+          </a:p>
+          <a:p>
+            <a:endParaRPr lang="en-US" sz="2400" dirty="0"/>
+          </a:p>
+          <a:p>
+            <a:endParaRPr lang="en-US" dirty="0"/>
           </a:p>
         </p:txBody>
       </p:sp>
     </p:spTree>
     <p:extLst>
       <p:ext uri="{BB962C8B-B14F-4D97-AF65-F5344CB8AC3E}">
-        <p14:creationId xmlns:p14="http://schemas.microsoft.com/office/powerpoint/2010/main" val="336724971"/>
+        <p14:creationId xmlns:p14="http://schemas.microsoft.com/office/powerpoint/2010/main" val="1759498973"/>
+      </p:ext>
+    </p:extLst>
+  </p:cSld>
+  <p:clrMapOvr>
+    <a:masterClrMapping/>
+  </p:clrMapOvr>
+</p:sld>
+</file>
+
+<file path=ppt/slides/slide10.xml><?xml version="1.0" encoding="utf-8"?>
+<p:sld xmlns:a="http://schemas.openxmlformats.org/drawingml/2006/main" xmlns:r="http://schemas.openxmlformats.org/officeDocument/2006/relationships" xmlns:p="http://schemas.openxmlformats.org/presentationml/2006/main">
+  <p:cSld>
+    <p:spTree>
+      <p:nvGrpSpPr>
+        <p:cNvPr id="1" name=""/>
+        <p:cNvGrpSpPr/>
+        <p:nvPr/>
+      </p:nvGrpSpPr>
+      <p:grpSpPr>
+        <a:xfrm>
+          <a:off x="0" y="0"/>
+          <a:ext cx="0" cy="0"/>
+          <a:chOff x="0" y="0"/>
+          <a:chExt cx="0" cy="0"/>
+        </a:xfrm>
+      </p:grpSpPr>
+      <p:sp>
+        <p:nvSpPr>
+          <p:cNvPr id="2" name="Title 1"/>
+          <p:cNvSpPr>
+            <a:spLocks noGrp="1"/>
+          </p:cNvSpPr>
+          <p:nvPr>
+            <p:ph type="title"/>
+          </p:nvPr>
+        </p:nvSpPr>
+        <p:spPr>
+          <a:xfrm>
+            <a:off x="2152650" y="666341"/>
+            <a:ext cx="7886700" cy="1325563"/>
+          </a:xfrm>
+        </p:spPr>
+        <p:txBody>
+          <a:bodyPr/>
+          <a:lstStyle/>
+          <a:p>
+            <a:r>
+              <a:rPr lang="en-US" dirty="0">
+                <a:solidFill>
+                  <a:srgbClr val="7030A0"/>
+                </a:solidFill>
+              </a:rPr>
+              <a:t>Qualitative Data</a:t>
+            </a:r>
+          </a:p>
+        </p:txBody>
+      </p:sp>
+      <p:sp>
+        <p:nvSpPr>
+          <p:cNvPr id="3" name="Content Placeholder 2"/>
+          <p:cNvSpPr>
+            <a:spLocks noGrp="1"/>
+          </p:cNvSpPr>
+          <p:nvPr>
+            <p:ph idx="1"/>
+          </p:nvPr>
+        </p:nvSpPr>
+        <p:spPr>
+          <a:xfrm>
+            <a:off x="1892300" y="1991903"/>
+            <a:ext cx="8407400" cy="4093434"/>
+          </a:xfrm>
+        </p:spPr>
+        <p:txBody>
+          <a:bodyPr>
+            <a:normAutofit/>
+          </a:bodyPr>
+          <a:lstStyle/>
+          <a:p>
+            <a:pPr marL="0" indent="0">
+              <a:buNone/>
+            </a:pPr>
+            <a:r>
+              <a:rPr lang="en-US" sz="2400" i="1" dirty="0">
+                <a:latin typeface="Arial" panose="020B0604020202020204" pitchFamily="34" charset="0"/>
+                <a:cs typeface="Arial" panose="020B0604020202020204" pitchFamily="34" charset="0"/>
+              </a:rPr>
+              <a:t>By its very nature, human communication is an intricate human trait that is difficult to describe in any comprehensive manner, and this task is even more difficult if language or communication are stripped of their contexts (</a:t>
+            </a:r>
+            <a:r>
+              <a:rPr lang="en-US" sz="2400" i="1" dirty="0">
+                <a:latin typeface="Arial" panose="020B0604020202020204" pitchFamily="34" charset="0"/>
+                <a:cs typeface="Arial" panose="020B0604020202020204" pitchFamily="34" charset="0"/>
+                <a:hlinkClick r:id="rId2">
+                  <a:extLst>
+                    <a:ext uri="{A12FA001-AC4F-418D-AE19-62706E023703}">
+                      <ahyp:hlinkClr xmlns:ahyp="http://schemas.microsoft.com/office/drawing/2018/hyperlinkcolor" val="tx"/>
+                    </a:ext>
+                  </a:extLst>
+                </a:hlinkClick>
+              </a:rPr>
+              <a:t>Kovarsky &amp; Maxwell, 1997</a:t>
+            </a:r>
+            <a:r>
+              <a:rPr lang="en-US" sz="2400" i="1" dirty="0">
+                <a:latin typeface="Arial" panose="020B0604020202020204" pitchFamily="34" charset="0"/>
+                <a:cs typeface="Arial" panose="020B0604020202020204" pitchFamily="34" charset="0"/>
+              </a:rPr>
+              <a:t>). As a product of the social sciences, however, qualitative research methods have provided descriptions of communication in contextualized settings and helped account for the complex relationships between situated context and communication (</a:t>
+            </a:r>
+            <a:r>
+              <a:rPr lang="en-US" sz="2400" i="1" dirty="0">
+                <a:latin typeface="Arial" panose="020B0604020202020204" pitchFamily="34" charset="0"/>
+                <a:cs typeface="Arial" panose="020B0604020202020204" pitchFamily="34" charset="0"/>
+                <a:hlinkClick r:id="rId3">
+                  <a:extLst>
+                    <a:ext uri="{A12FA001-AC4F-418D-AE19-62706E023703}">
+                      <ahyp:hlinkClr xmlns:ahyp="http://schemas.microsoft.com/office/drawing/2018/hyperlinkcolor" val="tx"/>
+                    </a:ext>
+                  </a:extLst>
+                </a:hlinkClick>
+              </a:rPr>
+              <a:t>Sherzer, 1979</a:t>
+            </a:r>
+            <a:r>
+              <a:rPr lang="en-US" sz="2400" i="1" dirty="0">
+                <a:latin typeface="Arial" panose="020B0604020202020204" pitchFamily="34" charset="0"/>
+                <a:cs typeface="Arial" panose="020B0604020202020204" pitchFamily="34" charset="0"/>
+              </a:rPr>
+              <a:t>).</a:t>
+            </a:r>
+          </a:p>
+        </p:txBody>
+      </p:sp>
+    </p:spTree>
+    <p:extLst>
+      <p:ext uri="{BB962C8B-B14F-4D97-AF65-F5344CB8AC3E}">
+        <p14:creationId xmlns:p14="http://schemas.microsoft.com/office/powerpoint/2010/main" val="1597572072"/>
+      </p:ext>
+    </p:extLst>
+  </p:cSld>
+  <p:clrMapOvr>
+    <a:masterClrMapping/>
+  </p:clrMapOvr>
+</p:sld>
+</file>
+
+<file path=ppt/slides/slide11.xml><?xml version="1.0" encoding="utf-8"?>
+<p:sld xmlns:a="http://schemas.openxmlformats.org/drawingml/2006/main" xmlns:r="http://schemas.openxmlformats.org/officeDocument/2006/relationships" xmlns:p="http://schemas.openxmlformats.org/presentationml/2006/main">
+  <p:cSld>
+    <p:spTree>
+      <p:nvGrpSpPr>
+        <p:cNvPr id="1" name=""/>
+        <p:cNvGrpSpPr/>
+        <p:nvPr/>
+      </p:nvGrpSpPr>
+      <p:grpSpPr>
+        <a:xfrm>
+          <a:off x="0" y="0"/>
+          <a:ext cx="0" cy="0"/>
+          <a:chOff x="0" y="0"/>
+          <a:chExt cx="0" cy="0"/>
+        </a:xfrm>
+      </p:grpSpPr>
+      <p:sp>
+        <p:nvSpPr>
+          <p:cNvPr id="2" name="Title 1">
+            <a:extLst>
+              <a:ext uri="{FF2B5EF4-FFF2-40B4-BE49-F238E27FC236}">
+                <a16:creationId xmlns:a16="http://schemas.microsoft.com/office/drawing/2014/main" id="{0B58AF8B-3DB0-DA45-904C-7099736B9685}"/>
+              </a:ext>
+            </a:extLst>
+          </p:cNvPr>
+          <p:cNvSpPr>
+            <a:spLocks noGrp="1"/>
+          </p:cNvSpPr>
+          <p:nvPr>
+            <p:ph type="title"/>
+          </p:nvPr>
+        </p:nvSpPr>
+        <p:spPr>
+          <a:xfrm>
+            <a:off x="2101850" y="88901"/>
+            <a:ext cx="7886700" cy="1115956"/>
+          </a:xfrm>
+        </p:spPr>
+        <p:txBody>
+          <a:bodyPr>
+            <a:normAutofit/>
+          </a:bodyPr>
+          <a:lstStyle/>
+          <a:p>
+            <a:r>
+              <a:rPr lang="en-US" dirty="0">
+                <a:solidFill>
+                  <a:srgbClr val="7030A0"/>
+                </a:solidFill>
+              </a:rPr>
+              <a:t>Qualitative Data </a:t>
+            </a:r>
+            <a:br>
+              <a:rPr lang="en-US" dirty="0"/>
+            </a:br>
+            <a:endParaRPr lang="en-US" sz="2000" i="1" dirty="0"/>
+          </a:p>
+        </p:txBody>
+      </p:sp>
+      <p:sp>
+        <p:nvSpPr>
+          <p:cNvPr id="3" name="Content Placeholder 2">
+            <a:extLst>
+              <a:ext uri="{FF2B5EF4-FFF2-40B4-BE49-F238E27FC236}">
+                <a16:creationId xmlns:a16="http://schemas.microsoft.com/office/drawing/2014/main" id="{773CD34D-5DF3-8A4B-8773-2D9F0A0FD476}"/>
+              </a:ext>
+            </a:extLst>
+          </p:cNvPr>
+          <p:cNvSpPr>
+            <a:spLocks noGrp="1"/>
+          </p:cNvSpPr>
+          <p:nvPr>
+            <p:ph idx="1"/>
+          </p:nvPr>
+        </p:nvSpPr>
+        <p:spPr>
+          <a:xfrm>
+            <a:off x="1879002" y="910179"/>
+            <a:ext cx="8477026" cy="5522894"/>
+          </a:xfrm>
+        </p:spPr>
+        <p:txBody>
+          <a:bodyPr>
+            <a:normAutofit fontScale="85000" lnSpcReduction="20000"/>
+          </a:bodyPr>
+          <a:lstStyle/>
+          <a:p>
+            <a:pPr marL="0" indent="0" algn="ctr">
+              <a:buNone/>
+            </a:pPr>
+            <a:r>
+              <a:rPr lang="en-US" b="1" dirty="0"/>
+              <a:t>Characteristics</a:t>
+            </a:r>
+          </a:p>
+          <a:p>
+            <a:r>
+              <a:rPr lang="en-US" dirty="0"/>
+              <a:t>Non-statistical</a:t>
+            </a:r>
+          </a:p>
+          <a:p>
+            <a:r>
+              <a:rPr lang="en-US" dirty="0"/>
+              <a:t>Descriptive</a:t>
+            </a:r>
+          </a:p>
+          <a:p>
+            <a:r>
+              <a:rPr lang="en-US" dirty="0"/>
+              <a:t>Wholistic:  looks at the complexity of communication</a:t>
+            </a:r>
+          </a:p>
+          <a:p>
+            <a:pPr marL="0" indent="0">
+              <a:buNone/>
+            </a:pPr>
+            <a:endParaRPr lang="en-US" dirty="0"/>
+          </a:p>
+          <a:p>
+            <a:pPr marL="0" indent="0" algn="ctr">
+              <a:buNone/>
+            </a:pPr>
+            <a:r>
+              <a:rPr lang="en-US" b="1" dirty="0"/>
+              <a:t>Types</a:t>
+            </a:r>
+          </a:p>
+          <a:p>
+            <a:r>
+              <a:rPr lang="en-US" dirty="0"/>
+              <a:t>Ethnographic Observation &amp; Interview</a:t>
+            </a:r>
+          </a:p>
+          <a:p>
+            <a:pPr lvl="1"/>
+            <a:r>
+              <a:rPr lang="en-US" sz="2800" dirty="0"/>
+              <a:t>Observing behavior in its natural context</a:t>
+            </a:r>
+          </a:p>
+          <a:p>
+            <a:pPr lvl="1"/>
+            <a:r>
+              <a:rPr lang="en-US" sz="2800" dirty="0"/>
+              <a:t>Interviews with client, family members, teachers, caregivers</a:t>
+            </a:r>
+          </a:p>
+          <a:p>
+            <a:r>
+              <a:rPr lang="en-US" dirty="0"/>
+              <a:t>Conversation Analysis</a:t>
+            </a:r>
+          </a:p>
+          <a:p>
+            <a:pPr lvl="1"/>
+            <a:r>
+              <a:rPr lang="en-US" sz="2800" dirty="0"/>
+              <a:t>Observing patterns of conversation, sequential organization, partners</a:t>
+            </a:r>
+          </a:p>
+          <a:p>
+            <a:r>
+              <a:rPr lang="en-US" dirty="0"/>
+              <a:t>Lamination</a:t>
+            </a:r>
+          </a:p>
+          <a:p>
+            <a:pPr lvl="1"/>
+            <a:r>
+              <a:rPr lang="en-US" sz="2800" dirty="0"/>
+              <a:t>Verifying quantitative data by looking in natural contexts, e.g., verifying assessment results by asking families for real-life examples </a:t>
+            </a:r>
+          </a:p>
+          <a:p>
+            <a:pPr marL="342900" lvl="1" indent="0">
+              <a:buNone/>
+            </a:pPr>
+            <a:endParaRPr lang="en-US" dirty="0"/>
+          </a:p>
+        </p:txBody>
+      </p:sp>
+    </p:spTree>
+    <p:extLst>
+      <p:ext uri="{BB962C8B-B14F-4D97-AF65-F5344CB8AC3E}">
+        <p14:creationId xmlns:p14="http://schemas.microsoft.com/office/powerpoint/2010/main" val="3670101323"/>
+      </p:ext>
+    </p:extLst>
+  </p:cSld>
+  <p:clrMapOvr>
+    <a:masterClrMapping/>
+  </p:clrMapOvr>
+</p:sld>
+</file>
+
+<file path=ppt/slides/slide12.xml><?xml version="1.0" encoding="utf-8"?>
+<p:sld xmlns:a="http://schemas.openxmlformats.org/drawingml/2006/main" xmlns:r="http://schemas.openxmlformats.org/officeDocument/2006/relationships" xmlns:p="http://schemas.openxmlformats.org/presentationml/2006/main">
+  <p:cSld>
+    <p:spTree>
+      <p:nvGrpSpPr>
+        <p:cNvPr id="1" name=""/>
+        <p:cNvGrpSpPr/>
+        <p:nvPr/>
+      </p:nvGrpSpPr>
+      <p:grpSpPr>
+        <a:xfrm>
+          <a:off x="0" y="0"/>
+          <a:ext cx="0" cy="0"/>
+          <a:chOff x="0" y="0"/>
+          <a:chExt cx="0" cy="0"/>
+        </a:xfrm>
+      </p:grpSpPr>
+      <p:sp>
+        <p:nvSpPr>
+          <p:cNvPr id="2" name="Title 1"/>
+          <p:cNvSpPr>
+            <a:spLocks noGrp="1"/>
+          </p:cNvSpPr>
+          <p:nvPr>
+            <p:ph type="title"/>
+          </p:nvPr>
+        </p:nvSpPr>
+        <p:spPr/>
+        <p:txBody>
+          <a:bodyPr/>
+          <a:lstStyle/>
+          <a:p>
+            <a:r>
+              <a:rPr lang="en-US" dirty="0">
+                <a:solidFill>
+                  <a:srgbClr val="7030A0"/>
+                </a:solidFill>
+              </a:rPr>
+              <a:t>Qualitative Data</a:t>
+            </a:r>
+          </a:p>
+        </p:txBody>
+      </p:sp>
+      <p:sp>
+        <p:nvSpPr>
+          <p:cNvPr id="3" name="Content Placeholder 2"/>
+          <p:cNvSpPr>
+            <a:spLocks noGrp="1"/>
+          </p:cNvSpPr>
+          <p:nvPr>
+            <p:ph idx="1"/>
+          </p:nvPr>
+        </p:nvSpPr>
+        <p:spPr>
+          <a:xfrm>
+            <a:off x="1892300" y="1511300"/>
+            <a:ext cx="8407400" cy="5118100"/>
+          </a:xfrm>
+        </p:spPr>
+        <p:txBody>
+          <a:bodyPr>
+            <a:normAutofit/>
+          </a:bodyPr>
+          <a:lstStyle/>
+          <a:p>
+            <a:pPr marL="0" indent="0" algn="ctr">
+              <a:buNone/>
+            </a:pPr>
+            <a:r>
+              <a:rPr lang="en-US" sz="2400" b="1" dirty="0"/>
+              <a:t>Forms</a:t>
+            </a:r>
+          </a:p>
+          <a:p>
+            <a:pPr lvl="1"/>
+            <a:r>
+              <a:rPr lang="en-US" dirty="0"/>
+              <a:t>Observation Notes</a:t>
+            </a:r>
+          </a:p>
+          <a:p>
+            <a:pPr lvl="1"/>
+            <a:r>
+              <a:rPr lang="en-US" dirty="0"/>
+              <a:t>Interview Notes</a:t>
+            </a:r>
+          </a:p>
+          <a:p>
+            <a:pPr lvl="1"/>
+            <a:r>
+              <a:rPr lang="en-US" dirty="0"/>
+              <a:t>Client and Family Input</a:t>
+            </a:r>
+          </a:p>
+          <a:p>
+            <a:pPr lvl="1"/>
+            <a:endParaRPr lang="en-US" dirty="0"/>
+          </a:p>
+          <a:p>
+            <a:pPr marL="0" indent="0" algn="ctr">
+              <a:buNone/>
+            </a:pPr>
+            <a:r>
+              <a:rPr lang="en-US" sz="2400" b="1" dirty="0"/>
+              <a:t>Examples:</a:t>
+            </a:r>
+          </a:p>
+          <a:p>
+            <a:pPr lvl="1"/>
+            <a:r>
+              <a:rPr lang="en-US" dirty="0"/>
+              <a:t>The impact of dysphagia on clients, their family, and their environment</a:t>
+            </a:r>
+          </a:p>
+          <a:p>
+            <a:pPr lvl="1"/>
+            <a:r>
+              <a:rPr lang="en-US" dirty="0"/>
+              <a:t>Client describes feelings related to stuttering.</a:t>
+            </a:r>
+          </a:p>
+          <a:p>
+            <a:pPr lvl="1"/>
+            <a:r>
+              <a:rPr lang="en-US" dirty="0"/>
+              <a:t>Increased independence in activities of daily living.</a:t>
+            </a:r>
+          </a:p>
+          <a:p>
+            <a:pPr lvl="1"/>
+            <a:r>
+              <a:rPr lang="en-US" dirty="0"/>
+              <a:t>Family reports child has fewer tantrums with improved intelligibility. </a:t>
+            </a:r>
+          </a:p>
+        </p:txBody>
+      </p:sp>
+    </p:spTree>
+    <p:extLst>
+      <p:ext uri="{BB962C8B-B14F-4D97-AF65-F5344CB8AC3E}">
+        <p14:creationId xmlns:p14="http://schemas.microsoft.com/office/powerpoint/2010/main" val="194671610"/>
+      </p:ext>
+    </p:extLst>
+  </p:cSld>
+  <p:clrMapOvr>
+    <a:masterClrMapping/>
+  </p:clrMapOvr>
+</p:sld>
+</file>
+
+<file path=ppt/slides/slide13.xml><?xml version="1.0" encoding="utf-8"?>
+<p:sld xmlns:a="http://schemas.openxmlformats.org/drawingml/2006/main" xmlns:r="http://schemas.openxmlformats.org/officeDocument/2006/relationships" xmlns:p="http://schemas.openxmlformats.org/presentationml/2006/main">
+  <p:cSld>
+    <p:spTree>
+      <p:nvGrpSpPr>
+        <p:cNvPr id="1" name=""/>
+        <p:cNvGrpSpPr/>
+        <p:nvPr/>
+      </p:nvGrpSpPr>
+      <p:grpSpPr>
+        <a:xfrm>
+          <a:off x="0" y="0"/>
+          <a:ext cx="0" cy="0"/>
+          <a:chOff x="0" y="0"/>
+          <a:chExt cx="0" cy="0"/>
+        </a:xfrm>
+      </p:grpSpPr>
+      <p:sp>
+        <p:nvSpPr>
+          <p:cNvPr id="2" name="Title 1">
+            <a:extLst>
+              <a:ext uri="{FF2B5EF4-FFF2-40B4-BE49-F238E27FC236}">
+                <a16:creationId xmlns:a16="http://schemas.microsoft.com/office/drawing/2014/main" id="{7238C4F1-EC36-7640-B97C-21A055BC73C6}"/>
+              </a:ext>
+            </a:extLst>
+          </p:cNvPr>
+          <p:cNvSpPr>
+            <a:spLocks noGrp="1"/>
+          </p:cNvSpPr>
+          <p:nvPr>
+            <p:ph type="title"/>
+          </p:nvPr>
+        </p:nvSpPr>
+        <p:spPr/>
+        <p:txBody>
+          <a:bodyPr/>
+          <a:lstStyle/>
+          <a:p>
+            <a:r>
+              <a:rPr lang="en-US" dirty="0"/>
+              <a:t>What kind of data would we be taking for Matthew?</a:t>
+            </a:r>
+          </a:p>
+        </p:txBody>
+      </p:sp>
+      <p:sp>
+        <p:nvSpPr>
+          <p:cNvPr id="3" name="Content Placeholder 2">
+            <a:extLst>
+              <a:ext uri="{FF2B5EF4-FFF2-40B4-BE49-F238E27FC236}">
+                <a16:creationId xmlns:a16="http://schemas.microsoft.com/office/drawing/2014/main" id="{58BED369-1450-F34B-9B72-4FB37F86E01A}"/>
+              </a:ext>
+            </a:extLst>
+          </p:cNvPr>
+          <p:cNvSpPr>
+            <a:spLocks noGrp="1"/>
+          </p:cNvSpPr>
+          <p:nvPr>
+            <p:ph idx="1"/>
+          </p:nvPr>
+        </p:nvSpPr>
+        <p:spPr/>
+        <p:txBody>
+          <a:bodyPr/>
+          <a:lstStyle/>
+          <a:p>
+            <a:r>
+              <a:rPr lang="en-US" dirty="0"/>
+              <a:t>Look back at goals (Activity #16)</a:t>
+            </a:r>
+          </a:p>
+        </p:txBody>
+      </p:sp>
+    </p:spTree>
+    <p:extLst>
+      <p:ext uri="{BB962C8B-B14F-4D97-AF65-F5344CB8AC3E}">
+        <p14:creationId xmlns:p14="http://schemas.microsoft.com/office/powerpoint/2010/main" val="2304337004"/>
       </p:ext>
     </p:extLst>
   </p:cSld>
@@ -3970,8 +7421,8 @@
         </p:nvSpPr>
         <p:spPr>
           <a:xfrm>
-            <a:off x="2152650" y="365127"/>
-            <a:ext cx="7886700" cy="710639"/>
+            <a:off x="1698812" y="365127"/>
+            <a:ext cx="8633012" cy="1325563"/>
           </a:xfrm>
         </p:spPr>
         <p:txBody>
@@ -3981,52 +7432,1378 @@
           <a:lstStyle/>
           <a:p>
             <a:r>
-              <a:rPr lang="en-US" b="1" dirty="0">
+              <a:rPr lang="en-US" b="1">
                 <a:solidFill>
                   <a:srgbClr val="FF0000"/>
                 </a:solidFill>
               </a:rPr>
-              <a:t>Activity #22:  Collect Data (Session 3)</a:t>
-            </a:r>
-          </a:p>
-        </p:txBody>
-      </p:sp>
-      <p:sp>
-        <p:nvSpPr>
-          <p:cNvPr id="5" name="Content Placeholder 4">
-            <a:extLst>
-              <a:ext uri="{FF2B5EF4-FFF2-40B4-BE49-F238E27FC236}">
-                <a16:creationId xmlns:a16="http://schemas.microsoft.com/office/drawing/2014/main" id="{1F0552AB-27BD-E44D-98D4-E3B1C93DDCB4}"/>
-              </a:ext>
-            </a:extLst>
-          </p:cNvPr>
-          <p:cNvSpPr>
-            <a:spLocks noGrp="1"/>
-          </p:cNvSpPr>
+              <a:t>Activity #20:  Corrective Feedback (Session 2)</a:t>
+            </a:r>
+            <a:br>
+              <a:rPr lang="en-US" b="1">
+                <a:solidFill>
+                  <a:srgbClr val="FF0000"/>
+                </a:solidFill>
+              </a:rPr>
+            </a:br>
+            <a:r>
+              <a:rPr lang="en-US" sz="2000"/>
+              <a:t>Individual Activity</a:t>
+            </a:r>
+            <a:endParaRPr lang="en-US" b="1">
+              <a:solidFill>
+                <a:srgbClr val="FF0000"/>
+              </a:solidFill>
+            </a:endParaRPr>
+          </a:p>
+        </p:txBody>
+      </p:sp>
+      <p:graphicFrame>
+        <p:nvGraphicFramePr>
+          <p:cNvPr id="5" name="Content Placeholder 4"/>
+          <p:cNvGraphicFramePr>
+            <a:graphicFrameLocks noGrp="1"/>
+          </p:cNvGraphicFramePr>
           <p:nvPr>
             <p:ph idx="1"/>
           </p:nvPr>
-        </p:nvSpPr>
-        <p:spPr/>
-        <p:txBody>
-          <a:bodyPr/>
+        </p:nvGraphicFramePr>
+        <p:xfrm>
+          <a:off x="1995757" y="1690690"/>
+          <a:ext cx="8336067" cy="3507869"/>
+        </p:xfrm>
+        <a:graphic>
+          <a:graphicData uri="http://schemas.openxmlformats.org/drawingml/2006/table">
+            <a:tbl>
+              <a:tblPr firstRow="1" firstCol="1" bandRow="1"/>
+              <a:tblGrid>
+                <a:gridCol w="2903456">
+                  <a:extLst>
+                    <a:ext uri="{9D8B030D-6E8A-4147-A177-3AD203B41FA5}">
+                      <a16:colId xmlns:a16="http://schemas.microsoft.com/office/drawing/2014/main" val="20000"/>
+                    </a:ext>
+                  </a:extLst>
+                </a:gridCol>
+                <a:gridCol w="1694329">
+                  <a:extLst>
+                    <a:ext uri="{9D8B030D-6E8A-4147-A177-3AD203B41FA5}">
+                      <a16:colId xmlns:a16="http://schemas.microsoft.com/office/drawing/2014/main" val="20001"/>
+                    </a:ext>
+                  </a:extLst>
+                </a:gridCol>
+                <a:gridCol w="1597987">
+                  <a:extLst>
+                    <a:ext uri="{9D8B030D-6E8A-4147-A177-3AD203B41FA5}">
+                      <a16:colId xmlns:a16="http://schemas.microsoft.com/office/drawing/2014/main" val="20002"/>
+                    </a:ext>
+                  </a:extLst>
+                </a:gridCol>
+                <a:gridCol w="2140295">
+                  <a:extLst>
+                    <a:ext uri="{9D8B030D-6E8A-4147-A177-3AD203B41FA5}">
+                      <a16:colId xmlns:a16="http://schemas.microsoft.com/office/drawing/2014/main" val="20003"/>
+                    </a:ext>
+                  </a:extLst>
+                </a:gridCol>
+              </a:tblGrid>
+              <a:tr h="152643">
+                <a:tc>
+                  <a:txBody>
+                    <a:bodyPr/>
+                    <a:lstStyle/>
+                    <a:p>
+                      <a:pPr marL="0" marR="0">
+                        <a:spcBef>
+                          <a:spcPts val="0"/>
+                        </a:spcBef>
+                        <a:spcAft>
+                          <a:spcPts val="0"/>
+                        </a:spcAft>
+                      </a:pPr>
+                      <a:r>
+                        <a:rPr lang="en-US" sz="2000">
+                          <a:effectLst/>
+                          <a:latin typeface="Garamond" charset="0"/>
+                          <a:ea typeface="Times New Roman" charset="0"/>
+                          <a:cs typeface="Arial" charset="0"/>
+                        </a:rPr>
+                        <a:t>Target</a:t>
+                      </a:r>
+                      <a:endParaRPr lang="en-US" sz="2000">
+                        <a:effectLst/>
+                        <a:latin typeface="Times New Roman" charset="0"/>
+                        <a:ea typeface="Calibri" charset="0"/>
+                      </a:endParaRPr>
+                    </a:p>
+                  </a:txBody>
+                  <a:tcPr marL="24670" marR="24670" marT="0" marB="0">
+                    <a:lnL w="12700" cap="flat" cmpd="sng" algn="ctr">
+                      <a:solidFill>
+                        <a:srgbClr val="000000"/>
+                      </a:solidFill>
+                      <a:prstDash val="solid"/>
+                      <a:round/>
+                      <a:headEnd type="none" w="med" len="med"/>
+                      <a:tailEnd type="none" w="med" len="med"/>
+                    </a:lnL>
+                    <a:lnR w="12700" cap="flat" cmpd="sng" algn="ctr">
+                      <a:solidFill>
+                        <a:srgbClr val="000000"/>
+                      </a:solidFill>
+                      <a:prstDash val="solid"/>
+                      <a:round/>
+                      <a:headEnd type="none" w="med" len="med"/>
+                      <a:tailEnd type="none" w="med" len="med"/>
+                    </a:lnR>
+                    <a:lnT w="12700" cap="flat" cmpd="sng" algn="ctr">
+                      <a:solidFill>
+                        <a:srgbClr val="000000"/>
+                      </a:solidFill>
+                      <a:prstDash val="solid"/>
+                      <a:round/>
+                      <a:headEnd type="none" w="med" len="med"/>
+                      <a:tailEnd type="none" w="med" len="med"/>
+                    </a:lnT>
+                    <a:lnB w="12700" cap="flat" cmpd="sng" algn="ctr">
+                      <a:solidFill>
+                        <a:srgbClr val="000000"/>
+                      </a:solidFill>
+                      <a:prstDash val="solid"/>
+                      <a:round/>
+                      <a:headEnd type="none" w="med" len="med"/>
+                      <a:tailEnd type="none" w="med" len="med"/>
+                    </a:lnB>
+                    <a:solidFill>
+                      <a:srgbClr val="D9D9D9"/>
+                    </a:solidFill>
+                  </a:tcPr>
+                </a:tc>
+                <a:tc>
+                  <a:txBody>
+                    <a:bodyPr/>
+                    <a:lstStyle/>
+                    <a:p>
+                      <a:pPr marL="0" marR="0">
+                        <a:spcBef>
+                          <a:spcPts val="0"/>
+                        </a:spcBef>
+                        <a:spcAft>
+                          <a:spcPts val="0"/>
+                        </a:spcAft>
+                      </a:pPr>
+                      <a:r>
+                        <a:rPr lang="en-US" sz="2000">
+                          <a:effectLst/>
+                          <a:latin typeface="Garamond" charset="0"/>
+                          <a:ea typeface="Times New Roman" charset="0"/>
+                          <a:cs typeface="Arial" charset="0"/>
+                        </a:rPr>
+                        <a:t>Notes about ways clinician set up the desired behavior</a:t>
+                      </a:r>
+                      <a:endParaRPr lang="en-US" sz="2000">
+                        <a:effectLst/>
+                        <a:latin typeface="Times New Roman" charset="0"/>
+                        <a:ea typeface="Calibri" charset="0"/>
+                      </a:endParaRPr>
+                    </a:p>
+                  </a:txBody>
+                  <a:tcPr marL="24670" marR="24670" marT="0" marB="0">
+                    <a:lnL w="12700" cap="flat" cmpd="sng" algn="ctr">
+                      <a:solidFill>
+                        <a:srgbClr val="000000"/>
+                      </a:solidFill>
+                      <a:prstDash val="solid"/>
+                      <a:round/>
+                      <a:headEnd type="none" w="med" len="med"/>
+                      <a:tailEnd type="none" w="med" len="med"/>
+                    </a:lnL>
+                    <a:lnR w="12700" cap="flat" cmpd="sng" algn="ctr">
+                      <a:solidFill>
+                        <a:srgbClr val="000000"/>
+                      </a:solidFill>
+                      <a:prstDash val="solid"/>
+                      <a:round/>
+                      <a:headEnd type="none" w="med" len="med"/>
+                      <a:tailEnd type="none" w="med" len="med"/>
+                    </a:lnR>
+                    <a:lnT w="12700" cap="flat" cmpd="sng" algn="ctr">
+                      <a:solidFill>
+                        <a:srgbClr val="000000"/>
+                      </a:solidFill>
+                      <a:prstDash val="solid"/>
+                      <a:round/>
+                      <a:headEnd type="none" w="med" len="med"/>
+                      <a:tailEnd type="none" w="med" len="med"/>
+                    </a:lnT>
+                    <a:lnB w="12700" cap="flat" cmpd="sng" algn="ctr">
+                      <a:solidFill>
+                        <a:srgbClr val="000000"/>
+                      </a:solidFill>
+                      <a:prstDash val="solid"/>
+                      <a:round/>
+                      <a:headEnd type="none" w="med" len="med"/>
+                      <a:tailEnd type="none" w="med" len="med"/>
+                    </a:lnB>
+                    <a:solidFill>
+                      <a:srgbClr val="D9D9D9"/>
+                    </a:solidFill>
+                  </a:tcPr>
+                </a:tc>
+                <a:tc>
+                  <a:txBody>
+                    <a:bodyPr/>
+                    <a:lstStyle/>
+                    <a:p>
+                      <a:pPr marL="0" marR="0">
+                        <a:spcBef>
+                          <a:spcPts val="0"/>
+                        </a:spcBef>
+                        <a:spcAft>
+                          <a:spcPts val="0"/>
+                        </a:spcAft>
+                      </a:pPr>
+                      <a:r>
+                        <a:rPr lang="en-US" sz="2000">
+                          <a:effectLst/>
+                          <a:latin typeface="Garamond" charset="0"/>
+                          <a:ea typeface="Times New Roman" charset="0"/>
+                          <a:cs typeface="Arial" charset="0"/>
+                        </a:rPr>
+                        <a:t>Notes about Matthew’s behavior </a:t>
+                      </a:r>
+                      <a:endParaRPr lang="en-US" sz="2000">
+                        <a:effectLst/>
+                        <a:latin typeface="Times New Roman" charset="0"/>
+                        <a:ea typeface="Calibri" charset="0"/>
+                      </a:endParaRPr>
+                    </a:p>
+                  </a:txBody>
+                  <a:tcPr marL="24670" marR="24670" marT="0" marB="0">
+                    <a:lnL w="12700" cap="flat" cmpd="sng" algn="ctr">
+                      <a:solidFill>
+                        <a:srgbClr val="000000"/>
+                      </a:solidFill>
+                      <a:prstDash val="solid"/>
+                      <a:round/>
+                      <a:headEnd type="none" w="med" len="med"/>
+                      <a:tailEnd type="none" w="med" len="med"/>
+                    </a:lnL>
+                    <a:lnR w="12700" cap="flat" cmpd="sng" algn="ctr">
+                      <a:solidFill>
+                        <a:srgbClr val="000000"/>
+                      </a:solidFill>
+                      <a:prstDash val="solid"/>
+                      <a:round/>
+                      <a:headEnd type="none" w="med" len="med"/>
+                      <a:tailEnd type="none" w="med" len="med"/>
+                    </a:lnR>
+                    <a:lnT w="12700" cap="flat" cmpd="sng" algn="ctr">
+                      <a:solidFill>
+                        <a:srgbClr val="000000"/>
+                      </a:solidFill>
+                      <a:prstDash val="solid"/>
+                      <a:round/>
+                      <a:headEnd type="none" w="med" len="med"/>
+                      <a:tailEnd type="none" w="med" len="med"/>
+                    </a:lnT>
+                    <a:lnB w="12700" cap="flat" cmpd="sng" algn="ctr">
+                      <a:solidFill>
+                        <a:srgbClr val="000000"/>
+                      </a:solidFill>
+                      <a:prstDash val="solid"/>
+                      <a:round/>
+                      <a:headEnd type="none" w="med" len="med"/>
+                      <a:tailEnd type="none" w="med" len="med"/>
+                    </a:lnB>
+                    <a:solidFill>
+                      <a:srgbClr val="D9D9D9"/>
+                    </a:solidFill>
+                  </a:tcPr>
+                </a:tc>
+                <a:tc>
+                  <a:txBody>
+                    <a:bodyPr/>
+                    <a:lstStyle/>
+                    <a:p>
+                      <a:pPr marL="0" marR="0">
+                        <a:spcBef>
+                          <a:spcPts val="0"/>
+                        </a:spcBef>
+                        <a:spcAft>
+                          <a:spcPts val="0"/>
+                        </a:spcAft>
+                      </a:pPr>
+                      <a:r>
+                        <a:rPr lang="en-US" sz="2000">
+                          <a:effectLst/>
+                          <a:latin typeface="Garamond" charset="0"/>
+                          <a:ea typeface="Times New Roman" charset="0"/>
+                          <a:cs typeface="Arial" charset="0"/>
+                        </a:rPr>
+                        <a:t>Examples of corrective feedback provided</a:t>
+                      </a:r>
+                      <a:endParaRPr lang="en-US" sz="2000">
+                        <a:effectLst/>
+                        <a:latin typeface="Times New Roman" charset="0"/>
+                        <a:ea typeface="Calibri" charset="0"/>
+                      </a:endParaRPr>
+                    </a:p>
+                  </a:txBody>
+                  <a:tcPr marL="24670" marR="24670" marT="0" marB="0">
+                    <a:lnL w="12700" cap="flat" cmpd="sng" algn="ctr">
+                      <a:solidFill>
+                        <a:srgbClr val="000000"/>
+                      </a:solidFill>
+                      <a:prstDash val="solid"/>
+                      <a:round/>
+                      <a:headEnd type="none" w="med" len="med"/>
+                      <a:tailEnd type="none" w="med" len="med"/>
+                    </a:lnL>
+                    <a:lnR w="12700" cap="flat" cmpd="sng" algn="ctr">
+                      <a:solidFill>
+                        <a:srgbClr val="000000"/>
+                      </a:solidFill>
+                      <a:prstDash val="solid"/>
+                      <a:round/>
+                      <a:headEnd type="none" w="med" len="med"/>
+                      <a:tailEnd type="none" w="med" len="med"/>
+                    </a:lnR>
+                    <a:lnT w="12700" cap="flat" cmpd="sng" algn="ctr">
+                      <a:solidFill>
+                        <a:srgbClr val="000000"/>
+                      </a:solidFill>
+                      <a:prstDash val="solid"/>
+                      <a:round/>
+                      <a:headEnd type="none" w="med" len="med"/>
+                      <a:tailEnd type="none" w="med" len="med"/>
+                    </a:lnT>
+                    <a:lnB w="12700" cap="flat" cmpd="sng" algn="ctr">
+                      <a:solidFill>
+                        <a:srgbClr val="000000"/>
+                      </a:solidFill>
+                      <a:prstDash val="solid"/>
+                      <a:round/>
+                      <a:headEnd type="none" w="med" len="med"/>
+                      <a:tailEnd type="none" w="med" len="med"/>
+                    </a:lnB>
+                    <a:solidFill>
+                      <a:srgbClr val="D9D9D9"/>
+                    </a:solidFill>
+                  </a:tcPr>
+                </a:tc>
+                <a:extLst>
+                  <a:ext uri="{0D108BD9-81ED-4DB2-BD59-A6C34878D82A}">
+                    <a16:rowId xmlns:a16="http://schemas.microsoft.com/office/drawing/2014/main" val="10000"/>
+                  </a:ext>
+                </a:extLst>
+              </a:tr>
+              <a:tr h="992177">
+                <a:tc>
+                  <a:txBody>
+                    <a:bodyPr/>
+                    <a:lstStyle/>
+                    <a:p>
+                      <a:pPr marL="0" marR="0">
+                        <a:spcBef>
+                          <a:spcPts val="0"/>
+                        </a:spcBef>
+                        <a:spcAft>
+                          <a:spcPts val="0"/>
+                        </a:spcAft>
+                      </a:pPr>
+                      <a:r>
+                        <a:rPr lang="en-US" sz="2000">
+                          <a:effectLst/>
+                          <a:latin typeface="Garamond" charset="0"/>
+                          <a:ea typeface="Times New Roman" charset="0"/>
+                          <a:cs typeface="Arial" charset="0"/>
+                        </a:rPr>
+                        <a:t>Tracing letters /s/ and /p/ and saying sounds in isolation</a:t>
+                      </a:r>
+                      <a:endParaRPr lang="en-US" sz="2000">
+                        <a:effectLst/>
+                        <a:latin typeface="Times New Roman" charset="0"/>
+                        <a:ea typeface="Calibri" charset="0"/>
+                      </a:endParaRPr>
+                    </a:p>
+                  </a:txBody>
+                  <a:tcPr marL="24670" marR="24670" marT="0" marB="0">
+                    <a:lnL w="12700" cap="flat" cmpd="sng" algn="ctr">
+                      <a:solidFill>
+                        <a:srgbClr val="000000"/>
+                      </a:solidFill>
+                      <a:prstDash val="solid"/>
+                      <a:round/>
+                      <a:headEnd type="none" w="med" len="med"/>
+                      <a:tailEnd type="none" w="med" len="med"/>
+                    </a:lnL>
+                    <a:lnR w="12700" cap="flat" cmpd="sng" algn="ctr">
+                      <a:solidFill>
+                        <a:srgbClr val="000000"/>
+                      </a:solidFill>
+                      <a:prstDash val="solid"/>
+                      <a:round/>
+                      <a:headEnd type="none" w="med" len="med"/>
+                      <a:tailEnd type="none" w="med" len="med"/>
+                    </a:lnR>
+                    <a:lnT w="12700" cap="flat" cmpd="sng" algn="ctr">
+                      <a:solidFill>
+                        <a:srgbClr val="000000"/>
+                      </a:solidFill>
+                      <a:prstDash val="solid"/>
+                      <a:round/>
+                      <a:headEnd type="none" w="med" len="med"/>
+                      <a:tailEnd type="none" w="med" len="med"/>
+                    </a:lnT>
+                    <a:lnB w="12700" cap="flat" cmpd="sng" algn="ctr">
+                      <a:solidFill>
+                        <a:srgbClr val="000000"/>
+                      </a:solidFill>
+                      <a:prstDash val="solid"/>
+                      <a:round/>
+                      <a:headEnd type="none" w="med" len="med"/>
+                      <a:tailEnd type="none" w="med" len="med"/>
+                    </a:lnB>
+                    <a:solidFill>
+                      <a:srgbClr val="FFFFFF"/>
+                    </a:solidFill>
+                  </a:tcPr>
+                </a:tc>
+                <a:tc>
+                  <a:txBody>
+                    <a:bodyPr/>
+                    <a:lstStyle/>
+                    <a:p>
+                      <a:pPr marL="0" marR="0">
+                        <a:spcBef>
+                          <a:spcPts val="0"/>
+                        </a:spcBef>
+                        <a:spcAft>
+                          <a:spcPts val="0"/>
+                        </a:spcAft>
+                      </a:pPr>
+                      <a:r>
+                        <a:rPr lang="en-US" sz="2000">
+                          <a:effectLst/>
+                          <a:latin typeface="Garamond" charset="0"/>
+                          <a:ea typeface="Times New Roman" charset="0"/>
+                          <a:cs typeface="Arial" charset="0"/>
+                        </a:rPr>
+                        <a:t> </a:t>
+                      </a:r>
+                      <a:endParaRPr lang="en-US" sz="2000">
+                        <a:effectLst/>
+                        <a:latin typeface="Times New Roman" charset="0"/>
+                        <a:ea typeface="Calibri" charset="0"/>
+                      </a:endParaRPr>
+                    </a:p>
+                    <a:p>
+                      <a:pPr marL="0" marR="0">
+                        <a:spcBef>
+                          <a:spcPts val="0"/>
+                        </a:spcBef>
+                        <a:spcAft>
+                          <a:spcPts val="0"/>
+                        </a:spcAft>
+                      </a:pPr>
+                      <a:r>
+                        <a:rPr lang="en-US" sz="2000">
+                          <a:effectLst/>
+                          <a:latin typeface="Garamond" charset="0"/>
+                          <a:ea typeface="Times New Roman" charset="0"/>
+                          <a:cs typeface="Arial" charset="0"/>
+                        </a:rPr>
+                        <a:t> </a:t>
+                      </a:r>
+                      <a:endParaRPr lang="en-US" sz="2000">
+                        <a:effectLst/>
+                        <a:latin typeface="Times New Roman" charset="0"/>
+                        <a:ea typeface="Calibri" charset="0"/>
+                      </a:endParaRPr>
+                    </a:p>
+                    <a:p>
+                      <a:pPr marL="0" marR="0">
+                        <a:spcBef>
+                          <a:spcPts val="0"/>
+                        </a:spcBef>
+                        <a:spcAft>
+                          <a:spcPts val="0"/>
+                        </a:spcAft>
+                      </a:pPr>
+                      <a:r>
+                        <a:rPr lang="en-US" sz="2000">
+                          <a:effectLst/>
+                          <a:latin typeface="Garamond" charset="0"/>
+                          <a:ea typeface="Times New Roman" charset="0"/>
+                          <a:cs typeface="Arial" charset="0"/>
+                        </a:rPr>
+                        <a:t> </a:t>
+                      </a:r>
+                      <a:endParaRPr lang="en-US" sz="2000">
+                        <a:effectLst/>
+                        <a:latin typeface="Times New Roman" charset="0"/>
+                        <a:ea typeface="Calibri" charset="0"/>
+                      </a:endParaRPr>
+                    </a:p>
+                  </a:txBody>
+                  <a:tcPr marL="24670" marR="24670" marT="0" marB="0">
+                    <a:lnL w="12700" cap="flat" cmpd="sng" algn="ctr">
+                      <a:solidFill>
+                        <a:srgbClr val="000000"/>
+                      </a:solidFill>
+                      <a:prstDash val="solid"/>
+                      <a:round/>
+                      <a:headEnd type="none" w="med" len="med"/>
+                      <a:tailEnd type="none" w="med" len="med"/>
+                    </a:lnL>
+                    <a:lnR w="12700" cap="flat" cmpd="sng" algn="ctr">
+                      <a:solidFill>
+                        <a:srgbClr val="000000"/>
+                      </a:solidFill>
+                      <a:prstDash val="solid"/>
+                      <a:round/>
+                      <a:headEnd type="none" w="med" len="med"/>
+                      <a:tailEnd type="none" w="med" len="med"/>
+                    </a:lnR>
+                    <a:lnT w="12700" cap="flat" cmpd="sng" algn="ctr">
+                      <a:solidFill>
+                        <a:srgbClr val="000000"/>
+                      </a:solidFill>
+                      <a:prstDash val="solid"/>
+                      <a:round/>
+                      <a:headEnd type="none" w="med" len="med"/>
+                      <a:tailEnd type="none" w="med" len="med"/>
+                    </a:lnT>
+                    <a:lnB w="12700" cap="flat" cmpd="sng" algn="ctr">
+                      <a:solidFill>
+                        <a:srgbClr val="000000"/>
+                      </a:solidFill>
+                      <a:prstDash val="solid"/>
+                      <a:round/>
+                      <a:headEnd type="none" w="med" len="med"/>
+                      <a:tailEnd type="none" w="med" len="med"/>
+                    </a:lnB>
+                    <a:solidFill>
+                      <a:srgbClr val="FFFFFF"/>
+                    </a:solidFill>
+                  </a:tcPr>
+                </a:tc>
+                <a:tc>
+                  <a:txBody>
+                    <a:bodyPr/>
+                    <a:lstStyle/>
+                    <a:p>
+                      <a:pPr marL="0" marR="0">
+                        <a:spcBef>
+                          <a:spcPts val="0"/>
+                        </a:spcBef>
+                        <a:spcAft>
+                          <a:spcPts val="0"/>
+                        </a:spcAft>
+                      </a:pPr>
+                      <a:r>
+                        <a:rPr lang="en-US" sz="2000">
+                          <a:effectLst/>
+                          <a:latin typeface="Garamond" charset="0"/>
+                          <a:ea typeface="Times New Roman" charset="0"/>
+                          <a:cs typeface="Arial" charset="0"/>
+                        </a:rPr>
+                        <a:t> </a:t>
+                      </a:r>
+                      <a:endParaRPr lang="en-US" sz="2000">
+                        <a:effectLst/>
+                        <a:latin typeface="Times New Roman" charset="0"/>
+                        <a:ea typeface="Calibri" charset="0"/>
+                      </a:endParaRPr>
+                    </a:p>
+                  </a:txBody>
+                  <a:tcPr marL="24670" marR="24670" marT="0" marB="0">
+                    <a:lnL w="12700" cap="flat" cmpd="sng" algn="ctr">
+                      <a:solidFill>
+                        <a:srgbClr val="000000"/>
+                      </a:solidFill>
+                      <a:prstDash val="solid"/>
+                      <a:round/>
+                      <a:headEnd type="none" w="med" len="med"/>
+                      <a:tailEnd type="none" w="med" len="med"/>
+                    </a:lnL>
+                    <a:lnR w="12700" cap="flat" cmpd="sng" algn="ctr">
+                      <a:solidFill>
+                        <a:srgbClr val="000000"/>
+                      </a:solidFill>
+                      <a:prstDash val="solid"/>
+                      <a:round/>
+                      <a:headEnd type="none" w="med" len="med"/>
+                      <a:tailEnd type="none" w="med" len="med"/>
+                    </a:lnR>
+                    <a:lnT w="12700" cap="flat" cmpd="sng" algn="ctr">
+                      <a:solidFill>
+                        <a:srgbClr val="000000"/>
+                      </a:solidFill>
+                      <a:prstDash val="solid"/>
+                      <a:round/>
+                      <a:headEnd type="none" w="med" len="med"/>
+                      <a:tailEnd type="none" w="med" len="med"/>
+                    </a:lnT>
+                    <a:lnB w="12700" cap="flat" cmpd="sng" algn="ctr">
+                      <a:solidFill>
+                        <a:srgbClr val="000000"/>
+                      </a:solidFill>
+                      <a:prstDash val="solid"/>
+                      <a:round/>
+                      <a:headEnd type="none" w="med" len="med"/>
+                      <a:tailEnd type="none" w="med" len="med"/>
+                    </a:lnB>
+                    <a:solidFill>
+                      <a:srgbClr val="FFFFFF"/>
+                    </a:solidFill>
+                  </a:tcPr>
+                </a:tc>
+                <a:tc>
+                  <a:txBody>
+                    <a:bodyPr/>
+                    <a:lstStyle/>
+                    <a:p>
+                      <a:pPr marL="0" marR="0">
+                        <a:spcBef>
+                          <a:spcPts val="0"/>
+                        </a:spcBef>
+                        <a:spcAft>
+                          <a:spcPts val="0"/>
+                        </a:spcAft>
+                      </a:pPr>
+                      <a:r>
+                        <a:rPr lang="en-US" sz="2000">
+                          <a:effectLst/>
+                          <a:latin typeface="Garamond" charset="0"/>
+                          <a:ea typeface="Times New Roman" charset="0"/>
+                          <a:cs typeface="Arial" charset="0"/>
+                        </a:rPr>
+                        <a:t> </a:t>
+                      </a:r>
+                      <a:endParaRPr lang="en-US" sz="2000">
+                        <a:effectLst/>
+                        <a:latin typeface="Times New Roman" charset="0"/>
+                        <a:ea typeface="Calibri" charset="0"/>
+                      </a:endParaRPr>
+                    </a:p>
+                  </a:txBody>
+                  <a:tcPr marL="24670" marR="24670" marT="0" marB="0">
+                    <a:lnL w="12700" cap="flat" cmpd="sng" algn="ctr">
+                      <a:solidFill>
+                        <a:srgbClr val="000000"/>
+                      </a:solidFill>
+                      <a:prstDash val="solid"/>
+                      <a:round/>
+                      <a:headEnd type="none" w="med" len="med"/>
+                      <a:tailEnd type="none" w="med" len="med"/>
+                    </a:lnL>
+                    <a:lnR w="12700" cap="flat" cmpd="sng" algn="ctr">
+                      <a:solidFill>
+                        <a:srgbClr val="000000"/>
+                      </a:solidFill>
+                      <a:prstDash val="solid"/>
+                      <a:round/>
+                      <a:headEnd type="none" w="med" len="med"/>
+                      <a:tailEnd type="none" w="med" len="med"/>
+                    </a:lnR>
+                    <a:lnT w="12700" cap="flat" cmpd="sng" algn="ctr">
+                      <a:solidFill>
+                        <a:srgbClr val="000000"/>
+                      </a:solidFill>
+                      <a:prstDash val="solid"/>
+                      <a:round/>
+                      <a:headEnd type="none" w="med" len="med"/>
+                      <a:tailEnd type="none" w="med" len="med"/>
+                    </a:lnT>
+                    <a:lnB w="12700" cap="flat" cmpd="sng" algn="ctr">
+                      <a:solidFill>
+                        <a:srgbClr val="000000"/>
+                      </a:solidFill>
+                      <a:prstDash val="solid"/>
+                      <a:round/>
+                      <a:headEnd type="none" w="med" len="med"/>
+                      <a:tailEnd type="none" w="med" len="med"/>
+                    </a:lnB>
+                    <a:solidFill>
+                      <a:srgbClr val="FFFFFF"/>
+                    </a:solidFill>
+                  </a:tcPr>
+                </a:tc>
+                <a:extLst>
+                  <a:ext uri="{0D108BD9-81ED-4DB2-BD59-A6C34878D82A}">
+                    <a16:rowId xmlns:a16="http://schemas.microsoft.com/office/drawing/2014/main" val="10001"/>
+                  </a:ext>
+                </a:extLst>
+              </a:tr>
+              <a:tr h="686892">
+                <a:tc>
+                  <a:txBody>
+                    <a:bodyPr/>
+                    <a:lstStyle/>
+                    <a:p>
+                      <a:pPr marL="0" marR="0">
+                        <a:spcBef>
+                          <a:spcPts val="0"/>
+                        </a:spcBef>
+                        <a:spcAft>
+                          <a:spcPts val="0"/>
+                        </a:spcAft>
+                      </a:pPr>
+                      <a:r>
+                        <a:rPr lang="en-US" sz="2000">
+                          <a:effectLst/>
+                          <a:latin typeface="Garamond" charset="0"/>
+                          <a:ea typeface="Times New Roman" charset="0"/>
+                          <a:cs typeface="Arial" charset="0"/>
+                        </a:rPr>
+                        <a:t>Production of /</a:t>
+                      </a:r>
+                      <a:r>
+                        <a:rPr lang="en-US" sz="2000" err="1">
+                          <a:effectLst/>
+                          <a:latin typeface="Garamond" charset="0"/>
+                          <a:ea typeface="Times New Roman" charset="0"/>
+                          <a:cs typeface="Arial" charset="0"/>
+                        </a:rPr>
+                        <a:t>ps</a:t>
+                      </a:r>
+                      <a:r>
+                        <a:rPr lang="en-US" sz="2000">
+                          <a:effectLst/>
+                          <a:latin typeface="Garamond" charset="0"/>
+                          <a:ea typeface="Times New Roman" charset="0"/>
+                          <a:cs typeface="Arial" charset="0"/>
+                        </a:rPr>
+                        <a:t>/</a:t>
+                      </a:r>
+                      <a:endParaRPr lang="en-US" sz="2000">
+                        <a:effectLst/>
+                        <a:latin typeface="Times New Roman" charset="0"/>
+                        <a:ea typeface="Calibri" charset="0"/>
+                      </a:endParaRPr>
+                    </a:p>
+                    <a:p>
+                      <a:pPr marL="0" marR="0">
+                        <a:spcBef>
+                          <a:spcPts val="0"/>
+                        </a:spcBef>
+                        <a:spcAft>
+                          <a:spcPts val="0"/>
+                        </a:spcAft>
+                      </a:pPr>
+                      <a:endParaRPr lang="en-US" sz="2000">
+                        <a:effectLst/>
+                        <a:latin typeface="Times New Roman" charset="0"/>
+                        <a:ea typeface="Calibri" charset="0"/>
+                      </a:endParaRPr>
+                    </a:p>
+                  </a:txBody>
+                  <a:tcPr marL="24670" marR="24670" marT="0" marB="0">
+                    <a:lnL w="12700" cap="flat" cmpd="sng" algn="ctr">
+                      <a:solidFill>
+                        <a:srgbClr val="000000"/>
+                      </a:solidFill>
+                      <a:prstDash val="solid"/>
+                      <a:round/>
+                      <a:headEnd type="none" w="med" len="med"/>
+                      <a:tailEnd type="none" w="med" len="med"/>
+                    </a:lnL>
+                    <a:lnR w="12700" cap="flat" cmpd="sng" algn="ctr">
+                      <a:solidFill>
+                        <a:srgbClr val="000000"/>
+                      </a:solidFill>
+                      <a:prstDash val="solid"/>
+                      <a:round/>
+                      <a:headEnd type="none" w="med" len="med"/>
+                      <a:tailEnd type="none" w="med" len="med"/>
+                    </a:lnR>
+                    <a:lnT w="12700" cap="flat" cmpd="sng" algn="ctr">
+                      <a:solidFill>
+                        <a:srgbClr val="000000"/>
+                      </a:solidFill>
+                      <a:prstDash val="solid"/>
+                      <a:round/>
+                      <a:headEnd type="none" w="med" len="med"/>
+                      <a:tailEnd type="none" w="med" len="med"/>
+                    </a:lnT>
+                    <a:lnB w="12700" cap="flat" cmpd="sng" algn="ctr">
+                      <a:solidFill>
+                        <a:srgbClr val="000000"/>
+                      </a:solidFill>
+                      <a:prstDash val="solid"/>
+                      <a:round/>
+                      <a:headEnd type="none" w="med" len="med"/>
+                      <a:tailEnd type="none" w="med" len="med"/>
+                    </a:lnB>
+                    <a:solidFill>
+                      <a:srgbClr val="FFFFFF"/>
+                    </a:solidFill>
+                  </a:tcPr>
+                </a:tc>
+                <a:tc>
+                  <a:txBody>
+                    <a:bodyPr/>
+                    <a:lstStyle/>
+                    <a:p>
+                      <a:pPr marL="0" marR="0">
+                        <a:spcBef>
+                          <a:spcPts val="0"/>
+                        </a:spcBef>
+                        <a:spcAft>
+                          <a:spcPts val="0"/>
+                        </a:spcAft>
+                      </a:pPr>
+                      <a:r>
+                        <a:rPr lang="en-US" sz="2000">
+                          <a:effectLst/>
+                          <a:latin typeface="Garamond" charset="0"/>
+                          <a:ea typeface="Times New Roman" charset="0"/>
+                          <a:cs typeface="Arial" charset="0"/>
+                        </a:rPr>
+                        <a:t> </a:t>
+                      </a:r>
+                      <a:endParaRPr lang="en-US" sz="2000">
+                        <a:effectLst/>
+                        <a:latin typeface="Times New Roman" charset="0"/>
+                        <a:ea typeface="Calibri" charset="0"/>
+                      </a:endParaRPr>
+                    </a:p>
+                  </a:txBody>
+                  <a:tcPr marL="24670" marR="24670" marT="0" marB="0">
+                    <a:lnL w="12700" cap="flat" cmpd="sng" algn="ctr">
+                      <a:solidFill>
+                        <a:srgbClr val="000000"/>
+                      </a:solidFill>
+                      <a:prstDash val="solid"/>
+                      <a:round/>
+                      <a:headEnd type="none" w="med" len="med"/>
+                      <a:tailEnd type="none" w="med" len="med"/>
+                    </a:lnL>
+                    <a:lnR w="12700" cap="flat" cmpd="sng" algn="ctr">
+                      <a:solidFill>
+                        <a:srgbClr val="000000"/>
+                      </a:solidFill>
+                      <a:prstDash val="solid"/>
+                      <a:round/>
+                      <a:headEnd type="none" w="med" len="med"/>
+                      <a:tailEnd type="none" w="med" len="med"/>
+                    </a:lnR>
+                    <a:lnT w="12700" cap="flat" cmpd="sng" algn="ctr">
+                      <a:solidFill>
+                        <a:srgbClr val="000000"/>
+                      </a:solidFill>
+                      <a:prstDash val="solid"/>
+                      <a:round/>
+                      <a:headEnd type="none" w="med" len="med"/>
+                      <a:tailEnd type="none" w="med" len="med"/>
+                    </a:lnT>
+                    <a:lnB w="12700" cap="flat" cmpd="sng" algn="ctr">
+                      <a:solidFill>
+                        <a:srgbClr val="000000"/>
+                      </a:solidFill>
+                      <a:prstDash val="solid"/>
+                      <a:round/>
+                      <a:headEnd type="none" w="med" len="med"/>
+                      <a:tailEnd type="none" w="med" len="med"/>
+                    </a:lnB>
+                    <a:solidFill>
+                      <a:srgbClr val="FFFFFF"/>
+                    </a:solidFill>
+                  </a:tcPr>
+                </a:tc>
+                <a:tc>
+                  <a:txBody>
+                    <a:bodyPr/>
+                    <a:lstStyle/>
+                    <a:p>
+                      <a:pPr marL="0" marR="0">
+                        <a:spcBef>
+                          <a:spcPts val="0"/>
+                        </a:spcBef>
+                        <a:spcAft>
+                          <a:spcPts val="0"/>
+                        </a:spcAft>
+                      </a:pPr>
+                      <a:r>
+                        <a:rPr lang="en-US" sz="2000">
+                          <a:effectLst/>
+                          <a:latin typeface="Garamond" charset="0"/>
+                          <a:ea typeface="Times New Roman" charset="0"/>
+                          <a:cs typeface="Arial" charset="0"/>
+                        </a:rPr>
+                        <a:t> </a:t>
+                      </a:r>
+                      <a:endParaRPr lang="en-US" sz="2000">
+                        <a:effectLst/>
+                        <a:latin typeface="Times New Roman" charset="0"/>
+                        <a:ea typeface="Calibri" charset="0"/>
+                      </a:endParaRPr>
+                    </a:p>
+                  </a:txBody>
+                  <a:tcPr marL="24670" marR="24670" marT="0" marB="0">
+                    <a:lnL w="12700" cap="flat" cmpd="sng" algn="ctr">
+                      <a:solidFill>
+                        <a:srgbClr val="000000"/>
+                      </a:solidFill>
+                      <a:prstDash val="solid"/>
+                      <a:round/>
+                      <a:headEnd type="none" w="med" len="med"/>
+                      <a:tailEnd type="none" w="med" len="med"/>
+                    </a:lnL>
+                    <a:lnR w="12700" cap="flat" cmpd="sng" algn="ctr">
+                      <a:solidFill>
+                        <a:srgbClr val="000000"/>
+                      </a:solidFill>
+                      <a:prstDash val="solid"/>
+                      <a:round/>
+                      <a:headEnd type="none" w="med" len="med"/>
+                      <a:tailEnd type="none" w="med" len="med"/>
+                    </a:lnR>
+                    <a:lnT w="12700" cap="flat" cmpd="sng" algn="ctr">
+                      <a:solidFill>
+                        <a:srgbClr val="000000"/>
+                      </a:solidFill>
+                      <a:prstDash val="solid"/>
+                      <a:round/>
+                      <a:headEnd type="none" w="med" len="med"/>
+                      <a:tailEnd type="none" w="med" len="med"/>
+                    </a:lnT>
+                    <a:lnB w="12700" cap="flat" cmpd="sng" algn="ctr">
+                      <a:solidFill>
+                        <a:srgbClr val="000000"/>
+                      </a:solidFill>
+                      <a:prstDash val="solid"/>
+                      <a:round/>
+                      <a:headEnd type="none" w="med" len="med"/>
+                      <a:tailEnd type="none" w="med" len="med"/>
+                    </a:lnB>
+                    <a:solidFill>
+                      <a:srgbClr val="FFFFFF"/>
+                    </a:solidFill>
+                  </a:tcPr>
+                </a:tc>
+                <a:tc>
+                  <a:txBody>
+                    <a:bodyPr/>
+                    <a:lstStyle/>
+                    <a:p>
+                      <a:pPr marL="0" marR="0">
+                        <a:spcBef>
+                          <a:spcPts val="0"/>
+                        </a:spcBef>
+                        <a:spcAft>
+                          <a:spcPts val="0"/>
+                        </a:spcAft>
+                      </a:pPr>
+                      <a:r>
+                        <a:rPr lang="en-US" sz="2000">
+                          <a:effectLst/>
+                          <a:latin typeface="Garamond" charset="0"/>
+                          <a:ea typeface="Times New Roman" charset="0"/>
+                          <a:cs typeface="Arial" charset="0"/>
+                        </a:rPr>
+                        <a:t> </a:t>
+                      </a:r>
+                      <a:endParaRPr lang="en-US" sz="2000">
+                        <a:effectLst/>
+                        <a:latin typeface="Times New Roman" charset="0"/>
+                        <a:ea typeface="Calibri" charset="0"/>
+                      </a:endParaRPr>
+                    </a:p>
+                  </a:txBody>
+                  <a:tcPr marL="24670" marR="24670" marT="0" marB="0">
+                    <a:lnL w="12700" cap="flat" cmpd="sng" algn="ctr">
+                      <a:solidFill>
+                        <a:srgbClr val="000000"/>
+                      </a:solidFill>
+                      <a:prstDash val="solid"/>
+                      <a:round/>
+                      <a:headEnd type="none" w="med" len="med"/>
+                      <a:tailEnd type="none" w="med" len="med"/>
+                    </a:lnL>
+                    <a:lnR w="12700" cap="flat" cmpd="sng" algn="ctr">
+                      <a:solidFill>
+                        <a:srgbClr val="000000"/>
+                      </a:solidFill>
+                      <a:prstDash val="solid"/>
+                      <a:round/>
+                      <a:headEnd type="none" w="med" len="med"/>
+                      <a:tailEnd type="none" w="med" len="med"/>
+                    </a:lnR>
+                    <a:lnT w="12700" cap="flat" cmpd="sng" algn="ctr">
+                      <a:solidFill>
+                        <a:srgbClr val="000000"/>
+                      </a:solidFill>
+                      <a:prstDash val="solid"/>
+                      <a:round/>
+                      <a:headEnd type="none" w="med" len="med"/>
+                      <a:tailEnd type="none" w="med" len="med"/>
+                    </a:lnT>
+                    <a:lnB w="12700" cap="flat" cmpd="sng" algn="ctr">
+                      <a:solidFill>
+                        <a:srgbClr val="000000"/>
+                      </a:solidFill>
+                      <a:prstDash val="solid"/>
+                      <a:round/>
+                      <a:headEnd type="none" w="med" len="med"/>
+                      <a:tailEnd type="none" w="med" len="med"/>
+                    </a:lnB>
+                    <a:solidFill>
+                      <a:srgbClr val="FFFFFF"/>
+                    </a:solidFill>
+                  </a:tcPr>
+                </a:tc>
+                <a:extLst>
+                  <a:ext uri="{0D108BD9-81ED-4DB2-BD59-A6C34878D82A}">
+                    <a16:rowId xmlns:a16="http://schemas.microsoft.com/office/drawing/2014/main" val="10002"/>
+                  </a:ext>
+                </a:extLst>
+              </a:tr>
+              <a:tr h="457928">
+                <a:tc>
+                  <a:txBody>
+                    <a:bodyPr/>
+                    <a:lstStyle/>
+                    <a:p>
+                      <a:pPr marL="0" marR="0">
+                        <a:spcBef>
+                          <a:spcPts val="0"/>
+                        </a:spcBef>
+                        <a:spcAft>
+                          <a:spcPts val="0"/>
+                        </a:spcAft>
+                      </a:pPr>
+                      <a:r>
+                        <a:rPr lang="en-US" sz="2000">
+                          <a:effectLst/>
+                          <a:latin typeface="Garamond" charset="0"/>
+                          <a:ea typeface="Times New Roman" charset="0"/>
+                          <a:cs typeface="Arial" charset="0"/>
+                        </a:rPr>
+                        <a:t>Onset Rime</a:t>
+                      </a:r>
+                      <a:endParaRPr lang="en-US" sz="2000">
+                        <a:effectLst/>
+                        <a:latin typeface="Times New Roman" charset="0"/>
+                        <a:ea typeface="Calibri" charset="0"/>
+                      </a:endParaRPr>
+                    </a:p>
+                    <a:p>
+                      <a:pPr marL="0" marR="0">
+                        <a:spcBef>
+                          <a:spcPts val="0"/>
+                        </a:spcBef>
+                        <a:spcAft>
+                          <a:spcPts val="0"/>
+                        </a:spcAft>
+                      </a:pPr>
+                      <a:endParaRPr lang="en-US" sz="2000">
+                        <a:effectLst/>
+                        <a:latin typeface="Times New Roman" charset="0"/>
+                        <a:ea typeface="Calibri" charset="0"/>
+                      </a:endParaRPr>
+                    </a:p>
+                  </a:txBody>
+                  <a:tcPr marL="24670" marR="24670" marT="0" marB="0">
+                    <a:lnL w="12700" cap="flat" cmpd="sng" algn="ctr">
+                      <a:solidFill>
+                        <a:srgbClr val="000000"/>
+                      </a:solidFill>
+                      <a:prstDash val="solid"/>
+                      <a:round/>
+                      <a:headEnd type="none" w="med" len="med"/>
+                      <a:tailEnd type="none" w="med" len="med"/>
+                    </a:lnL>
+                    <a:lnR w="12700" cap="flat" cmpd="sng" algn="ctr">
+                      <a:solidFill>
+                        <a:srgbClr val="000000"/>
+                      </a:solidFill>
+                      <a:prstDash val="solid"/>
+                      <a:round/>
+                      <a:headEnd type="none" w="med" len="med"/>
+                      <a:tailEnd type="none" w="med" len="med"/>
+                    </a:lnR>
+                    <a:lnT w="12700" cap="flat" cmpd="sng" algn="ctr">
+                      <a:solidFill>
+                        <a:srgbClr val="000000"/>
+                      </a:solidFill>
+                      <a:prstDash val="solid"/>
+                      <a:round/>
+                      <a:headEnd type="none" w="med" len="med"/>
+                      <a:tailEnd type="none" w="med" len="med"/>
+                    </a:lnT>
+                    <a:lnB w="12700" cap="flat" cmpd="sng" algn="ctr">
+                      <a:solidFill>
+                        <a:srgbClr val="000000"/>
+                      </a:solidFill>
+                      <a:prstDash val="solid"/>
+                      <a:round/>
+                      <a:headEnd type="none" w="med" len="med"/>
+                      <a:tailEnd type="none" w="med" len="med"/>
+                    </a:lnB>
+                    <a:solidFill>
+                      <a:srgbClr val="FFFFFF"/>
+                    </a:solidFill>
+                  </a:tcPr>
+                </a:tc>
+                <a:tc>
+                  <a:txBody>
+                    <a:bodyPr/>
+                    <a:lstStyle/>
+                    <a:p>
+                      <a:pPr marL="0" marR="0">
+                        <a:spcBef>
+                          <a:spcPts val="0"/>
+                        </a:spcBef>
+                        <a:spcAft>
+                          <a:spcPts val="0"/>
+                        </a:spcAft>
+                      </a:pPr>
+                      <a:r>
+                        <a:rPr lang="en-US" sz="2000">
+                          <a:effectLst/>
+                          <a:latin typeface="Garamond" charset="0"/>
+                          <a:ea typeface="Times New Roman" charset="0"/>
+                          <a:cs typeface="Arial" charset="0"/>
+                        </a:rPr>
+                        <a:t> </a:t>
+                      </a:r>
+                      <a:endParaRPr lang="en-US" sz="2000">
+                        <a:effectLst/>
+                        <a:latin typeface="Times New Roman" charset="0"/>
+                        <a:ea typeface="Calibri" charset="0"/>
+                      </a:endParaRPr>
+                    </a:p>
+                  </a:txBody>
+                  <a:tcPr marL="24670" marR="24670" marT="0" marB="0">
+                    <a:lnL w="12700" cap="flat" cmpd="sng" algn="ctr">
+                      <a:solidFill>
+                        <a:srgbClr val="000000"/>
+                      </a:solidFill>
+                      <a:prstDash val="solid"/>
+                      <a:round/>
+                      <a:headEnd type="none" w="med" len="med"/>
+                      <a:tailEnd type="none" w="med" len="med"/>
+                    </a:lnL>
+                    <a:lnR w="12700" cap="flat" cmpd="sng" algn="ctr">
+                      <a:solidFill>
+                        <a:srgbClr val="000000"/>
+                      </a:solidFill>
+                      <a:prstDash val="solid"/>
+                      <a:round/>
+                      <a:headEnd type="none" w="med" len="med"/>
+                      <a:tailEnd type="none" w="med" len="med"/>
+                    </a:lnR>
+                    <a:lnT w="12700" cap="flat" cmpd="sng" algn="ctr">
+                      <a:solidFill>
+                        <a:srgbClr val="000000"/>
+                      </a:solidFill>
+                      <a:prstDash val="solid"/>
+                      <a:round/>
+                      <a:headEnd type="none" w="med" len="med"/>
+                      <a:tailEnd type="none" w="med" len="med"/>
+                    </a:lnT>
+                    <a:lnB w="12700" cap="flat" cmpd="sng" algn="ctr">
+                      <a:solidFill>
+                        <a:srgbClr val="000000"/>
+                      </a:solidFill>
+                      <a:prstDash val="solid"/>
+                      <a:round/>
+                      <a:headEnd type="none" w="med" len="med"/>
+                      <a:tailEnd type="none" w="med" len="med"/>
+                    </a:lnB>
+                    <a:solidFill>
+                      <a:srgbClr val="FFFFFF"/>
+                    </a:solidFill>
+                  </a:tcPr>
+                </a:tc>
+                <a:tc>
+                  <a:txBody>
+                    <a:bodyPr/>
+                    <a:lstStyle/>
+                    <a:p>
+                      <a:pPr marL="0" marR="0">
+                        <a:spcBef>
+                          <a:spcPts val="0"/>
+                        </a:spcBef>
+                        <a:spcAft>
+                          <a:spcPts val="0"/>
+                        </a:spcAft>
+                      </a:pPr>
+                      <a:r>
+                        <a:rPr lang="en-US" sz="2000">
+                          <a:effectLst/>
+                          <a:latin typeface="Garamond" charset="0"/>
+                          <a:ea typeface="Times New Roman" charset="0"/>
+                          <a:cs typeface="Arial" charset="0"/>
+                        </a:rPr>
+                        <a:t> </a:t>
+                      </a:r>
+                      <a:endParaRPr lang="en-US" sz="2000">
+                        <a:effectLst/>
+                        <a:latin typeface="Times New Roman" charset="0"/>
+                        <a:ea typeface="Calibri" charset="0"/>
+                      </a:endParaRPr>
+                    </a:p>
+                  </a:txBody>
+                  <a:tcPr marL="24670" marR="24670" marT="0" marB="0">
+                    <a:lnL w="12700" cap="flat" cmpd="sng" algn="ctr">
+                      <a:solidFill>
+                        <a:srgbClr val="000000"/>
+                      </a:solidFill>
+                      <a:prstDash val="solid"/>
+                      <a:round/>
+                      <a:headEnd type="none" w="med" len="med"/>
+                      <a:tailEnd type="none" w="med" len="med"/>
+                    </a:lnL>
+                    <a:lnR w="12700" cap="flat" cmpd="sng" algn="ctr">
+                      <a:solidFill>
+                        <a:srgbClr val="000000"/>
+                      </a:solidFill>
+                      <a:prstDash val="solid"/>
+                      <a:round/>
+                      <a:headEnd type="none" w="med" len="med"/>
+                      <a:tailEnd type="none" w="med" len="med"/>
+                    </a:lnR>
+                    <a:lnT w="12700" cap="flat" cmpd="sng" algn="ctr">
+                      <a:solidFill>
+                        <a:srgbClr val="000000"/>
+                      </a:solidFill>
+                      <a:prstDash val="solid"/>
+                      <a:round/>
+                      <a:headEnd type="none" w="med" len="med"/>
+                      <a:tailEnd type="none" w="med" len="med"/>
+                    </a:lnT>
+                    <a:lnB w="12700" cap="flat" cmpd="sng" algn="ctr">
+                      <a:solidFill>
+                        <a:srgbClr val="000000"/>
+                      </a:solidFill>
+                      <a:prstDash val="solid"/>
+                      <a:round/>
+                      <a:headEnd type="none" w="med" len="med"/>
+                      <a:tailEnd type="none" w="med" len="med"/>
+                    </a:lnB>
+                    <a:solidFill>
+                      <a:srgbClr val="FFFFFF"/>
+                    </a:solidFill>
+                  </a:tcPr>
+                </a:tc>
+                <a:tc>
+                  <a:txBody>
+                    <a:bodyPr/>
+                    <a:lstStyle/>
+                    <a:p>
+                      <a:pPr marL="0" marR="0">
+                        <a:spcBef>
+                          <a:spcPts val="0"/>
+                        </a:spcBef>
+                        <a:spcAft>
+                          <a:spcPts val="0"/>
+                        </a:spcAft>
+                      </a:pPr>
+                      <a:r>
+                        <a:rPr lang="en-US" sz="2000">
+                          <a:effectLst/>
+                          <a:latin typeface="Garamond" charset="0"/>
+                          <a:ea typeface="Times New Roman" charset="0"/>
+                          <a:cs typeface="Arial" charset="0"/>
+                        </a:rPr>
+                        <a:t> </a:t>
+                      </a:r>
+                      <a:endParaRPr lang="en-US" sz="2000">
+                        <a:effectLst/>
+                        <a:latin typeface="Times New Roman" charset="0"/>
+                        <a:ea typeface="Calibri" charset="0"/>
+                      </a:endParaRPr>
+                    </a:p>
+                  </a:txBody>
+                  <a:tcPr marL="24670" marR="24670" marT="0" marB="0">
+                    <a:lnL w="12700" cap="flat" cmpd="sng" algn="ctr">
+                      <a:solidFill>
+                        <a:srgbClr val="000000"/>
+                      </a:solidFill>
+                      <a:prstDash val="solid"/>
+                      <a:round/>
+                      <a:headEnd type="none" w="med" len="med"/>
+                      <a:tailEnd type="none" w="med" len="med"/>
+                    </a:lnL>
+                    <a:lnR w="12700" cap="flat" cmpd="sng" algn="ctr">
+                      <a:solidFill>
+                        <a:srgbClr val="000000"/>
+                      </a:solidFill>
+                      <a:prstDash val="solid"/>
+                      <a:round/>
+                      <a:headEnd type="none" w="med" len="med"/>
+                      <a:tailEnd type="none" w="med" len="med"/>
+                    </a:lnR>
+                    <a:lnT w="12700" cap="flat" cmpd="sng" algn="ctr">
+                      <a:solidFill>
+                        <a:srgbClr val="000000"/>
+                      </a:solidFill>
+                      <a:prstDash val="solid"/>
+                      <a:round/>
+                      <a:headEnd type="none" w="med" len="med"/>
+                      <a:tailEnd type="none" w="med" len="med"/>
+                    </a:lnT>
+                    <a:lnB w="12700" cap="flat" cmpd="sng" algn="ctr">
+                      <a:solidFill>
+                        <a:srgbClr val="000000"/>
+                      </a:solidFill>
+                      <a:prstDash val="solid"/>
+                      <a:round/>
+                      <a:headEnd type="none" w="med" len="med"/>
+                      <a:tailEnd type="none" w="med" len="med"/>
+                    </a:lnB>
+                    <a:solidFill>
+                      <a:srgbClr val="FFFFFF"/>
+                    </a:solidFill>
+                  </a:tcPr>
+                </a:tc>
+                <a:extLst>
+                  <a:ext uri="{0D108BD9-81ED-4DB2-BD59-A6C34878D82A}">
+                    <a16:rowId xmlns:a16="http://schemas.microsoft.com/office/drawing/2014/main" val="10003"/>
+                  </a:ext>
+                </a:extLst>
+              </a:tr>
+            </a:tbl>
+          </a:graphicData>
+        </a:graphic>
+      </p:graphicFrame>
+      <p:sp>
+        <p:nvSpPr>
+          <p:cNvPr id="6" name="TextBox 5"/>
+          <p:cNvSpPr txBox="1"/>
+          <p:nvPr/>
+        </p:nvSpPr>
+        <p:spPr>
+          <a:xfrm>
+            <a:off x="1698812" y="5445418"/>
+            <a:ext cx="8672244" cy="923330"/>
+          </a:xfrm>
+          <a:prstGeom prst="rect">
+            <a:avLst/>
+          </a:prstGeom>
+          <a:noFill/>
+        </p:spPr>
+        <p:txBody>
+          <a:bodyPr wrap="square" rtlCol="0">
+            <a:spAutoFit/>
+          </a:bodyPr>
           <a:lstStyle/>
           <a:p>
             <a:r>
-              <a:rPr lang="en-US" dirty="0"/>
-              <a:t>Video Location: </a:t>
-            </a:r>
-            <a:r>
-              <a:rPr lang="en-US"/>
-              <a:t>Treatment folder SSD 3 Matthew Tx</a:t>
-            </a:r>
+              <a:rPr lang="en-US" i="1" dirty="0"/>
+              <a:t>Discuss Matthew’s parents’ role in treatment so far.  How do you think their involvement is contributing to his therapy?  Do you think the home practice is contributing to Matthew’s progress?  Why or why not?</a:t>
+            </a:r>
+            <a:endParaRPr lang="en-US" dirty="0"/>
           </a:p>
         </p:txBody>
       </p:sp>
     </p:spTree>
     <p:extLst>
       <p:ext uri="{BB962C8B-B14F-4D97-AF65-F5344CB8AC3E}">
-        <p14:creationId xmlns:p14="http://schemas.microsoft.com/office/powerpoint/2010/main" val="561068977"/>
+        <p14:creationId xmlns:p14="http://schemas.microsoft.com/office/powerpoint/2010/main" val="1228613212"/>
       </p:ext>
     </p:extLst>
   </p:cSld>
@@ -4055,114 +8832,78 @@
       </p:grpSpPr>
       <p:sp>
         <p:nvSpPr>
-          <p:cNvPr id="2" name="Title 1"/>
-          <p:cNvSpPr>
-            <a:spLocks noGrp="1"/>
-          </p:cNvSpPr>
-          <p:nvPr>
-            <p:ph type="title"/>
-          </p:nvPr>
-        </p:nvSpPr>
-        <p:spPr/>
-        <p:txBody>
-          <a:bodyPr>
-            <a:normAutofit/>
+          <p:cNvPr id="3" name="TextBox 2">
+            <a:extLst>
+              <a:ext uri="{FF2B5EF4-FFF2-40B4-BE49-F238E27FC236}">
+                <a16:creationId xmlns:a16="http://schemas.microsoft.com/office/drawing/2014/main" id="{0BC7C3E7-38FA-4B44-B063-62F8EEEE25E6}"/>
+              </a:ext>
+            </a:extLst>
+          </p:cNvPr>
+          <p:cNvSpPr txBox="1"/>
+          <p:nvPr/>
+        </p:nvSpPr>
+        <p:spPr>
+          <a:xfrm>
+            <a:off x="5431025" y="248005"/>
+            <a:ext cx="1619132" cy="400110"/>
+          </a:xfrm>
+          <a:prstGeom prst="rect">
+            <a:avLst/>
+          </a:prstGeom>
+          <a:noFill/>
+        </p:spPr>
+        <p:txBody>
+          <a:bodyPr wrap="square" rtlCol="0">
+            <a:spAutoFit/>
           </a:bodyPr>
           <a:lstStyle/>
           <a:p>
             <a:r>
-              <a:rPr lang="en-US" b="1" dirty="0">
-                <a:solidFill>
-                  <a:srgbClr val="FF0000"/>
-                </a:solidFill>
-              </a:rPr>
-              <a:t>Activity 23: Strategies and Parent Counseling</a:t>
-            </a:r>
-            <a:r>
-              <a:rPr lang="en-US" b="1" dirty="0">
-                <a:solidFill>
-                  <a:srgbClr val="FF0000"/>
-                </a:solidFill>
-                <a:effectLst/>
-              </a:rPr>
-              <a:t> (Session 3)</a:t>
-            </a:r>
-            <a:endParaRPr lang="en-US" b="1" dirty="0">
-              <a:solidFill>
-                <a:srgbClr val="FF0000"/>
-              </a:solidFill>
-            </a:endParaRPr>
-          </a:p>
-        </p:txBody>
-      </p:sp>
-      <p:sp>
-        <p:nvSpPr>
-          <p:cNvPr id="3" name="Content Placeholder 2"/>
-          <p:cNvSpPr>
-            <a:spLocks noGrp="1"/>
-          </p:cNvSpPr>
-          <p:nvPr>
-            <p:ph idx="1"/>
-          </p:nvPr>
-        </p:nvSpPr>
-        <p:spPr/>
-        <p:txBody>
-          <a:bodyPr>
-            <a:normAutofit/>
+              <a:rPr lang="en-US" sz="2000"/>
+              <a:t>Session 2</a:t>
+            </a:r>
+          </a:p>
+        </p:txBody>
+      </p:sp>
+      <p:sp>
+        <p:nvSpPr>
+          <p:cNvPr id="4" name="TextBox 3">
+            <a:extLst>
+              <a:ext uri="{FF2B5EF4-FFF2-40B4-BE49-F238E27FC236}">
+                <a16:creationId xmlns:a16="http://schemas.microsoft.com/office/drawing/2014/main" id="{A4065D28-D884-7343-97ED-F90EBB74F0B9}"/>
+              </a:ext>
+            </a:extLst>
+          </p:cNvPr>
+          <p:cNvSpPr txBox="1"/>
+          <p:nvPr/>
+        </p:nvSpPr>
+        <p:spPr>
+          <a:xfrm>
+            <a:off x="925830" y="1131570"/>
+            <a:ext cx="5826531" cy="369332"/>
+          </a:xfrm>
+          <a:prstGeom prst="rect">
+            <a:avLst/>
+          </a:prstGeom>
+          <a:noFill/>
+        </p:spPr>
+        <p:txBody>
+          <a:bodyPr wrap="none" rtlCol="0">
+            <a:spAutoFit/>
           </a:bodyPr>
           <a:lstStyle/>
           <a:p>
-            <a:pPr marL="0" indent="0">
-              <a:buNone/>
-            </a:pPr>
-            <a:r>
-              <a:rPr lang="en-US" sz="2400" dirty="0"/>
-              <a:t>After watching the whole session, answer the following questions:</a:t>
-            </a:r>
-          </a:p>
-          <a:p>
-            <a:r>
-              <a:rPr lang="en-US" sz="2400" dirty="0"/>
-              <a:t>Matthew really struggles to produce –</a:t>
-            </a:r>
-            <a:r>
-              <a:rPr lang="en-US" sz="2400" dirty="0" err="1"/>
-              <a:t>ks</a:t>
-            </a:r>
-            <a:r>
-              <a:rPr lang="en-US" sz="2400" dirty="0"/>
-              <a:t> at the end of words.  What strategies does the clinician use to try to teach Matthew?</a:t>
-            </a:r>
-          </a:p>
-          <a:p>
-            <a:r>
-              <a:rPr lang="en-US" sz="2400" dirty="0"/>
-              <a:t>What strategies does the clinician use to answer Matthew’s parents’ concerns?</a:t>
-            </a:r>
-          </a:p>
-          <a:p>
-            <a:r>
-              <a:rPr lang="en-US" sz="2400" dirty="0"/>
-              <a:t>Why doesn’t the clinician send home the –</a:t>
-            </a:r>
-            <a:r>
-              <a:rPr lang="en-US" sz="2400" dirty="0" err="1"/>
-              <a:t>ts</a:t>
-            </a:r>
-            <a:r>
-              <a:rPr lang="en-US" sz="2400" dirty="0"/>
-              <a:t> cards?</a:t>
-            </a:r>
-          </a:p>
-          <a:p>
-            <a:endParaRPr lang="en-US" dirty="0"/>
+            <a:r>
+              <a:rPr lang="en-US" dirty="0"/>
+              <a:t>Video Location: Treatment Folder SSD 2 Matthew Treatment</a:t>
+            </a:r>
           </a:p>
         </p:txBody>
       </p:sp>
     </p:spTree>
     <p:extLst>
       <p:ext uri="{BB962C8B-B14F-4D97-AF65-F5344CB8AC3E}">
-        <p14:creationId xmlns:p14="http://schemas.microsoft.com/office/powerpoint/2010/main" val="974664708"/>
+        <p14:creationId xmlns:p14="http://schemas.microsoft.com/office/powerpoint/2010/main" val="1999984505"/>
       </p:ext>
     </p:extLst>
   </p:cSld>
@@ -4191,7 +8932,13 @@
       </p:grpSpPr>
       <p:sp>
         <p:nvSpPr>
-          <p:cNvPr id="2" name="Title 1"/>
+          <p:cNvPr id="2" name="Title 1">
+            <a:extLst>
+              <a:ext uri="{FF2B5EF4-FFF2-40B4-BE49-F238E27FC236}">
+                <a16:creationId xmlns:a16="http://schemas.microsoft.com/office/drawing/2014/main" id="{BB5973DD-5F95-7849-BCAC-D7A371A9972E}"/>
+              </a:ext>
+            </a:extLst>
+          </p:cNvPr>
           <p:cNvSpPr>
             <a:spLocks noGrp="1"/>
           </p:cNvSpPr>
@@ -4201,7 +8948,7 @@
         </p:nvSpPr>
         <p:spPr>
           <a:xfrm>
-            <a:off x="2152650" y="210748"/>
+            <a:off x="2152650" y="63523"/>
             <a:ext cx="7886700" cy="1325563"/>
           </a:xfrm>
         </p:spPr>
@@ -4212,15 +8959,220 @@
             <a:pPr algn="ctr"/>
             <a:r>
               <a:rPr lang="en-US" dirty="0"/>
-              <a:t>SESSION 3 SOAP NOTE</a:t>
-            </a:r>
+              <a:t>Teaching/Scaffolding Strategies</a:t>
+            </a:r>
+          </a:p>
+        </p:txBody>
+      </p:sp>
+      <p:sp>
+        <p:nvSpPr>
+          <p:cNvPr id="3" name="Content Placeholder 2">
+            <a:extLst>
+              <a:ext uri="{FF2B5EF4-FFF2-40B4-BE49-F238E27FC236}">
+                <a16:creationId xmlns:a16="http://schemas.microsoft.com/office/drawing/2014/main" id="{3661447A-88CF-134E-B48E-615EBCBEC8BF}"/>
+              </a:ext>
+            </a:extLst>
+          </p:cNvPr>
+          <p:cNvSpPr>
+            <a:spLocks noGrp="1"/>
+          </p:cNvSpPr>
+          <p:nvPr>
+            <p:ph idx="1"/>
+          </p:nvPr>
+        </p:nvSpPr>
+        <p:spPr>
+          <a:xfrm>
+            <a:off x="1750643" y="1124167"/>
+            <a:ext cx="8690714" cy="5130712"/>
+          </a:xfrm>
+        </p:spPr>
+        <p:txBody>
+          <a:bodyPr>
+            <a:noAutofit/>
+          </a:bodyPr>
+          <a:lstStyle/>
+          <a:p>
+            <a:pPr>
+              <a:buFont typeface="Arial" panose="020B0604020202020204" pitchFamily="34" charset="0"/>
+              <a:buChar char="•"/>
+            </a:pPr>
+            <a:r>
+              <a:rPr lang="en-US" sz="2400" b="1" dirty="0">
+                <a:solidFill>
+                  <a:srgbClr val="7030A0"/>
+                </a:solidFill>
+              </a:rPr>
+              <a:t>Modeling</a:t>
+            </a:r>
+          </a:p>
+          <a:p>
+            <a:pPr lvl="1">
+              <a:buFont typeface="Arial" panose="020B0604020202020204" pitchFamily="34" charset="0"/>
+              <a:buChar char="•"/>
+            </a:pPr>
+            <a:r>
+              <a:rPr lang="en-US" sz="2100" dirty="0"/>
+              <a:t>Direct and Indirect</a:t>
+            </a:r>
+            <a:endParaRPr lang="en-US" sz="2100" b="1" dirty="0">
+              <a:solidFill>
+                <a:srgbClr val="7030A0"/>
+              </a:solidFill>
+            </a:endParaRPr>
+          </a:p>
+          <a:p>
+            <a:pPr>
+              <a:buFont typeface="Arial" panose="020B0604020202020204" pitchFamily="34" charset="0"/>
+              <a:buChar char="•"/>
+            </a:pPr>
+            <a:r>
+              <a:rPr lang="en-US" sz="2400" b="1" dirty="0">
+                <a:solidFill>
+                  <a:srgbClr val="7030A0"/>
+                </a:solidFill>
+              </a:rPr>
+              <a:t>Cues</a:t>
+            </a:r>
+            <a:r>
+              <a:rPr lang="en-US" sz="2400" dirty="0"/>
+              <a:t>: a hint that naturally reminds the client about the target skill               </a:t>
+            </a:r>
+            <a:r>
+              <a:rPr lang="en-US" sz="2400" b="1" dirty="0">
+                <a:solidFill>
+                  <a:srgbClr val="7030A0"/>
+                </a:solidFill>
+              </a:rPr>
+              <a:t>Prompts</a:t>
+            </a:r>
+            <a:r>
+              <a:rPr lang="en-US" sz="2400" dirty="0"/>
+              <a:t>: extra support that is provided to help client achieve skill. A prompt doesn’t look like the actual skill.</a:t>
+            </a:r>
+          </a:p>
+          <a:p>
+            <a:pPr lvl="1">
+              <a:buFont typeface="Arial" panose="020B0604020202020204" pitchFamily="34" charset="0"/>
+              <a:buChar char="•"/>
+            </a:pPr>
+            <a:r>
+              <a:rPr lang="en-US" sz="2100" dirty="0"/>
+              <a:t>Attentional</a:t>
+            </a:r>
+          </a:p>
+          <a:p>
+            <a:pPr lvl="1">
+              <a:buFont typeface="Arial" panose="020B0604020202020204" pitchFamily="34" charset="0"/>
+              <a:buChar char="•"/>
+            </a:pPr>
+            <a:r>
+              <a:rPr lang="en-US" sz="2100" dirty="0"/>
+              <a:t>Auditory:  clinician vocal inflection, pauses</a:t>
+            </a:r>
+          </a:p>
+          <a:p>
+            <a:pPr lvl="1">
+              <a:buFont typeface="Arial" panose="020B0604020202020204" pitchFamily="34" charset="0"/>
+              <a:buChar char="•"/>
+            </a:pPr>
+            <a:r>
+              <a:rPr lang="en-US" sz="2100" dirty="0"/>
+              <a:t>Visual:  gesture, posture, facial expression, visual supports </a:t>
+            </a:r>
+          </a:p>
+          <a:p>
+            <a:pPr lvl="1">
+              <a:buFont typeface="Arial" panose="020B0604020202020204" pitchFamily="34" charset="0"/>
+              <a:buChar char="•"/>
+            </a:pPr>
+            <a:r>
+              <a:rPr lang="en-US" sz="2100" dirty="0"/>
+              <a:t>Tactile-kinesthetic</a:t>
+            </a:r>
+            <a:endParaRPr lang="en-US" sz="2100" b="1" dirty="0">
+              <a:solidFill>
+                <a:srgbClr val="7030A0"/>
+              </a:solidFill>
+            </a:endParaRPr>
+          </a:p>
+          <a:p>
+            <a:pPr>
+              <a:buFont typeface="Arial" panose="020B0604020202020204" pitchFamily="34" charset="0"/>
+              <a:buChar char="•"/>
+            </a:pPr>
+            <a:r>
+              <a:rPr lang="en-US" sz="2400" b="1" dirty="0">
+                <a:solidFill>
+                  <a:srgbClr val="7030A0"/>
+                </a:solidFill>
+              </a:rPr>
+              <a:t>Fading</a:t>
+            </a:r>
+            <a:r>
+              <a:rPr lang="en-US" sz="2400" dirty="0"/>
+              <a:t>:  gradually removing support to increase client’s independence</a:t>
+            </a:r>
+            <a:endParaRPr lang="en-US" sz="2400" b="1" dirty="0">
+              <a:solidFill>
+                <a:srgbClr val="7030A0"/>
+              </a:solidFill>
+            </a:endParaRPr>
+          </a:p>
+          <a:p>
+            <a:pPr>
+              <a:buFont typeface="Arial" panose="020B0604020202020204" pitchFamily="34" charset="0"/>
+              <a:buChar char="•"/>
+            </a:pPr>
+            <a:r>
+              <a:rPr lang="en-US" sz="2400" b="1" dirty="0">
+                <a:solidFill>
+                  <a:srgbClr val="7030A0"/>
+                </a:solidFill>
+              </a:rPr>
+              <a:t>Shaping by Successive Approximation</a:t>
+            </a:r>
+            <a:r>
+              <a:rPr lang="en-US" sz="2400" dirty="0">
+                <a:solidFill>
+                  <a:srgbClr val="7030A0"/>
+                </a:solidFill>
+              </a:rPr>
+              <a:t>: </a:t>
+            </a:r>
+            <a:r>
+              <a:rPr lang="en-US" sz="2400" dirty="0"/>
+              <a:t>simplification of a difficult target into a series of easier steps.</a:t>
+            </a:r>
+          </a:p>
+          <a:p>
+            <a:pPr>
+              <a:buFont typeface="Arial" panose="020B0604020202020204" pitchFamily="34" charset="0"/>
+              <a:buChar char="•"/>
+            </a:pPr>
+            <a:r>
+              <a:rPr lang="en-US" sz="2400" b="1" dirty="0">
+                <a:solidFill>
+                  <a:srgbClr val="7030A0"/>
+                </a:solidFill>
+              </a:rPr>
+              <a:t>Expansion</a:t>
+            </a:r>
+            <a:r>
+              <a:rPr lang="en-US" sz="2400" dirty="0"/>
+              <a:t>: clinician expands the client’s utterance into a more mature or complete version.</a:t>
+            </a:r>
+            <a:endParaRPr lang="en-US" sz="2400" b="1" dirty="0">
+              <a:solidFill>
+                <a:srgbClr val="7030A0"/>
+              </a:solidFill>
+            </a:endParaRPr>
           </a:p>
         </p:txBody>
       </p:sp>
     </p:spTree>
     <p:extLst>
       <p:ext uri="{BB962C8B-B14F-4D97-AF65-F5344CB8AC3E}">
-        <p14:creationId xmlns:p14="http://schemas.microsoft.com/office/powerpoint/2010/main" val="2121757163"/>
+        <p14:creationId xmlns:p14="http://schemas.microsoft.com/office/powerpoint/2010/main" val="3389912704"/>
       </p:ext>
     </p:extLst>
   </p:cSld>
@@ -4249,6 +9201,791 @@
       </p:grpSpPr>
       <p:sp>
         <p:nvSpPr>
+          <p:cNvPr id="2" name="Title 1">
+            <a:extLst>
+              <a:ext uri="{FF2B5EF4-FFF2-40B4-BE49-F238E27FC236}">
+                <a16:creationId xmlns:a16="http://schemas.microsoft.com/office/drawing/2014/main" id="{2B53DED2-1D1D-C743-9FB7-3CAA181D30F6}"/>
+              </a:ext>
+            </a:extLst>
+          </p:cNvPr>
+          <p:cNvSpPr>
+            <a:spLocks noGrp="1"/>
+          </p:cNvSpPr>
+          <p:nvPr>
+            <p:ph type="ctrTitle"/>
+          </p:nvPr>
+        </p:nvSpPr>
+        <p:spPr>
+          <a:xfrm>
+            <a:off x="2145323" y="383809"/>
+            <a:ext cx="7309338" cy="1467852"/>
+          </a:xfrm>
+        </p:spPr>
+        <p:txBody>
+          <a:bodyPr anchor="t">
+            <a:normAutofit/>
+          </a:bodyPr>
+          <a:lstStyle/>
+          <a:p>
+            <a:r>
+              <a:rPr lang="en-US" sz="3200" dirty="0"/>
+              <a:t>Scaffolding procedures should be planned prior to therapy and adapted as therapy progresses.  </a:t>
+            </a:r>
+          </a:p>
+        </p:txBody>
+      </p:sp>
+      <p:sp>
+        <p:nvSpPr>
+          <p:cNvPr id="4" name="TextBox 3">
+            <a:extLst>
+              <a:ext uri="{FF2B5EF4-FFF2-40B4-BE49-F238E27FC236}">
+                <a16:creationId xmlns:a16="http://schemas.microsoft.com/office/drawing/2014/main" id="{EE761B64-1A6B-2347-9E40-60AB480D9293}"/>
+              </a:ext>
+            </a:extLst>
+          </p:cNvPr>
+          <p:cNvSpPr txBox="1"/>
+          <p:nvPr/>
+        </p:nvSpPr>
+        <p:spPr>
+          <a:xfrm>
+            <a:off x="1813560" y="1993216"/>
+            <a:ext cx="8382000" cy="5078313"/>
+          </a:xfrm>
+          <a:prstGeom prst="rect">
+            <a:avLst/>
+          </a:prstGeom>
+          <a:noFill/>
+        </p:spPr>
+        <p:txBody>
+          <a:bodyPr wrap="square" rtlCol="0">
+            <a:spAutoFit/>
+          </a:bodyPr>
+          <a:lstStyle/>
+          <a:p>
+            <a:pPr marL="285750" indent="-285750">
+              <a:buFont typeface="Wingdings" pitchFamily="2" charset="2"/>
+              <a:buChar char="Ø"/>
+            </a:pPr>
+            <a:r>
+              <a:rPr lang="en-US" sz="2400" dirty="0"/>
+              <a:t>Sequence instructional prompts/cues in a hierarchy from least-to-most support</a:t>
+            </a:r>
+          </a:p>
+          <a:p>
+            <a:pPr marL="285750" indent="-285750">
+              <a:buFont typeface="Wingdings" pitchFamily="2" charset="2"/>
+              <a:buChar char="Ø"/>
+            </a:pPr>
+            <a:endParaRPr lang="en-US" sz="2400" dirty="0"/>
+          </a:p>
+          <a:p>
+            <a:pPr marL="285750" indent="-285750">
+              <a:buFont typeface="Wingdings" pitchFamily="2" charset="2"/>
+              <a:buChar char="Ø"/>
+            </a:pPr>
+            <a:r>
+              <a:rPr lang="en-US" sz="2400" dirty="0"/>
+              <a:t>From baseline information, predict where to start in the hierarchy</a:t>
+            </a:r>
+          </a:p>
+          <a:p>
+            <a:pPr marL="285750" indent="-285750">
+              <a:buFont typeface="Wingdings" pitchFamily="2" charset="2"/>
+              <a:buChar char="Ø"/>
+            </a:pPr>
+            <a:endParaRPr lang="en-US" sz="2400" dirty="0"/>
+          </a:p>
+          <a:p>
+            <a:pPr marL="285750" indent="-285750">
+              <a:buFont typeface="Wingdings" pitchFamily="2" charset="2"/>
+              <a:buChar char="Ø"/>
+            </a:pPr>
+            <a:r>
+              <a:rPr lang="en-US" sz="2400" dirty="0"/>
+              <a:t>Intentionally plan how to fade support to increase client independence</a:t>
+            </a:r>
+          </a:p>
+          <a:p>
+            <a:pPr marL="285750" indent="-285750">
+              <a:buFont typeface="Wingdings" pitchFamily="2" charset="2"/>
+              <a:buChar char="Ø"/>
+            </a:pPr>
+            <a:endParaRPr lang="en-US" sz="2400" dirty="0"/>
+          </a:p>
+          <a:p>
+            <a:pPr marL="285750" indent="-285750">
+              <a:buFont typeface="Wingdings" pitchFamily="2" charset="2"/>
+              <a:buChar char="Ø"/>
+            </a:pPr>
+            <a:r>
+              <a:rPr lang="en-US" sz="2400" dirty="0"/>
+              <a:t>Make sure data reflects the level of support provided</a:t>
+            </a:r>
+          </a:p>
+          <a:p>
+            <a:endParaRPr lang="en-US" dirty="0"/>
+          </a:p>
+          <a:p>
+            <a:pPr algn="ctr"/>
+            <a:r>
+              <a:rPr lang="en-US" sz="2400" dirty="0">
+                <a:solidFill>
+                  <a:srgbClr val="FF0000"/>
+                </a:solidFill>
+              </a:rPr>
+              <a:t>Too much support can cause prompt dependency or learned helplessness.  Be very mindful of this!</a:t>
+            </a:r>
+          </a:p>
+          <a:p>
+            <a:endParaRPr lang="en-US" dirty="0"/>
+          </a:p>
+        </p:txBody>
+      </p:sp>
+    </p:spTree>
+    <p:extLst>
+      <p:ext uri="{BB962C8B-B14F-4D97-AF65-F5344CB8AC3E}">
+        <p14:creationId xmlns:p14="http://schemas.microsoft.com/office/powerpoint/2010/main" val="1363869757"/>
+      </p:ext>
+    </p:extLst>
+  </p:cSld>
+  <p:clrMapOvr>
+    <a:masterClrMapping/>
+  </p:clrMapOvr>
+</p:sld>
+</file>
+
+<file path=ppt/slides/slide6.xml><?xml version="1.0" encoding="utf-8"?>
+<p:sld xmlns:a="http://schemas.openxmlformats.org/drawingml/2006/main" xmlns:r="http://schemas.openxmlformats.org/officeDocument/2006/relationships" xmlns:p="http://schemas.openxmlformats.org/presentationml/2006/main">
+  <p:cSld>
+    <p:spTree>
+      <p:nvGrpSpPr>
+        <p:cNvPr id="1" name=""/>
+        <p:cNvGrpSpPr/>
+        <p:nvPr/>
+      </p:nvGrpSpPr>
+      <p:grpSpPr>
+        <a:xfrm>
+          <a:off x="0" y="0"/>
+          <a:ext cx="0" cy="0"/>
+          <a:chOff x="0" y="0"/>
+          <a:chExt cx="0" cy="0"/>
+        </a:xfrm>
+      </p:grpSpPr>
+      <p:sp>
+        <p:nvSpPr>
+          <p:cNvPr id="2" name="Title 1">
+            <a:extLst>
+              <a:ext uri="{FF2B5EF4-FFF2-40B4-BE49-F238E27FC236}">
+                <a16:creationId xmlns:a16="http://schemas.microsoft.com/office/drawing/2014/main" id="{BB5973DD-5F95-7849-BCAC-D7A371A9972E}"/>
+              </a:ext>
+            </a:extLst>
+          </p:cNvPr>
+          <p:cNvSpPr>
+            <a:spLocks noGrp="1"/>
+          </p:cNvSpPr>
+          <p:nvPr>
+            <p:ph type="title"/>
+          </p:nvPr>
+        </p:nvSpPr>
+        <p:spPr>
+          <a:xfrm>
+            <a:off x="2152650" y="229778"/>
+            <a:ext cx="7886700" cy="1325563"/>
+          </a:xfrm>
+        </p:spPr>
+        <p:txBody>
+          <a:bodyPr>
+            <a:normAutofit/>
+          </a:bodyPr>
+          <a:lstStyle/>
+          <a:p>
+            <a:pPr algn="ctr"/>
+            <a:r>
+              <a:rPr lang="en-US" dirty="0"/>
+              <a:t>Prompting Hierarchy Example</a:t>
+            </a:r>
+            <a:br>
+              <a:rPr lang="en-US" dirty="0"/>
+            </a:br>
+            <a:r>
+              <a:rPr lang="en-US" sz="3100" dirty="0"/>
+              <a:t>Environmental Communication Teaching (ECT)</a:t>
+            </a:r>
+          </a:p>
+        </p:txBody>
+      </p:sp>
+      <p:sp>
+        <p:nvSpPr>
+          <p:cNvPr id="5" name="Content Placeholder 4">
+            <a:extLst>
+              <a:ext uri="{FF2B5EF4-FFF2-40B4-BE49-F238E27FC236}">
+                <a16:creationId xmlns:a16="http://schemas.microsoft.com/office/drawing/2014/main" id="{7A82D900-490F-4D4E-AFFA-97FA3F9FB0CF}"/>
+              </a:ext>
+            </a:extLst>
+          </p:cNvPr>
+          <p:cNvSpPr>
+            <a:spLocks noGrp="1"/>
+          </p:cNvSpPr>
+          <p:nvPr>
+            <p:ph idx="1"/>
+          </p:nvPr>
+        </p:nvSpPr>
+        <p:spPr>
+          <a:xfrm>
+            <a:off x="1792782" y="1555340"/>
+            <a:ext cx="8606437" cy="5072883"/>
+          </a:xfrm>
+        </p:spPr>
+        <p:txBody>
+          <a:bodyPr>
+            <a:normAutofit fontScale="92500" lnSpcReduction="10000"/>
+          </a:bodyPr>
+          <a:lstStyle/>
+          <a:p>
+            <a:r>
+              <a:rPr lang="en-US" sz="2400" dirty="0"/>
+              <a:t>STEP 1:  EXPECTANT PAUSING</a:t>
+            </a:r>
+          </a:p>
+          <a:p>
+            <a:pPr lvl="1"/>
+            <a:r>
+              <a:rPr lang="en-US" sz="2100" dirty="0"/>
+              <a:t>Environment has been set up.  Clinician focuses attention on client and waits expectantly.  </a:t>
+            </a:r>
+          </a:p>
+          <a:p>
+            <a:pPr lvl="2"/>
+            <a:r>
+              <a:rPr lang="en-US" sz="1800" dirty="0"/>
+              <a:t>May add a gestural prompt</a:t>
+            </a:r>
+          </a:p>
+          <a:p>
+            <a:pPr marL="685800" lvl="2" indent="0">
+              <a:buNone/>
+            </a:pPr>
+            <a:endParaRPr lang="en-US" sz="1800" dirty="0"/>
+          </a:p>
+          <a:p>
+            <a:r>
+              <a:rPr lang="en-US" sz="2400" dirty="0"/>
+              <a:t>STEP 2:  OPEN QUESTION</a:t>
+            </a:r>
+          </a:p>
+          <a:p>
+            <a:pPr lvl="1"/>
+            <a:r>
+              <a:rPr lang="en-US" sz="2100" dirty="0"/>
+              <a:t>Ask a simple question:  “What’s next?” “What do you want?”</a:t>
+            </a:r>
+          </a:p>
+          <a:p>
+            <a:pPr marL="342900" lvl="1" indent="0">
+              <a:buNone/>
+            </a:pPr>
+            <a:endParaRPr lang="en-US" sz="2100" dirty="0"/>
+          </a:p>
+          <a:p>
+            <a:r>
+              <a:rPr lang="en-US" sz="2400" dirty="0"/>
+              <a:t>STEP 3:  PROMPT</a:t>
+            </a:r>
+          </a:p>
+          <a:p>
+            <a:pPr lvl="1"/>
+            <a:r>
+              <a:rPr lang="en-US" sz="2100" dirty="0"/>
+              <a:t>3a:  Provide part of the answer in a question, hint, or model</a:t>
+            </a:r>
+          </a:p>
+          <a:p>
+            <a:pPr lvl="2"/>
+            <a:r>
+              <a:rPr lang="en-US" sz="1800" dirty="0"/>
+              <a:t>“Do you want blocks or car? I have blocks and a car. What do you want?”</a:t>
+            </a:r>
+          </a:p>
+          <a:p>
+            <a:pPr lvl="2"/>
+            <a:r>
+              <a:rPr lang="en-US" sz="1800" dirty="0"/>
+              <a:t> “We can build with blocks or make the car go.”</a:t>
+            </a:r>
+          </a:p>
+          <a:p>
+            <a:pPr lvl="2"/>
+            <a:r>
+              <a:rPr lang="en-US" sz="1800" dirty="0"/>
+              <a:t> “I want ……”  “Give me….”</a:t>
+            </a:r>
+          </a:p>
+          <a:p>
+            <a:pPr lvl="1"/>
+            <a:r>
+              <a:rPr lang="en-US" sz="2100" dirty="0"/>
+              <a:t>3b:  Request verbalization:  “Tell me what you want.” “Ask me”  “Show me”</a:t>
+            </a:r>
+          </a:p>
+          <a:p>
+            <a:pPr marL="342900" lvl="1" indent="0">
+              <a:buNone/>
+            </a:pPr>
+            <a:endParaRPr lang="en-US" sz="2100" dirty="0"/>
+          </a:p>
+          <a:p>
+            <a:r>
+              <a:rPr lang="en-US" sz="2400" dirty="0"/>
+              <a:t>STEP 4:  FULL MODEL</a:t>
+            </a:r>
+          </a:p>
+        </p:txBody>
+      </p:sp>
+    </p:spTree>
+    <p:extLst>
+      <p:ext uri="{BB962C8B-B14F-4D97-AF65-F5344CB8AC3E}">
+        <p14:creationId xmlns:p14="http://schemas.microsoft.com/office/powerpoint/2010/main" val="718663415"/>
+      </p:ext>
+    </p:extLst>
+  </p:cSld>
+  <p:clrMapOvr>
+    <a:masterClrMapping/>
+  </p:clrMapOvr>
+</p:sld>
+</file>
+
+<file path=ppt/slides/slide7.xml><?xml version="1.0" encoding="utf-8"?>
+<p:sld xmlns:a="http://schemas.openxmlformats.org/drawingml/2006/main" xmlns:r="http://schemas.openxmlformats.org/officeDocument/2006/relationships" xmlns:p="http://schemas.openxmlformats.org/presentationml/2006/main">
+  <p:cSld>
+    <p:spTree>
+      <p:nvGrpSpPr>
+        <p:cNvPr id="1" name=""/>
+        <p:cNvGrpSpPr/>
+        <p:nvPr/>
+      </p:nvGrpSpPr>
+      <p:grpSpPr>
+        <a:xfrm>
+          <a:off x="0" y="0"/>
+          <a:ext cx="0" cy="0"/>
+          <a:chOff x="0" y="0"/>
+          <a:chExt cx="0" cy="0"/>
+        </a:xfrm>
+      </p:grpSpPr>
+      <p:graphicFrame>
+        <p:nvGraphicFramePr>
+          <p:cNvPr id="6" name="Content Placeholder 5"/>
+          <p:cNvGraphicFramePr>
+            <a:graphicFrameLocks noGrp="1"/>
+          </p:cNvGraphicFramePr>
+          <p:nvPr>
+            <p:ph idx="1"/>
+          </p:nvPr>
+        </p:nvGraphicFramePr>
+        <p:xfrm>
+          <a:off x="2152650" y="1825625"/>
+          <a:ext cx="7886700" cy="4351338"/>
+        </p:xfrm>
+        <a:graphic>
+          <a:graphicData uri="http://schemas.openxmlformats.org/drawingml/2006/diagram">
+            <dgm:relIds xmlns:dgm="http://schemas.openxmlformats.org/drawingml/2006/diagram" xmlns:r="http://schemas.openxmlformats.org/officeDocument/2006/relationships" r:dm="rId2" r:lo="rId3" r:qs="rId4" r:cs="rId5"/>
+          </a:graphicData>
+        </a:graphic>
+      </p:graphicFrame>
+      <p:sp>
+        <p:nvSpPr>
+          <p:cNvPr id="7" name="TextBox 6"/>
+          <p:cNvSpPr txBox="1"/>
+          <p:nvPr/>
+        </p:nvSpPr>
+        <p:spPr>
+          <a:xfrm>
+            <a:off x="2613025" y="356462"/>
+            <a:ext cx="7481538" cy="984885"/>
+          </a:xfrm>
+          <a:prstGeom prst="rect">
+            <a:avLst/>
+          </a:prstGeom>
+          <a:noFill/>
+        </p:spPr>
+        <p:txBody>
+          <a:bodyPr wrap="square" rtlCol="0">
+            <a:spAutoFit/>
+          </a:bodyPr>
+          <a:lstStyle/>
+          <a:p>
+            <a:pPr algn="ctr"/>
+            <a:r>
+              <a:rPr lang="en-US" sz="4000"/>
+              <a:t>Big Picture</a:t>
+            </a:r>
+            <a:endParaRPr lang="en-US" sz="4000" b="1"/>
+          </a:p>
+          <a:p>
+            <a:pPr algn="ctr"/>
+            <a:r>
+              <a:rPr lang="en-US" b="1"/>
+              <a:t>Assessment/Treatment Planning/Treatment Cycle</a:t>
+            </a:r>
+            <a:endParaRPr lang="en-US"/>
+          </a:p>
+        </p:txBody>
+      </p:sp>
+      <p:sp>
+        <p:nvSpPr>
+          <p:cNvPr id="8" name="TextBox 7"/>
+          <p:cNvSpPr txBox="1"/>
+          <p:nvPr/>
+        </p:nvSpPr>
+        <p:spPr>
+          <a:xfrm>
+            <a:off x="7762067" y="1801814"/>
+            <a:ext cx="2185262" cy="646331"/>
+          </a:xfrm>
+          <a:prstGeom prst="rect">
+            <a:avLst/>
+          </a:prstGeom>
+          <a:noFill/>
+        </p:spPr>
+        <p:txBody>
+          <a:bodyPr wrap="square" rtlCol="0">
+            <a:spAutoFit/>
+          </a:bodyPr>
+          <a:lstStyle/>
+          <a:p>
+            <a:r>
+              <a:rPr lang="en-US"/>
+              <a:t>Referral, Intake, File Review</a:t>
+            </a:r>
+          </a:p>
+        </p:txBody>
+      </p:sp>
+      <p:sp>
+        <p:nvSpPr>
+          <p:cNvPr id="12" name="TextBox 11"/>
+          <p:cNvSpPr txBox="1"/>
+          <p:nvPr/>
+        </p:nvSpPr>
+        <p:spPr>
+          <a:xfrm>
+            <a:off x="5454892" y="3216606"/>
+            <a:ext cx="1751309" cy="1015663"/>
+          </a:xfrm>
+          <a:prstGeom prst="rect">
+            <a:avLst/>
+          </a:prstGeom>
+          <a:noFill/>
+        </p:spPr>
+        <p:txBody>
+          <a:bodyPr wrap="square" rtlCol="0">
+            <a:spAutoFit/>
+          </a:bodyPr>
+          <a:lstStyle/>
+          <a:p>
+            <a:pPr algn="ctr"/>
+            <a:r>
+              <a:rPr lang="en-US" sz="2000" b="1"/>
+              <a:t>Ongoing Progress Monitoring</a:t>
+            </a:r>
+          </a:p>
+        </p:txBody>
+      </p:sp>
+      <p:sp>
+        <p:nvSpPr>
+          <p:cNvPr id="13" name="TextBox 12"/>
+          <p:cNvSpPr txBox="1"/>
+          <p:nvPr/>
+        </p:nvSpPr>
+        <p:spPr>
+          <a:xfrm>
+            <a:off x="8854698" y="2743201"/>
+            <a:ext cx="1518834" cy="646331"/>
+          </a:xfrm>
+          <a:prstGeom prst="rect">
+            <a:avLst/>
+          </a:prstGeom>
+          <a:noFill/>
+        </p:spPr>
+        <p:txBody>
+          <a:bodyPr wrap="square" rtlCol="0">
+            <a:spAutoFit/>
+          </a:bodyPr>
+          <a:lstStyle/>
+          <a:p>
+            <a:r>
+              <a:rPr lang="en-US"/>
+              <a:t>Differential Diagnosis</a:t>
+            </a:r>
+          </a:p>
+        </p:txBody>
+      </p:sp>
+      <p:sp>
+        <p:nvSpPr>
+          <p:cNvPr id="14" name="TextBox 13"/>
+          <p:cNvSpPr txBox="1"/>
+          <p:nvPr/>
+        </p:nvSpPr>
+        <p:spPr>
+          <a:xfrm>
+            <a:off x="3073831" y="5787758"/>
+            <a:ext cx="3279964" cy="369332"/>
+          </a:xfrm>
+          <a:prstGeom prst="rect">
+            <a:avLst/>
+          </a:prstGeom>
+          <a:noFill/>
+        </p:spPr>
+        <p:txBody>
+          <a:bodyPr wrap="square" rtlCol="0">
+            <a:spAutoFit/>
+          </a:bodyPr>
+          <a:lstStyle/>
+          <a:p>
+            <a:r>
+              <a:rPr lang="en-US"/>
+              <a:t>Reviewing Empirical Evidence</a:t>
+            </a:r>
+          </a:p>
+        </p:txBody>
+      </p:sp>
+      <p:sp>
+        <p:nvSpPr>
+          <p:cNvPr id="15" name="TextBox 14"/>
+          <p:cNvSpPr txBox="1"/>
+          <p:nvPr/>
+        </p:nvSpPr>
+        <p:spPr>
+          <a:xfrm>
+            <a:off x="8498237" y="3471621"/>
+            <a:ext cx="1596326" cy="646331"/>
+          </a:xfrm>
+          <a:prstGeom prst="rect">
+            <a:avLst/>
+          </a:prstGeom>
+          <a:noFill/>
+        </p:spPr>
+        <p:txBody>
+          <a:bodyPr wrap="square" rtlCol="0">
+            <a:spAutoFit/>
+          </a:bodyPr>
+          <a:lstStyle/>
+          <a:p>
+            <a:r>
+              <a:rPr lang="en-US"/>
+              <a:t>Programmatic Evidence</a:t>
+            </a:r>
+          </a:p>
+        </p:txBody>
+      </p:sp>
+      <p:sp>
+        <p:nvSpPr>
+          <p:cNvPr id="16" name="TextBox 15"/>
+          <p:cNvSpPr txBox="1"/>
+          <p:nvPr/>
+        </p:nvSpPr>
+        <p:spPr>
+          <a:xfrm>
+            <a:off x="6576447" y="5787758"/>
+            <a:ext cx="3518116" cy="369332"/>
+          </a:xfrm>
+          <a:prstGeom prst="rect">
+            <a:avLst/>
+          </a:prstGeom>
+          <a:noFill/>
+        </p:spPr>
+        <p:txBody>
+          <a:bodyPr wrap="square" rtlCol="0">
+            <a:spAutoFit/>
+          </a:bodyPr>
+          <a:lstStyle/>
+          <a:p>
+            <a:r>
+              <a:rPr lang="en-US"/>
+              <a:t>Selecting a Treatment Approach</a:t>
+            </a:r>
+          </a:p>
+        </p:txBody>
+      </p:sp>
+      <p:sp>
+        <p:nvSpPr>
+          <p:cNvPr id="17" name="TextBox 16"/>
+          <p:cNvSpPr txBox="1"/>
+          <p:nvPr/>
+        </p:nvSpPr>
+        <p:spPr>
+          <a:xfrm>
+            <a:off x="3585275" y="6110924"/>
+            <a:ext cx="2991173" cy="646331"/>
+          </a:xfrm>
+          <a:prstGeom prst="rect">
+            <a:avLst/>
+          </a:prstGeom>
+          <a:noFill/>
+        </p:spPr>
+        <p:txBody>
+          <a:bodyPr wrap="square" rtlCol="0">
+            <a:spAutoFit/>
+          </a:bodyPr>
+          <a:lstStyle/>
+          <a:p>
+            <a:r>
+              <a:rPr lang="en-US"/>
+              <a:t>Determining Frequency, Duration, Service delivery</a:t>
+            </a:r>
+          </a:p>
+        </p:txBody>
+      </p:sp>
+      <p:sp>
+        <p:nvSpPr>
+          <p:cNvPr id="18" name="TextBox 17"/>
+          <p:cNvSpPr txBox="1"/>
+          <p:nvPr/>
+        </p:nvSpPr>
+        <p:spPr>
+          <a:xfrm>
+            <a:off x="3427455" y="1880674"/>
+            <a:ext cx="1286359" cy="646331"/>
+          </a:xfrm>
+          <a:prstGeom prst="rect">
+            <a:avLst/>
+          </a:prstGeom>
+          <a:noFill/>
+        </p:spPr>
+        <p:txBody>
+          <a:bodyPr wrap="square" rtlCol="0">
+            <a:spAutoFit/>
+          </a:bodyPr>
+          <a:lstStyle/>
+          <a:p>
+            <a:r>
+              <a:rPr lang="en-US"/>
+              <a:t>Session Planning</a:t>
+            </a:r>
+          </a:p>
+        </p:txBody>
+      </p:sp>
+      <p:sp>
+        <p:nvSpPr>
+          <p:cNvPr id="19" name="TextBox 18"/>
+          <p:cNvSpPr txBox="1"/>
+          <p:nvPr/>
+        </p:nvSpPr>
+        <p:spPr>
+          <a:xfrm>
+            <a:off x="2613025" y="2862445"/>
+            <a:ext cx="1282216" cy="646331"/>
+          </a:xfrm>
+          <a:prstGeom prst="rect">
+            <a:avLst/>
+          </a:prstGeom>
+          <a:noFill/>
+        </p:spPr>
+        <p:txBody>
+          <a:bodyPr wrap="square" rtlCol="0">
+            <a:spAutoFit/>
+          </a:bodyPr>
+          <a:lstStyle/>
+          <a:p>
+            <a:r>
+              <a:rPr lang="en-US">
+                <a:solidFill>
+                  <a:srgbClr val="FF0000"/>
+                </a:solidFill>
+              </a:rPr>
+              <a:t>Data Collection</a:t>
+            </a:r>
+          </a:p>
+        </p:txBody>
+      </p:sp>
+      <p:sp>
+        <p:nvSpPr>
+          <p:cNvPr id="21" name="TextBox 20"/>
+          <p:cNvSpPr txBox="1"/>
+          <p:nvPr/>
+        </p:nvSpPr>
+        <p:spPr>
+          <a:xfrm>
+            <a:off x="6576448" y="6276814"/>
+            <a:ext cx="2882685" cy="369332"/>
+          </a:xfrm>
+          <a:prstGeom prst="rect">
+            <a:avLst/>
+          </a:prstGeom>
+          <a:noFill/>
+        </p:spPr>
+        <p:txBody>
+          <a:bodyPr wrap="square" rtlCol="0">
+            <a:spAutoFit/>
+          </a:bodyPr>
+          <a:lstStyle/>
+          <a:p>
+            <a:r>
+              <a:rPr lang="en-US"/>
+              <a:t>Goal Selection</a:t>
+            </a:r>
+          </a:p>
+        </p:txBody>
+      </p:sp>
+      <p:sp>
+        <p:nvSpPr>
+          <p:cNvPr id="20" name="TextBox 19"/>
+          <p:cNvSpPr txBox="1"/>
+          <p:nvPr/>
+        </p:nvSpPr>
+        <p:spPr>
+          <a:xfrm>
+            <a:off x="2543629" y="4001295"/>
+            <a:ext cx="1355486" cy="830997"/>
+          </a:xfrm>
+          <a:prstGeom prst="rect">
+            <a:avLst/>
+          </a:prstGeom>
+          <a:noFill/>
+        </p:spPr>
+        <p:txBody>
+          <a:bodyPr wrap="square" rtlCol="0">
+            <a:spAutoFit/>
+          </a:bodyPr>
+          <a:lstStyle/>
+          <a:p>
+            <a:r>
+              <a:rPr lang="en-US" sz="1600"/>
+              <a:t>Service Delivery, Referral</a:t>
+            </a:r>
+          </a:p>
+        </p:txBody>
+      </p:sp>
+    </p:spTree>
+    <p:extLst>
+      <p:ext uri="{BB962C8B-B14F-4D97-AF65-F5344CB8AC3E}">
+        <p14:creationId xmlns:p14="http://schemas.microsoft.com/office/powerpoint/2010/main" val="1067344204"/>
+      </p:ext>
+    </p:extLst>
+  </p:cSld>
+  <p:clrMapOvr>
+    <a:masterClrMapping/>
+  </p:clrMapOvr>
+</p:sld>
+</file>
+
+<file path=ppt/slides/slide8.xml><?xml version="1.0" encoding="utf-8"?>
+<p:sld xmlns:a="http://schemas.openxmlformats.org/drawingml/2006/main" xmlns:r="http://schemas.openxmlformats.org/officeDocument/2006/relationships" xmlns:p="http://schemas.openxmlformats.org/presentationml/2006/main">
+  <p:cSld>
+    <p:spTree>
+      <p:nvGrpSpPr>
+        <p:cNvPr id="1" name=""/>
+        <p:cNvGrpSpPr/>
+        <p:nvPr/>
+      </p:nvGrpSpPr>
+      <p:grpSpPr>
+        <a:xfrm>
+          <a:off x="0" y="0"/>
+          <a:ext cx="0" cy="0"/>
+          <a:chOff x="0" y="0"/>
+          <a:chExt cx="0" cy="0"/>
+        </a:xfrm>
+      </p:grpSpPr>
+      <p:sp>
+        <p:nvSpPr>
           <p:cNvPr id="2" name="Title 1"/>
           <p:cNvSpPr>
             <a:spLocks noGrp="1"/>
@@ -4257,38 +9994,15 @@
             <p:ph type="title"/>
           </p:nvPr>
         </p:nvSpPr>
-        <p:spPr>
-          <a:xfrm>
-            <a:off x="2152650" y="247561"/>
-            <a:ext cx="7886700" cy="758280"/>
-          </a:xfrm>
-        </p:spPr>
-        <p:txBody>
-          <a:bodyPr>
-            <a:normAutofit fontScale="90000"/>
-          </a:bodyPr>
+        <p:spPr/>
+        <p:txBody>
+          <a:bodyPr/>
           <a:lstStyle/>
           <a:p>
             <a:r>
-              <a:rPr lang="en-US" b="1" dirty="0">
-                <a:solidFill>
-                  <a:srgbClr val="FF0000"/>
-                </a:solidFill>
-              </a:rPr>
-              <a:t>Assignment 3:  Create a data sheet </a:t>
-            </a:r>
-            <a:br>
-              <a:rPr lang="en-US" b="1" dirty="0">
-                <a:solidFill>
-                  <a:srgbClr val="FF0000"/>
-                </a:solidFill>
-              </a:rPr>
-            </a:br>
-            <a:endParaRPr lang="en-US" b="1" dirty="0">
-              <a:solidFill>
-                <a:srgbClr val="FF0000"/>
-              </a:solidFill>
-            </a:endParaRPr>
+              <a:rPr lang="en-US"/>
+              <a:t>Session Data</a:t>
+            </a:r>
           </a:p>
         </p:txBody>
       </p:sp>
@@ -4302,210 +10016,206 @@
             <p:ph idx="1"/>
           </p:nvPr>
         </p:nvSpPr>
-        <p:spPr>
-          <a:xfrm>
-            <a:off x="1857920" y="718548"/>
-            <a:ext cx="8476161" cy="6025153"/>
-          </a:xfrm>
-        </p:spPr>
+        <p:spPr/>
         <p:txBody>
           <a:bodyPr>
-            <a:normAutofit fontScale="77500" lnSpcReduction="20000"/>
+            <a:normAutofit/>
           </a:bodyPr>
           <a:lstStyle/>
           <a:p>
-            <a:pPr marL="0" indent="0">
-              <a:buNone/>
-            </a:pPr>
-            <a:r>
-              <a:rPr lang="en-US" b="1" dirty="0">
-                <a:solidFill>
-                  <a:schemeClr val="tx2">
-                    <a:lumMod val="50000"/>
-                  </a:schemeClr>
-                </a:solidFill>
-              </a:rPr>
-              <a:t>Scenario #1</a:t>
-            </a:r>
-            <a:r>
-              <a:rPr lang="en-US" dirty="0">
-                <a:solidFill>
-                  <a:schemeClr val="tx2">
-                    <a:lumMod val="50000"/>
-                  </a:schemeClr>
-                </a:solidFill>
-              </a:rPr>
-              <a:t>:  11-year-old with mixed expressive/receptive language delays secondary to Down Syndrome</a:t>
-            </a:r>
-            <a:endParaRPr lang="en-US" sz="1100" dirty="0">
-              <a:solidFill>
-                <a:schemeClr val="tx2">
-                  <a:lumMod val="50000"/>
-                </a:schemeClr>
-              </a:solidFill>
-            </a:endParaRPr>
-          </a:p>
-          <a:p>
-            <a:pPr marL="0" indent="0">
-              <a:buNone/>
-            </a:pPr>
-            <a:r>
-              <a:rPr lang="en-US" dirty="0">
-                <a:solidFill>
-                  <a:schemeClr val="tx2">
-                    <a:lumMod val="50000"/>
-                  </a:schemeClr>
-                </a:solidFill>
-              </a:rPr>
-              <a:t>Goal:  When given incomplete, inaccurate, or complex oral directions during structured therapy activities, </a:t>
-            </a:r>
-            <a:r>
-              <a:rPr lang="en-US" dirty="0" err="1">
-                <a:solidFill>
-                  <a:schemeClr val="tx2">
-                    <a:lumMod val="50000"/>
-                  </a:schemeClr>
-                </a:solidFill>
-              </a:rPr>
-              <a:t>Detriche</a:t>
-            </a:r>
-            <a:r>
-              <a:rPr lang="en-US" dirty="0">
-                <a:solidFill>
-                  <a:schemeClr val="tx2">
-                    <a:lumMod val="50000"/>
-                  </a:schemeClr>
-                </a:solidFill>
-              </a:rPr>
-              <a:t> will ask appropriate clarifying questions on at least 80% of the opportunities across 2 consecutive sessions. </a:t>
-            </a:r>
-          </a:p>
-          <a:p>
-            <a:pPr marL="0" indent="0">
-              <a:buNone/>
-            </a:pPr>
-            <a:endParaRPr lang="en-US" sz="1200" dirty="0">
-              <a:solidFill>
-                <a:schemeClr val="tx2">
-                  <a:lumMod val="50000"/>
-                </a:schemeClr>
-              </a:solidFill>
-            </a:endParaRPr>
-          </a:p>
-          <a:p>
-            <a:pPr marL="0" indent="0">
-              <a:buNone/>
-            </a:pPr>
-            <a:r>
-              <a:rPr lang="en-US" dirty="0">
-                <a:solidFill>
-                  <a:schemeClr val="tx2">
-                    <a:lumMod val="50000"/>
-                  </a:schemeClr>
-                </a:solidFill>
-              </a:rPr>
-              <a:t>Baseline:  </a:t>
-            </a:r>
-            <a:r>
-              <a:rPr lang="en-US" dirty="0" err="1">
-                <a:solidFill>
-                  <a:schemeClr val="tx2">
-                    <a:lumMod val="50000"/>
-                  </a:schemeClr>
-                </a:solidFill>
-              </a:rPr>
-              <a:t>Detriche</a:t>
-            </a:r>
-            <a:r>
-              <a:rPr lang="en-US" dirty="0">
-                <a:solidFill>
-                  <a:schemeClr val="tx2">
-                    <a:lumMod val="50000"/>
-                  </a:schemeClr>
-                </a:solidFill>
-              </a:rPr>
-              <a:t> does not ask clarifying questions, but will attempt to follow oral directions even when he has insufficient information or does not understand the direction.</a:t>
-            </a:r>
-          </a:p>
-          <a:p>
-            <a:pPr marL="0" indent="0">
-              <a:buNone/>
-            </a:pPr>
-            <a:r>
-              <a:rPr lang="en-US" dirty="0"/>
-              <a:t> </a:t>
-            </a:r>
-          </a:p>
-          <a:p>
-            <a:pPr marL="0" indent="0">
-              <a:buNone/>
-            </a:pPr>
-            <a:r>
-              <a:rPr lang="en-US" b="1" dirty="0">
-                <a:solidFill>
-                  <a:schemeClr val="accent2">
-                    <a:lumMod val="50000"/>
-                  </a:schemeClr>
-                </a:solidFill>
-              </a:rPr>
-              <a:t>Scenario #2:</a:t>
-            </a:r>
-            <a:r>
-              <a:rPr lang="en-US" dirty="0">
-                <a:solidFill>
-                  <a:schemeClr val="accent2">
-                    <a:lumMod val="50000"/>
-                  </a:schemeClr>
-                </a:solidFill>
-              </a:rPr>
-              <a:t>  65-year-old male with dysarthria, secondary to a stroke</a:t>
-            </a:r>
-          </a:p>
-          <a:p>
-            <a:r>
-              <a:rPr lang="en-US" dirty="0">
-                <a:solidFill>
-                  <a:schemeClr val="accent2">
-                    <a:lumMod val="50000"/>
-                  </a:schemeClr>
-                </a:solidFill>
-              </a:rPr>
-              <a:t> Goal:   During conversation in the therapy setting, John will independently repair a communication breakdown by using gestures, writing, and/or his personalized communication book on at least 3 of 5 occasions across 2 sessions.</a:t>
-            </a:r>
-          </a:p>
-          <a:p>
-            <a:endParaRPr lang="en-US" sz="1100" dirty="0">
-              <a:solidFill>
-                <a:schemeClr val="accent2">
-                  <a:lumMod val="50000"/>
-                </a:schemeClr>
-              </a:solidFill>
-            </a:endParaRPr>
-          </a:p>
-          <a:p>
-            <a:r>
-              <a:rPr lang="en-US" dirty="0">
-                <a:solidFill>
-                  <a:schemeClr val="accent2">
-                    <a:lumMod val="50000"/>
-                  </a:schemeClr>
-                </a:solidFill>
-              </a:rPr>
-              <a:t>Baseline:  When a communication breakdown occurs, John will restate his message, but that is often unsuccessful in resolving the breakdown.  He needs verbal prompts to use augmentative communication strategies.</a:t>
-            </a:r>
-          </a:p>
-          <a:p>
-            <a:pPr marL="0" indent="0">
-              <a:buNone/>
-            </a:pPr>
-            <a:endParaRPr lang="en-US" dirty="0"/>
+            <a:r>
+              <a:rPr lang="en-US"/>
+              <a:t>Used to record progress on LTGs and/or STOs</a:t>
+            </a:r>
+          </a:p>
+          <a:p>
+            <a:r>
+              <a:rPr lang="en-US"/>
+              <a:t>Varies based on how goals/objectives are written</a:t>
+            </a:r>
+          </a:p>
+          <a:p>
+            <a:pPr lvl="1"/>
+            <a:r>
+              <a:rPr lang="en-US" sz="2500"/>
+              <a:t>Make sure the measurement for your goal can be completed efficiently during the session</a:t>
+            </a:r>
+          </a:p>
+          <a:p>
+            <a:r>
+              <a:rPr lang="en-US"/>
+              <a:t>Can be quantitative or qualitative</a:t>
+            </a:r>
           </a:p>
         </p:txBody>
       </p:sp>
     </p:spTree>
     <p:extLst>
       <p:ext uri="{BB962C8B-B14F-4D97-AF65-F5344CB8AC3E}">
-        <p14:creationId xmlns:p14="http://schemas.microsoft.com/office/powerpoint/2010/main" val="415209136"/>
+        <p14:creationId xmlns:p14="http://schemas.microsoft.com/office/powerpoint/2010/main" val="680103858"/>
+      </p:ext>
+    </p:extLst>
+  </p:cSld>
+  <p:clrMapOvr>
+    <a:masterClrMapping/>
+  </p:clrMapOvr>
+</p:sld>
+</file>
+
+<file path=ppt/slides/slide9.xml><?xml version="1.0" encoding="utf-8"?>
+<p:sld xmlns:a="http://schemas.openxmlformats.org/drawingml/2006/main" xmlns:r="http://schemas.openxmlformats.org/officeDocument/2006/relationships" xmlns:p="http://schemas.openxmlformats.org/presentationml/2006/main">
+  <p:cSld>
+    <p:spTree>
+      <p:nvGrpSpPr>
+        <p:cNvPr id="1" name=""/>
+        <p:cNvGrpSpPr/>
+        <p:nvPr/>
+      </p:nvGrpSpPr>
+      <p:grpSpPr>
+        <a:xfrm>
+          <a:off x="0" y="0"/>
+          <a:ext cx="0" cy="0"/>
+          <a:chOff x="0" y="0"/>
+          <a:chExt cx="0" cy="0"/>
+        </a:xfrm>
+      </p:grpSpPr>
+      <p:sp>
+        <p:nvSpPr>
+          <p:cNvPr id="2" name="Title 1"/>
+          <p:cNvSpPr>
+            <a:spLocks noGrp="1"/>
+          </p:cNvSpPr>
+          <p:nvPr>
+            <p:ph type="title"/>
+          </p:nvPr>
+        </p:nvSpPr>
+        <p:spPr/>
+        <p:txBody>
+          <a:bodyPr/>
+          <a:lstStyle/>
+          <a:p>
+            <a:r>
+              <a:rPr lang="en-US">
+                <a:solidFill>
+                  <a:srgbClr val="7030A0"/>
+                </a:solidFill>
+              </a:rPr>
+              <a:t>Quantitative Data</a:t>
+            </a:r>
+          </a:p>
+        </p:txBody>
+      </p:sp>
+      <p:sp>
+        <p:nvSpPr>
+          <p:cNvPr id="3" name="Content Placeholder 2"/>
+          <p:cNvSpPr>
+            <a:spLocks noGrp="1"/>
+          </p:cNvSpPr>
+          <p:nvPr>
+            <p:ph idx="1"/>
+          </p:nvPr>
+        </p:nvSpPr>
+        <p:spPr>
+          <a:xfrm>
+            <a:off x="2152650" y="1373809"/>
+            <a:ext cx="7886700" cy="5403514"/>
+          </a:xfrm>
+        </p:spPr>
+        <p:txBody>
+          <a:bodyPr>
+            <a:noAutofit/>
+          </a:bodyPr>
+          <a:lstStyle/>
+          <a:p>
+            <a:r>
+              <a:rPr lang="en-US" sz="2400" dirty="0"/>
+              <a:t>Numerical Data, representing actual values or arbitrary categories (e.g., rating scale)</a:t>
+            </a:r>
+          </a:p>
+          <a:p>
+            <a:r>
+              <a:rPr lang="en-US" sz="2400" dirty="0"/>
+              <a:t>Types:</a:t>
+            </a:r>
+          </a:p>
+          <a:p>
+            <a:pPr lvl="1"/>
+            <a:r>
+              <a:rPr lang="en-US" dirty="0">
+                <a:solidFill>
+                  <a:srgbClr val="7030A0"/>
+                </a:solidFill>
+              </a:rPr>
+              <a:t>Event/Frequency recording- </a:t>
+            </a:r>
+            <a:r>
+              <a:rPr lang="en-US" dirty="0"/>
+              <a:t>“How often did it happen?” (+/-; % occurrence)</a:t>
+            </a:r>
+          </a:p>
+          <a:p>
+            <a:pPr lvl="1"/>
+            <a:r>
+              <a:rPr lang="en-US" dirty="0">
+                <a:solidFill>
+                  <a:srgbClr val="7030A0"/>
+                </a:solidFill>
+              </a:rPr>
+              <a:t>Duration Recording- </a:t>
+            </a:r>
+            <a:r>
+              <a:rPr lang="en-US" dirty="0"/>
+              <a:t>“For how long did it happen? (sec, min)</a:t>
+            </a:r>
+          </a:p>
+          <a:p>
+            <a:pPr lvl="1"/>
+            <a:r>
+              <a:rPr lang="en-US" dirty="0">
+                <a:solidFill>
+                  <a:srgbClr val="7030A0"/>
+                </a:solidFill>
+              </a:rPr>
+              <a:t>Interval Recording- </a:t>
+            </a:r>
+            <a:r>
+              <a:rPr lang="en-US" dirty="0"/>
+              <a:t>“Did it happen during this time?” (+/-; % occurrence during time)</a:t>
+            </a:r>
+          </a:p>
+          <a:p>
+            <a:r>
+              <a:rPr lang="en-US" sz="2400" dirty="0"/>
+              <a:t>Examples:</a:t>
+            </a:r>
+          </a:p>
+          <a:p>
+            <a:pPr lvl="1"/>
+            <a:r>
+              <a:rPr lang="en-US" dirty="0"/>
+              <a:t>70% accurate (14/20 times)</a:t>
+            </a:r>
+          </a:p>
+          <a:p>
+            <a:pPr lvl="1"/>
+            <a:r>
+              <a:rPr lang="en-US" dirty="0"/>
+              <a:t>Remained on topic for at least 2 min </a:t>
+            </a:r>
+          </a:p>
+          <a:p>
+            <a:pPr lvl="1"/>
+            <a:r>
+              <a:rPr lang="en-US" dirty="0"/>
+              <a:t>Appropriate social interactions during 2-minute intervals on the playground</a:t>
+            </a:r>
+          </a:p>
+        </p:txBody>
+      </p:sp>
+    </p:spTree>
+    <p:extLst>
+      <p:ext uri="{BB962C8B-B14F-4D97-AF65-F5344CB8AC3E}">
+        <p14:creationId xmlns:p14="http://schemas.microsoft.com/office/powerpoint/2010/main" val="405775663"/>
       </p:ext>
     </p:extLst>
   </p:cSld>

--- a/slides/cds431_week6_2.pptx
+++ b/slides/cds431_week6_2.pptx
@@ -2868,7 +2868,7 @@
           <a:p>
             <a:fld id="{C02D8986-E5B6-C84E-8B51-964FB52C2797}" type="datetimeFigureOut">
               <a:rPr lang="en-US" smtClean="0"/>
-              <a:t>1/11/22</a:t>
+              <a:t>4/28/22</a:t>
             </a:fld>
             <a:endParaRPr lang="en-US"/>
           </a:p>
@@ -3621,7 +3621,7 @@
           <a:p>
             <a:fld id="{7A5DB002-1B53-2540-A687-7550A77331AF}" type="datetimeFigureOut">
               <a:rPr lang="en-US" smtClean="0"/>
-              <a:t>1/11/22</a:t>
+              <a:t>4/28/22</a:t>
             </a:fld>
             <a:endParaRPr lang="en-US"/>
           </a:p>
@@ -3819,7 +3819,7 @@
           <a:p>
             <a:fld id="{7A5DB002-1B53-2540-A687-7550A77331AF}" type="datetimeFigureOut">
               <a:rPr lang="en-US" smtClean="0"/>
-              <a:t>1/11/22</a:t>
+              <a:t>4/28/22</a:t>
             </a:fld>
             <a:endParaRPr lang="en-US"/>
           </a:p>
@@ -4027,7 +4027,7 @@
           <a:p>
             <a:fld id="{7A5DB002-1B53-2540-A687-7550A77331AF}" type="datetimeFigureOut">
               <a:rPr lang="en-US" smtClean="0"/>
-              <a:t>1/11/22</a:t>
+              <a:t>4/28/22</a:t>
             </a:fld>
             <a:endParaRPr lang="en-US"/>
           </a:p>
@@ -4225,7 +4225,7 @@
           <a:p>
             <a:fld id="{7A5DB002-1B53-2540-A687-7550A77331AF}" type="datetimeFigureOut">
               <a:rPr lang="en-US" smtClean="0"/>
-              <a:t>1/11/22</a:t>
+              <a:t>4/28/22</a:t>
             </a:fld>
             <a:endParaRPr lang="en-US"/>
           </a:p>
@@ -4500,7 +4500,7 @@
           <a:p>
             <a:fld id="{7A5DB002-1B53-2540-A687-7550A77331AF}" type="datetimeFigureOut">
               <a:rPr lang="en-US" smtClean="0"/>
-              <a:t>1/11/22</a:t>
+              <a:t>4/28/22</a:t>
             </a:fld>
             <a:endParaRPr lang="en-US"/>
           </a:p>
@@ -4765,7 +4765,7 @@
           <a:p>
             <a:fld id="{7A5DB002-1B53-2540-A687-7550A77331AF}" type="datetimeFigureOut">
               <a:rPr lang="en-US" smtClean="0"/>
-              <a:t>1/11/22</a:t>
+              <a:t>4/28/22</a:t>
             </a:fld>
             <a:endParaRPr lang="en-US"/>
           </a:p>
@@ -5177,7 +5177,7 @@
           <a:p>
             <a:fld id="{7A5DB002-1B53-2540-A687-7550A77331AF}" type="datetimeFigureOut">
               <a:rPr lang="en-US" smtClean="0"/>
-              <a:t>1/11/22</a:t>
+              <a:t>4/28/22</a:t>
             </a:fld>
             <a:endParaRPr lang="en-US"/>
           </a:p>
@@ -5318,7 +5318,7 @@
           <a:p>
             <a:fld id="{7A5DB002-1B53-2540-A687-7550A77331AF}" type="datetimeFigureOut">
               <a:rPr lang="en-US" smtClean="0"/>
-              <a:t>1/11/22</a:t>
+              <a:t>4/28/22</a:t>
             </a:fld>
             <a:endParaRPr lang="en-US"/>
           </a:p>
@@ -5431,7 +5431,7 @@
           <a:p>
             <a:fld id="{7A5DB002-1B53-2540-A687-7550A77331AF}" type="datetimeFigureOut">
               <a:rPr lang="en-US" smtClean="0"/>
-              <a:t>1/11/22</a:t>
+              <a:t>4/28/22</a:t>
             </a:fld>
             <a:endParaRPr lang="en-US"/>
           </a:p>
@@ -5742,7 +5742,7 @@
           <a:p>
             <a:fld id="{7A5DB002-1B53-2540-A687-7550A77331AF}" type="datetimeFigureOut">
               <a:rPr lang="en-US" smtClean="0"/>
-              <a:t>1/11/22</a:t>
+              <a:t>4/28/22</a:t>
             </a:fld>
             <a:endParaRPr lang="en-US"/>
           </a:p>
@@ -6030,7 +6030,7 @@
           <a:p>
             <a:fld id="{7A5DB002-1B53-2540-A687-7550A77331AF}" type="datetimeFigureOut">
               <a:rPr lang="en-US" smtClean="0"/>
-              <a:t>1/11/22</a:t>
+              <a:t>4/28/22</a:t>
             </a:fld>
             <a:endParaRPr lang="en-US"/>
           </a:p>
@@ -6301,7 +6301,7 @@
           <a:p>
             <a:fld id="{7A5DB002-1B53-2540-A687-7550A77331AF}" type="datetimeFigureOut">
               <a:rPr lang="en-US" smtClean="0"/>
-              <a:t>1/11/22</a:t>
+              <a:t>4/28/22</a:t>
             </a:fld>
             <a:endParaRPr lang="en-US"/>
           </a:p>
@@ -7071,7 +7071,7 @@
           <a:p>
             <a:r>
               <a:rPr lang="en-US" dirty="0"/>
-              <a:t>Wholistic:  looks at the complexity of communication</a:t>
+              <a:t>Wholistic: looks at the complexity of communication</a:t>
             </a:r>
           </a:p>
           <a:p>
@@ -9169,6 +9169,55 @@
           </a:p>
         </p:txBody>
       </p:sp>
+      <p:sp>
+        <p:nvSpPr>
+          <p:cNvPr id="4" name="TextBox 3">
+            <a:extLst>
+              <a:ext uri="{FF2B5EF4-FFF2-40B4-BE49-F238E27FC236}">
+                <a16:creationId xmlns:a16="http://schemas.microsoft.com/office/drawing/2014/main" id="{B505224E-EFA5-4AB4-9177-388ACB2CF36D}"/>
+              </a:ext>
+            </a:extLst>
+          </p:cNvPr>
+          <p:cNvSpPr txBox="1"/>
+          <p:nvPr/>
+        </p:nvSpPr>
+        <p:spPr>
+          <a:xfrm>
+            <a:off x="4696178" y="1124167"/>
+            <a:ext cx="5176342" cy="738664"/>
+          </a:xfrm>
+          <a:prstGeom prst="rect">
+            <a:avLst/>
+          </a:prstGeom>
+          <a:noFill/>
+        </p:spPr>
+        <p:txBody>
+          <a:bodyPr wrap="square" rtlCol="0">
+            <a:spAutoFit/>
+          </a:bodyPr>
+          <a:lstStyle/>
+          <a:p>
+            <a:r>
+              <a:rPr lang="en-US" sz="1400" dirty="0">
+                <a:solidFill>
+                  <a:srgbClr val="FF0000"/>
+                </a:solidFill>
+              </a:rPr>
+              <a:t>Direct: client imitates clinician model</a:t>
+            </a:r>
+          </a:p>
+          <a:p>
+            <a:r>
+              <a:rPr lang="en-US" sz="1400" dirty="0">
+                <a:solidFill>
+                  <a:srgbClr val="FF0000"/>
+                </a:solidFill>
+              </a:rPr>
+              <a:t>Indirect: clinician demonstrates expected behavior with increased frequency without expectation for client to respond</a:t>
+            </a:r>
+          </a:p>
+        </p:txBody>
+      </p:sp>
     </p:spTree>
     <p:extLst>
       <p:ext uri="{BB962C8B-B14F-4D97-AF65-F5344CB8AC3E}">
